--- a/Presentation/ToinHS-ScienceClub-Presentation.pptx
+++ b/Presentation/ToinHS-ScienceClub-Presentation.pptx
@@ -6,7 +6,8 @@
   </p:sldMasterIdLst>
   <p:sldIdLst>
     <p:sldId id="257" r:id="rId2"/>
-    <p:sldId id="256" r:id="rId3"/>
+    <p:sldId id="258" r:id="rId3"/>
+    <p:sldId id="259" r:id="rId4"/>
   </p:sldIdLst>
   <p:sldSz cx="12192000" cy="6858000"/>
   <p:notesSz cx="6858000" cy="9144000"/>
@@ -105,6 +106,11 @@
       </a:defRPr>
     </a:lvl9pPr>
   </p:defaultTextStyle>
+  <p:extLst>
+    <p:ext uri="{EFAFB233-063F-42B5-8137-9DF3F51BA10A}">
+      <p15:sldGuideLst xmlns:p15="http://schemas.microsoft.com/office/powerpoint/2012/main"/>
+    </p:ext>
+  </p:extLst>
 </p:presentation>
 </file>
 
@@ -255,7 +261,7 @@
           <a:p>
             <a:fld id="{7A4B093D-17E4-4CE8-AB83-7C8D068338C4}" type="datetimeFigureOut">
               <a:rPr kumimoji="1" lang="ja-JP" altLang="en-US" smtClean="0"/>
-              <a:t>2024/10/5</a:t>
+              <a:t>2024/10/6</a:t>
             </a:fld>
             <a:endParaRPr kumimoji="1" lang="ja-JP" altLang="en-US"/>
           </a:p>
@@ -485,7 +491,7 @@
           <a:p>
             <a:fld id="{7A4B093D-17E4-4CE8-AB83-7C8D068338C4}" type="datetimeFigureOut">
               <a:rPr kumimoji="1" lang="ja-JP" altLang="en-US" smtClean="0"/>
-              <a:t>2024/10/5</a:t>
+              <a:t>2024/10/6</a:t>
             </a:fld>
             <a:endParaRPr kumimoji="1" lang="ja-JP" altLang="en-US"/>
           </a:p>
@@ -725,7 +731,7 @@
           <a:p>
             <a:fld id="{7A4B093D-17E4-4CE8-AB83-7C8D068338C4}" type="datetimeFigureOut">
               <a:rPr kumimoji="1" lang="ja-JP" altLang="en-US" smtClean="0"/>
-              <a:t>2024/10/5</a:t>
+              <a:t>2024/10/6</a:t>
             </a:fld>
             <a:endParaRPr kumimoji="1" lang="ja-JP" altLang="en-US"/>
           </a:p>
@@ -955,7 +961,7 @@
           <a:p>
             <a:fld id="{7A4B093D-17E4-4CE8-AB83-7C8D068338C4}" type="datetimeFigureOut">
               <a:rPr kumimoji="1" lang="ja-JP" altLang="en-US" smtClean="0"/>
-              <a:t>2024/10/5</a:t>
+              <a:t>2024/10/6</a:t>
             </a:fld>
             <a:endParaRPr kumimoji="1" lang="ja-JP" altLang="en-US"/>
           </a:p>
@@ -1230,7 +1236,7 @@
           <a:p>
             <a:fld id="{7A4B093D-17E4-4CE8-AB83-7C8D068338C4}" type="datetimeFigureOut">
               <a:rPr kumimoji="1" lang="ja-JP" altLang="en-US" smtClean="0"/>
-              <a:t>2024/10/5</a:t>
+              <a:t>2024/10/6</a:t>
             </a:fld>
             <a:endParaRPr kumimoji="1" lang="ja-JP" altLang="en-US"/>
           </a:p>
@@ -1559,7 +1565,7 @@
           <a:p>
             <a:fld id="{7A4B093D-17E4-4CE8-AB83-7C8D068338C4}" type="datetimeFigureOut">
               <a:rPr kumimoji="1" lang="ja-JP" altLang="en-US" smtClean="0"/>
-              <a:t>2024/10/5</a:t>
+              <a:t>2024/10/6</a:t>
             </a:fld>
             <a:endParaRPr kumimoji="1" lang="ja-JP" altLang="en-US"/>
           </a:p>
@@ -2035,7 +2041,7 @@
           <a:p>
             <a:fld id="{7A4B093D-17E4-4CE8-AB83-7C8D068338C4}" type="datetimeFigureOut">
               <a:rPr kumimoji="1" lang="ja-JP" altLang="en-US" smtClean="0"/>
-              <a:t>2024/10/5</a:t>
+              <a:t>2024/10/6</a:t>
             </a:fld>
             <a:endParaRPr kumimoji="1" lang="ja-JP" altLang="en-US"/>
           </a:p>
@@ -2176,7 +2182,7 @@
           <a:p>
             <a:fld id="{7A4B093D-17E4-4CE8-AB83-7C8D068338C4}" type="datetimeFigureOut">
               <a:rPr kumimoji="1" lang="ja-JP" altLang="en-US" smtClean="0"/>
-              <a:t>2024/10/5</a:t>
+              <a:t>2024/10/6</a:t>
             </a:fld>
             <a:endParaRPr kumimoji="1" lang="ja-JP" altLang="en-US"/>
           </a:p>
@@ -2289,7 +2295,7 @@
           <a:p>
             <a:fld id="{7A4B093D-17E4-4CE8-AB83-7C8D068338C4}" type="datetimeFigureOut">
               <a:rPr kumimoji="1" lang="ja-JP" altLang="en-US" smtClean="0"/>
-              <a:t>2024/10/5</a:t>
+              <a:t>2024/10/6</a:t>
             </a:fld>
             <a:endParaRPr kumimoji="1" lang="ja-JP" altLang="en-US"/>
           </a:p>
@@ -2632,7 +2638,7 @@
           <a:p>
             <a:fld id="{7A4B093D-17E4-4CE8-AB83-7C8D068338C4}" type="datetimeFigureOut">
               <a:rPr kumimoji="1" lang="ja-JP" altLang="en-US" smtClean="0"/>
-              <a:t>2024/10/5</a:t>
+              <a:t>2024/10/6</a:t>
             </a:fld>
             <a:endParaRPr kumimoji="1" lang="ja-JP" altLang="en-US"/>
           </a:p>
@@ -2920,7 +2926,7 @@
           <a:p>
             <a:fld id="{7A4B093D-17E4-4CE8-AB83-7C8D068338C4}" type="datetimeFigureOut">
               <a:rPr kumimoji="1" lang="ja-JP" altLang="en-US" smtClean="0"/>
-              <a:t>2024/10/5</a:t>
+              <a:t>2024/10/6</a:t>
             </a:fld>
             <a:endParaRPr kumimoji="1" lang="ja-JP" altLang="en-US"/>
           </a:p>
@@ -3193,7 +3199,7 @@
           <a:p>
             <a:fld id="{7A4B093D-17E4-4CE8-AB83-7C8D068338C4}" type="datetimeFigureOut">
               <a:rPr kumimoji="1" lang="ja-JP" altLang="en-US" smtClean="0"/>
-              <a:t>2024/10/5</a:t>
+              <a:t>2024/10/6</a:t>
             </a:fld>
             <a:endParaRPr kumimoji="1" lang="ja-JP" altLang="en-US"/>
           </a:p>
@@ -3823,7 +3829,7 @@
         <p:spPr>
           <a:xfrm>
             <a:off x="-409121" y="-464374"/>
-            <a:ext cx="11687815" cy="7786747"/>
+            <a:ext cx="8273419" cy="7786747"/>
           </a:xfrm>
           <a:prstGeom prst="rect">
             <a:avLst/>
@@ -3837,16 +3843,12 @@
           <a:lstStyle/>
           <a:p>
             <a:r>
-              <a:rPr lang="en-US" altLang="ja-JP" sz="25000" spc="400" dirty="0" err="1">
+              <a:rPr kumimoji="1" lang="en-US" altLang="ja-JP" sz="25000" spc="400" dirty="0">
                 <a:latin typeface="Noto Sans JP Medium" panose="020B0600000000000000" pitchFamily="34" charset="-128"/>
                 <a:ea typeface="Noto Sans JP Medium" panose="020B0600000000000000" pitchFamily="34" charset="-128"/>
               </a:rPr>
-              <a:t>SeiZa</a:t>
-            </a:r>
-            <a:endParaRPr lang="en-US" altLang="ja-JP" sz="25000" spc="400" dirty="0">
-              <a:latin typeface="Noto Sans JP Medium" panose="020B0600000000000000" pitchFamily="34" charset="-128"/>
-              <a:ea typeface="Noto Sans JP Medium" panose="020B0600000000000000" pitchFamily="34" charset="-128"/>
-            </a:endParaRPr>
+              <a:t>Star-</a:t>
+            </a:r>
           </a:p>
           <a:p>
             <a:r>
@@ -3854,7 +3856,7 @@
                 <a:latin typeface="Noto Sans JP Medium" panose="020B0600000000000000" pitchFamily="34" charset="-128"/>
                 <a:ea typeface="Noto Sans JP Medium" panose="020B0600000000000000" pitchFamily="34" charset="-128"/>
               </a:rPr>
-              <a:t>Builder</a:t>
+              <a:t>Liner</a:t>
             </a:r>
             <a:endParaRPr kumimoji="1" lang="ja-JP" altLang="en-US" sz="25000" spc="400" dirty="0">
               <a:latin typeface="Noto Sans JP Medium" panose="020B0600000000000000" pitchFamily="34" charset="-128"/>
@@ -3952,7 +3954,174 @@
     </p:spTree>
     <p:extLst>
       <p:ext uri="{BB962C8B-B14F-4D97-AF65-F5344CB8AC3E}">
-        <p14:creationId xmlns:p14="http://schemas.microsoft.com/office/powerpoint/2010/main" val="1462379837"/>
+        <p14:creationId xmlns:p14="http://schemas.microsoft.com/office/powerpoint/2010/main" val="1629948274"/>
+      </p:ext>
+    </p:extLst>
+  </p:cSld>
+  <p:clrMapOvr>
+    <a:masterClrMapping/>
+  </p:clrMapOvr>
+</p:sld>
+</file>
+
+<file path=ppt/slides/slide3.xml><?xml version="1.0" encoding="utf-8"?>
+<p:sld xmlns:a="http://schemas.openxmlformats.org/drawingml/2006/main" xmlns:r="http://schemas.openxmlformats.org/officeDocument/2006/relationships" xmlns:p="http://schemas.openxmlformats.org/presentationml/2006/main">
+  <p:cSld>
+    <p:spTree>
+      <p:nvGrpSpPr>
+        <p:cNvPr id="1" name=""/>
+        <p:cNvGrpSpPr/>
+        <p:nvPr/>
+      </p:nvGrpSpPr>
+      <p:grpSpPr>
+        <a:xfrm>
+          <a:off x="0" y="0"/>
+          <a:ext cx="0" cy="0"/>
+          <a:chOff x="0" y="0"/>
+          <a:chExt cx="0" cy="0"/>
+        </a:xfrm>
+      </p:grpSpPr>
+      <p:sp>
+        <p:nvSpPr>
+          <p:cNvPr id="13" name="テキスト ボックス 12">
+            <a:extLst>
+              <a:ext uri="{FF2B5EF4-FFF2-40B4-BE49-F238E27FC236}">
+                <a16:creationId xmlns:a16="http://schemas.microsoft.com/office/drawing/2014/main" id="{A343C341-8E7D-6D54-2D75-CDF15A6C2437}"/>
+              </a:ext>
+            </a:extLst>
+          </p:cNvPr>
+          <p:cNvSpPr txBox="1"/>
+          <p:nvPr/>
+        </p:nvSpPr>
+        <p:spPr>
+          <a:xfrm>
+            <a:off x="-409121" y="-464374"/>
+            <a:ext cx="9600705" cy="7786747"/>
+          </a:xfrm>
+          <a:prstGeom prst="rect">
+            <a:avLst/>
+          </a:prstGeom>
+          <a:noFill/>
+        </p:spPr>
+        <p:txBody>
+          <a:bodyPr wrap="none" rtlCol="0">
+            <a:spAutoFit/>
+          </a:bodyPr>
+          <a:lstStyle/>
+          <a:p>
+            <a:r>
+              <a:rPr kumimoji="1" lang="en-US" altLang="ja-JP" sz="25000" spc="400" dirty="0">
+                <a:latin typeface="Noto Sans JP Medium" panose="020B0600000000000000" pitchFamily="34" charset="-128"/>
+                <a:ea typeface="Noto Sans JP Medium" panose="020B0600000000000000" pitchFamily="34" charset="-128"/>
+              </a:rPr>
+              <a:t>STAR-</a:t>
+            </a:r>
+          </a:p>
+          <a:p>
+            <a:r>
+              <a:rPr lang="en-US" altLang="ja-JP" sz="25000" spc="400" dirty="0">
+                <a:latin typeface="Noto Sans JP Medium" panose="020B0600000000000000" pitchFamily="34" charset="-128"/>
+                <a:ea typeface="Noto Sans JP Medium" panose="020B0600000000000000" pitchFamily="34" charset="-128"/>
+              </a:rPr>
+              <a:t>LINER</a:t>
+            </a:r>
+            <a:endParaRPr kumimoji="1" lang="ja-JP" altLang="en-US" sz="25000" spc="400" dirty="0">
+              <a:latin typeface="Noto Sans JP Medium" panose="020B0600000000000000" pitchFamily="34" charset="-128"/>
+              <a:ea typeface="Noto Sans JP Medium" panose="020B0600000000000000" pitchFamily="34" charset="-128"/>
+            </a:endParaRPr>
+          </a:p>
+        </p:txBody>
+      </p:sp>
+      <p:sp>
+        <p:nvSpPr>
+          <p:cNvPr id="6" name="テキスト ボックス 5">
+            <a:extLst>
+              <a:ext uri="{FF2B5EF4-FFF2-40B4-BE49-F238E27FC236}">
+                <a16:creationId xmlns:a16="http://schemas.microsoft.com/office/drawing/2014/main" id="{2ABCC143-DA02-25B1-A5E0-D8F389DB2D19}"/>
+              </a:ext>
+            </a:extLst>
+          </p:cNvPr>
+          <p:cNvSpPr txBox="1"/>
+          <p:nvPr/>
+        </p:nvSpPr>
+        <p:spPr>
+          <a:xfrm>
+            <a:off x="0" y="3198166"/>
+            <a:ext cx="4846198" cy="461665"/>
+          </a:xfrm>
+          <a:prstGeom prst="rect">
+            <a:avLst/>
+          </a:prstGeom>
+          <a:noFill/>
+        </p:spPr>
+        <p:txBody>
+          <a:bodyPr wrap="none" rtlCol="0">
+            <a:spAutoFit/>
+          </a:bodyPr>
+          <a:lstStyle/>
+          <a:p>
+            <a:r>
+              <a:rPr lang="ja-JP" altLang="en-US" sz="2400" spc="400" dirty="0">
+                <a:latin typeface="Noto Sans JP Light" panose="020B0300000000000000" pitchFamily="34" charset="-128"/>
+                <a:ea typeface="Noto Sans JP Light" panose="020B0300000000000000" pitchFamily="34" charset="-128"/>
+              </a:rPr>
+              <a:t>星々を繋いで、星座を創る。</a:t>
+            </a:r>
+            <a:endParaRPr kumimoji="1" lang="ja-JP" altLang="en-US" sz="2400" spc="400" dirty="0">
+              <a:latin typeface="Noto Sans JP Light" panose="020B0300000000000000" pitchFamily="34" charset="-128"/>
+              <a:ea typeface="Noto Sans JP Light" panose="020B0300000000000000" pitchFamily="34" charset="-128"/>
+            </a:endParaRPr>
+          </a:p>
+        </p:txBody>
+      </p:sp>
+      <p:sp>
+        <p:nvSpPr>
+          <p:cNvPr id="7" name="テキスト ボックス 6">
+            <a:extLst>
+              <a:ext uri="{FF2B5EF4-FFF2-40B4-BE49-F238E27FC236}">
+                <a16:creationId xmlns:a16="http://schemas.microsoft.com/office/drawing/2014/main" id="{C1D466D7-236C-D40F-7A6D-6E50F7DB199C}"/>
+              </a:ext>
+            </a:extLst>
+          </p:cNvPr>
+          <p:cNvSpPr txBox="1"/>
+          <p:nvPr/>
+        </p:nvSpPr>
+        <p:spPr>
+          <a:xfrm>
+            <a:off x="4759198" y="3275109"/>
+            <a:ext cx="5173211" cy="307777"/>
+          </a:xfrm>
+          <a:prstGeom prst="rect">
+            <a:avLst/>
+          </a:prstGeom>
+          <a:noFill/>
+        </p:spPr>
+        <p:txBody>
+          <a:bodyPr wrap="none" rtlCol="0" anchor="ctr">
+            <a:spAutoFit/>
+          </a:bodyPr>
+          <a:lstStyle/>
+          <a:p>
+            <a:r>
+              <a:rPr lang="en-US" altLang="ja-JP" sz="1400" spc="150" dirty="0">
+                <a:latin typeface="Lato" panose="020F0502020204030203" pitchFamily="34" charset="0"/>
+                <a:ea typeface="Noto Serif JP Medium" panose="02020200000000000000" pitchFamily="18" charset="-128"/>
+                <a:cs typeface="Times New Roman" panose="02020603050405020304" pitchFamily="18" charset="0"/>
+              </a:rPr>
+              <a:t>Connect Stars in the Sky. Build Your Constellations.</a:t>
+            </a:r>
+            <a:endParaRPr kumimoji="1" lang="ja-JP" altLang="en-US" sz="1400" spc="150" dirty="0">
+              <a:latin typeface="Lato" panose="020F0502020204030203" pitchFamily="34" charset="0"/>
+              <a:ea typeface="Noto Serif JP Medium" panose="02020200000000000000" pitchFamily="18" charset="-128"/>
+              <a:cs typeface="Times New Roman" panose="02020603050405020304" pitchFamily="18" charset="0"/>
+            </a:endParaRPr>
+          </a:p>
+        </p:txBody>
+      </p:sp>
+    </p:spTree>
+    <p:extLst>
+      <p:ext uri="{BB962C8B-B14F-4D97-AF65-F5344CB8AC3E}">
+        <p14:creationId xmlns:p14="http://schemas.microsoft.com/office/powerpoint/2010/main" val="1329343705"/>
       </p:ext>
     </p:extLst>
   </p:cSld>

--- a/Presentation/ToinHS-ScienceClub-Presentation.pptx
+++ b/Presentation/ToinHS-ScienceClub-Presentation.pptx
@@ -2,21 +2,25 @@
 <file path=ppt/presentation.xml><?xml version="1.0" encoding="utf-8"?>
 <p:presentation xmlns:a="http://schemas.openxmlformats.org/drawingml/2006/main" xmlns:r="http://schemas.openxmlformats.org/officeDocument/2006/relationships" xmlns:p="http://schemas.openxmlformats.org/presentationml/2006/main" saveSubsetFonts="1">
   <p:sldMasterIdLst>
-    <p:sldMasterId id="2147483648" r:id="rId1"/>
+    <p:sldMasterId id="2147483660" r:id="rId1"/>
   </p:sldMasterIdLst>
   <p:sldIdLst>
     <p:sldId id="257" r:id="rId2"/>
-    <p:sldId id="258" r:id="rId3"/>
-    <p:sldId id="259" r:id="rId4"/>
+    <p:sldId id="259" r:id="rId3"/>
+    <p:sldId id="262" r:id="rId4"/>
+    <p:sldId id="260" r:id="rId5"/>
+    <p:sldId id="261" r:id="rId6"/>
+    <p:sldId id="264" r:id="rId7"/>
+    <p:sldId id="263" r:id="rId8"/>
   </p:sldIdLst>
   <p:sldSz cx="12192000" cy="6858000"/>
   <p:notesSz cx="6858000" cy="9144000"/>
   <p:defaultTextStyle>
     <a:defPPr>
-      <a:defRPr lang="ja-JP"/>
+      <a:defRPr lang="en-US"/>
     </a:defPPr>
-    <a:lvl1pPr marL="0" algn="l" defTabSz="914400" rtl="0" eaLnBrk="1" latinLnBrk="0" hangingPunct="1">
-      <a:defRPr kumimoji="1" sz="1800" kern="1200">
+    <a:lvl1pPr marL="0" algn="l" defTabSz="457200" rtl="0" eaLnBrk="1" latinLnBrk="0" hangingPunct="1">
+      <a:defRPr sz="1800" kern="1200">
         <a:solidFill>
           <a:schemeClr val="tx1"/>
         </a:solidFill>
@@ -25,8 +29,8 @@
         <a:cs typeface="+mn-cs"/>
       </a:defRPr>
     </a:lvl1pPr>
-    <a:lvl2pPr marL="457200" algn="l" defTabSz="914400" rtl="0" eaLnBrk="1" latinLnBrk="0" hangingPunct="1">
-      <a:defRPr kumimoji="1" sz="1800" kern="1200">
+    <a:lvl2pPr marL="457200" algn="l" defTabSz="457200" rtl="0" eaLnBrk="1" latinLnBrk="0" hangingPunct="1">
+      <a:defRPr sz="1800" kern="1200">
         <a:solidFill>
           <a:schemeClr val="tx1"/>
         </a:solidFill>
@@ -35,8 +39,8 @@
         <a:cs typeface="+mn-cs"/>
       </a:defRPr>
     </a:lvl2pPr>
-    <a:lvl3pPr marL="914400" algn="l" defTabSz="914400" rtl="0" eaLnBrk="1" latinLnBrk="0" hangingPunct="1">
-      <a:defRPr kumimoji="1" sz="1800" kern="1200">
+    <a:lvl3pPr marL="914400" algn="l" defTabSz="457200" rtl="0" eaLnBrk="1" latinLnBrk="0" hangingPunct="1">
+      <a:defRPr sz="1800" kern="1200">
         <a:solidFill>
           <a:schemeClr val="tx1"/>
         </a:solidFill>
@@ -45,8 +49,8 @@
         <a:cs typeface="+mn-cs"/>
       </a:defRPr>
     </a:lvl3pPr>
-    <a:lvl4pPr marL="1371600" algn="l" defTabSz="914400" rtl="0" eaLnBrk="1" latinLnBrk="0" hangingPunct="1">
-      <a:defRPr kumimoji="1" sz="1800" kern="1200">
+    <a:lvl4pPr marL="1371600" algn="l" defTabSz="457200" rtl="0" eaLnBrk="1" latinLnBrk="0" hangingPunct="1">
+      <a:defRPr sz="1800" kern="1200">
         <a:solidFill>
           <a:schemeClr val="tx1"/>
         </a:solidFill>
@@ -55,8 +59,8 @@
         <a:cs typeface="+mn-cs"/>
       </a:defRPr>
     </a:lvl4pPr>
-    <a:lvl5pPr marL="1828800" algn="l" defTabSz="914400" rtl="0" eaLnBrk="1" latinLnBrk="0" hangingPunct="1">
-      <a:defRPr kumimoji="1" sz="1800" kern="1200">
+    <a:lvl5pPr marL="1828800" algn="l" defTabSz="457200" rtl="0" eaLnBrk="1" latinLnBrk="0" hangingPunct="1">
+      <a:defRPr sz="1800" kern="1200">
         <a:solidFill>
           <a:schemeClr val="tx1"/>
         </a:solidFill>
@@ -65,8 +69,8 @@
         <a:cs typeface="+mn-cs"/>
       </a:defRPr>
     </a:lvl5pPr>
-    <a:lvl6pPr marL="2286000" algn="l" defTabSz="914400" rtl="0" eaLnBrk="1" latinLnBrk="0" hangingPunct="1">
-      <a:defRPr kumimoji="1" sz="1800" kern="1200">
+    <a:lvl6pPr marL="2286000" algn="l" defTabSz="457200" rtl="0" eaLnBrk="1" latinLnBrk="0" hangingPunct="1">
+      <a:defRPr sz="1800" kern="1200">
         <a:solidFill>
           <a:schemeClr val="tx1"/>
         </a:solidFill>
@@ -75,8 +79,8 @@
         <a:cs typeface="+mn-cs"/>
       </a:defRPr>
     </a:lvl6pPr>
-    <a:lvl7pPr marL="2743200" algn="l" defTabSz="914400" rtl="0" eaLnBrk="1" latinLnBrk="0" hangingPunct="1">
-      <a:defRPr kumimoji="1" sz="1800" kern="1200">
+    <a:lvl7pPr marL="2743200" algn="l" defTabSz="457200" rtl="0" eaLnBrk="1" latinLnBrk="0" hangingPunct="1">
+      <a:defRPr sz="1800" kern="1200">
         <a:solidFill>
           <a:schemeClr val="tx1"/>
         </a:solidFill>
@@ -85,8 +89,8 @@
         <a:cs typeface="+mn-cs"/>
       </a:defRPr>
     </a:lvl7pPr>
-    <a:lvl8pPr marL="3200400" algn="l" defTabSz="914400" rtl="0" eaLnBrk="1" latinLnBrk="0" hangingPunct="1">
-      <a:defRPr kumimoji="1" sz="1800" kern="1200">
+    <a:lvl8pPr marL="3200400" algn="l" defTabSz="457200" rtl="0" eaLnBrk="1" latinLnBrk="0" hangingPunct="1">
+      <a:defRPr sz="1800" kern="1200">
         <a:solidFill>
           <a:schemeClr val="tx1"/>
         </a:solidFill>
@@ -95,8 +99,8 @@
         <a:cs typeface="+mn-cs"/>
       </a:defRPr>
     </a:lvl8pPr>
-    <a:lvl9pPr marL="3657600" algn="l" defTabSz="914400" rtl="0" eaLnBrk="1" latinLnBrk="0" hangingPunct="1">
-      <a:defRPr kumimoji="1" sz="1800" kern="1200">
+    <a:lvl9pPr marL="3657600" algn="l" defTabSz="457200" rtl="0" eaLnBrk="1" latinLnBrk="0" hangingPunct="1">
+      <a:defRPr sz="1800" kern="1200">
         <a:solidFill>
           <a:schemeClr val="tx1"/>
         </a:solidFill>
@@ -133,13 +137,7 @@
       </p:grpSpPr>
       <p:sp>
         <p:nvSpPr>
-          <p:cNvPr id="2" name="タイトル 1">
-            <a:extLst>
-              <a:ext uri="{FF2B5EF4-FFF2-40B4-BE49-F238E27FC236}">
-                <a16:creationId xmlns:a16="http://schemas.microsoft.com/office/drawing/2014/main" id="{E8D8F5DC-ADCD-249C-7309-B867AFEF7CE5}"/>
-              </a:ext>
-            </a:extLst>
-          </p:cNvPr>
+          <p:cNvPr id="2" name="Title 1"/>
           <p:cNvSpPr>
             <a:spLocks noGrp="1"/>
           </p:cNvSpPr>
@@ -162,21 +160,16 @@
           </a:lstStyle>
           <a:p>
             <a:r>
-              <a:rPr kumimoji="1" lang="ja-JP" altLang="en-US"/>
+              <a:rPr lang="ja-JP" altLang="en-US"/>
               <a:t>マスター タイトルの書式設定</a:t>
             </a:r>
-          </a:p>
-        </p:txBody>
-      </p:sp>
-      <p:sp>
-        <p:nvSpPr>
-          <p:cNvPr id="3" name="字幕 2">
-            <a:extLst>
-              <a:ext uri="{FF2B5EF4-FFF2-40B4-BE49-F238E27FC236}">
-                <a16:creationId xmlns:a16="http://schemas.microsoft.com/office/drawing/2014/main" id="{8A963DF1-FA28-24CC-B86F-1A021D1FD443}"/>
-              </a:ext>
-            </a:extLst>
-          </p:cNvPr>
+            <a:endParaRPr lang="en-US" dirty="0"/>
+          </a:p>
+        </p:txBody>
+      </p:sp>
+      <p:sp>
+        <p:nvSpPr>
+          <p:cNvPr id="3" name="Subtitle 2"/>
           <p:cNvSpPr>
             <a:spLocks noGrp="1"/>
           </p:cNvSpPr>
@@ -232,21 +225,16 @@
           </a:lstStyle>
           <a:p>
             <a:r>
-              <a:rPr kumimoji="1" lang="ja-JP" altLang="en-US"/>
+              <a:rPr lang="ja-JP" altLang="en-US"/>
               <a:t>マスター サブタイトルの書式設定</a:t>
             </a:r>
-          </a:p>
-        </p:txBody>
-      </p:sp>
-      <p:sp>
-        <p:nvSpPr>
-          <p:cNvPr id="4" name="日付プレースホルダー 3">
-            <a:extLst>
-              <a:ext uri="{FF2B5EF4-FFF2-40B4-BE49-F238E27FC236}">
-                <a16:creationId xmlns:a16="http://schemas.microsoft.com/office/drawing/2014/main" id="{846F0E12-E6E2-70A8-83D1-39AEC63E3784}"/>
-              </a:ext>
-            </a:extLst>
-          </p:cNvPr>
+            <a:endParaRPr lang="en-US" dirty="0"/>
+          </a:p>
+        </p:txBody>
+      </p:sp>
+      <p:sp>
+        <p:nvSpPr>
+          <p:cNvPr id="4" name="Date Placeholder 3"/>
           <p:cNvSpPr>
             <a:spLocks noGrp="1"/>
           </p:cNvSpPr>
@@ -269,13 +257,7 @@
       </p:sp>
       <p:sp>
         <p:nvSpPr>
-          <p:cNvPr id="5" name="フッター プレースホルダー 4">
-            <a:extLst>
-              <a:ext uri="{FF2B5EF4-FFF2-40B4-BE49-F238E27FC236}">
-                <a16:creationId xmlns:a16="http://schemas.microsoft.com/office/drawing/2014/main" id="{0040CEA8-4CF8-24BE-6C71-8C76DFEAB171}"/>
-              </a:ext>
-            </a:extLst>
-          </p:cNvPr>
+          <p:cNvPr id="5" name="Footer Placeholder 4"/>
           <p:cNvSpPr>
             <a:spLocks noGrp="1"/>
           </p:cNvSpPr>
@@ -294,13 +276,7 @@
       </p:sp>
       <p:sp>
         <p:nvSpPr>
-          <p:cNvPr id="6" name="スライド番号プレースホルダー 5">
-            <a:extLst>
-              <a:ext uri="{FF2B5EF4-FFF2-40B4-BE49-F238E27FC236}">
-                <a16:creationId xmlns:a16="http://schemas.microsoft.com/office/drawing/2014/main" id="{B444195D-E3CB-A4A6-44ED-A1AB2ED65A9D}"/>
-              </a:ext>
-            </a:extLst>
-          </p:cNvPr>
+          <p:cNvPr id="6" name="Slide Number Placeholder 5"/>
           <p:cNvSpPr>
             <a:spLocks noGrp="1"/>
           </p:cNvSpPr>
@@ -324,7 +300,7 @@
     </p:spTree>
     <p:extLst>
       <p:ext uri="{BB962C8B-B14F-4D97-AF65-F5344CB8AC3E}">
-        <p14:creationId xmlns:p14="http://schemas.microsoft.com/office/powerpoint/2010/main" val="970232430"/>
+        <p14:creationId xmlns:p14="http://schemas.microsoft.com/office/powerpoint/2010/main" val="1783310950"/>
       </p:ext>
     </p:extLst>
   </p:cSld>
@@ -353,13 +329,7 @@
       </p:grpSpPr>
       <p:sp>
         <p:nvSpPr>
-          <p:cNvPr id="2" name="タイトル 1">
-            <a:extLst>
-              <a:ext uri="{FF2B5EF4-FFF2-40B4-BE49-F238E27FC236}">
-                <a16:creationId xmlns:a16="http://schemas.microsoft.com/office/drawing/2014/main" id="{84F5D45C-0E02-31B1-C4B3-821A5FB55AD2}"/>
-              </a:ext>
-            </a:extLst>
-          </p:cNvPr>
+          <p:cNvPr id="2" name="Title 1"/>
           <p:cNvSpPr>
             <a:spLocks noGrp="1"/>
           </p:cNvSpPr>
@@ -373,21 +343,16 @@
           <a:lstStyle/>
           <a:p>
             <a:r>
-              <a:rPr kumimoji="1" lang="ja-JP" altLang="en-US"/>
+              <a:rPr lang="ja-JP" altLang="en-US"/>
               <a:t>マスター タイトルの書式設定</a:t>
             </a:r>
-          </a:p>
-        </p:txBody>
-      </p:sp>
-      <p:sp>
-        <p:nvSpPr>
-          <p:cNvPr id="3" name="縦書きテキスト プレースホルダー 2">
-            <a:extLst>
-              <a:ext uri="{FF2B5EF4-FFF2-40B4-BE49-F238E27FC236}">
-                <a16:creationId xmlns:a16="http://schemas.microsoft.com/office/drawing/2014/main" id="{993E5A2E-07BA-7893-4FC9-0B8512B08201}"/>
-              </a:ext>
-            </a:extLst>
-          </p:cNvPr>
+            <a:endParaRPr lang="en-US" dirty="0"/>
+          </a:p>
+        </p:txBody>
+      </p:sp>
+      <p:sp>
+        <p:nvSpPr>
+          <p:cNvPr id="3" name="Vertical Text Placeholder 2"/>
           <p:cNvSpPr>
             <a:spLocks noGrp="1"/>
           </p:cNvSpPr>
@@ -402,81 +367,76 @@
           <a:p>
             <a:pPr lvl="0"/>
             <a:r>
-              <a:rPr kumimoji="1" lang="ja-JP" altLang="en-US"/>
+              <a:rPr lang="ja-JP" altLang="en-US"/>
               <a:t>マスター テキストの書式設定</a:t>
             </a:r>
           </a:p>
           <a:p>
             <a:pPr lvl="1"/>
             <a:r>
-              <a:rPr kumimoji="1" lang="ja-JP" altLang="en-US"/>
+              <a:rPr lang="ja-JP" altLang="en-US"/>
               <a:t>第 </a:t>
             </a:r>
             <a:r>
-              <a:rPr kumimoji="1" lang="en-US" altLang="ja-JP"/>
+              <a:rPr lang="en-US" altLang="ja-JP"/>
               <a:t>2 </a:t>
             </a:r>
             <a:r>
-              <a:rPr kumimoji="1" lang="ja-JP" altLang="en-US"/>
+              <a:rPr lang="ja-JP" altLang="en-US"/>
               <a:t>レベル</a:t>
             </a:r>
           </a:p>
           <a:p>
             <a:pPr lvl="2"/>
             <a:r>
-              <a:rPr kumimoji="1" lang="ja-JP" altLang="en-US"/>
+              <a:rPr lang="ja-JP" altLang="en-US"/>
               <a:t>第 </a:t>
             </a:r>
             <a:r>
-              <a:rPr kumimoji="1" lang="en-US" altLang="ja-JP"/>
+              <a:rPr lang="en-US" altLang="ja-JP"/>
               <a:t>3 </a:t>
             </a:r>
             <a:r>
-              <a:rPr kumimoji="1" lang="ja-JP" altLang="en-US"/>
+              <a:rPr lang="ja-JP" altLang="en-US"/>
               <a:t>レベル</a:t>
             </a:r>
           </a:p>
           <a:p>
             <a:pPr lvl="3"/>
             <a:r>
-              <a:rPr kumimoji="1" lang="ja-JP" altLang="en-US"/>
+              <a:rPr lang="ja-JP" altLang="en-US"/>
               <a:t>第 </a:t>
             </a:r>
             <a:r>
-              <a:rPr kumimoji="1" lang="en-US" altLang="ja-JP"/>
+              <a:rPr lang="en-US" altLang="ja-JP"/>
               <a:t>4 </a:t>
             </a:r>
             <a:r>
-              <a:rPr kumimoji="1" lang="ja-JP" altLang="en-US"/>
+              <a:rPr lang="ja-JP" altLang="en-US"/>
               <a:t>レベル</a:t>
             </a:r>
           </a:p>
           <a:p>
             <a:pPr lvl="4"/>
             <a:r>
-              <a:rPr kumimoji="1" lang="ja-JP" altLang="en-US"/>
+              <a:rPr lang="ja-JP" altLang="en-US"/>
               <a:t>第 </a:t>
             </a:r>
             <a:r>
-              <a:rPr kumimoji="1" lang="en-US" altLang="ja-JP"/>
+              <a:rPr lang="en-US" altLang="ja-JP"/>
               <a:t>5 </a:t>
             </a:r>
             <a:r>
-              <a:rPr kumimoji="1" lang="ja-JP" altLang="en-US"/>
+              <a:rPr lang="ja-JP" altLang="en-US"/>
               <a:t>レベル</a:t>
             </a:r>
-          </a:p>
-        </p:txBody>
-      </p:sp>
-      <p:sp>
-        <p:nvSpPr>
-          <p:cNvPr id="4" name="日付プレースホルダー 3">
-            <a:extLst>
-              <a:ext uri="{FF2B5EF4-FFF2-40B4-BE49-F238E27FC236}">
-                <a16:creationId xmlns:a16="http://schemas.microsoft.com/office/drawing/2014/main" id="{42F73D80-6E04-87D1-3B60-67486CA5530C}"/>
-              </a:ext>
-            </a:extLst>
-          </p:cNvPr>
+            <a:endParaRPr lang="en-US" dirty="0"/>
+          </a:p>
+        </p:txBody>
+      </p:sp>
+      <p:sp>
+        <p:nvSpPr>
+          <p:cNvPr id="4" name="Date Placeholder 3"/>
           <p:cNvSpPr>
             <a:spLocks noGrp="1"/>
           </p:cNvSpPr>
@@ -499,13 +459,7 @@
       </p:sp>
       <p:sp>
         <p:nvSpPr>
-          <p:cNvPr id="5" name="フッター プレースホルダー 4">
-            <a:extLst>
-              <a:ext uri="{FF2B5EF4-FFF2-40B4-BE49-F238E27FC236}">
-                <a16:creationId xmlns:a16="http://schemas.microsoft.com/office/drawing/2014/main" id="{400503F3-B53F-CD3B-CE98-355273BA4745}"/>
-              </a:ext>
-            </a:extLst>
-          </p:cNvPr>
+          <p:cNvPr id="5" name="Footer Placeholder 4"/>
           <p:cNvSpPr>
             <a:spLocks noGrp="1"/>
           </p:cNvSpPr>
@@ -524,13 +478,7 @@
       </p:sp>
       <p:sp>
         <p:nvSpPr>
-          <p:cNvPr id="6" name="スライド番号プレースホルダー 5">
-            <a:extLst>
-              <a:ext uri="{FF2B5EF4-FFF2-40B4-BE49-F238E27FC236}">
-                <a16:creationId xmlns:a16="http://schemas.microsoft.com/office/drawing/2014/main" id="{044FB46C-7A14-8D92-BBC5-CB5E3642E876}"/>
-              </a:ext>
-            </a:extLst>
-          </p:cNvPr>
+          <p:cNvPr id="6" name="Slide Number Placeholder 5"/>
           <p:cNvSpPr>
             <a:spLocks noGrp="1"/>
           </p:cNvSpPr>
@@ -554,7 +502,7 @@
     </p:spTree>
     <p:extLst>
       <p:ext uri="{BB962C8B-B14F-4D97-AF65-F5344CB8AC3E}">
-        <p14:creationId xmlns:p14="http://schemas.microsoft.com/office/powerpoint/2010/main" val="2923090924"/>
+        <p14:creationId xmlns:p14="http://schemas.microsoft.com/office/powerpoint/2010/main" val="2021969700"/>
       </p:ext>
     </p:extLst>
   </p:cSld>
@@ -583,13 +531,7 @@
       </p:grpSpPr>
       <p:sp>
         <p:nvSpPr>
-          <p:cNvPr id="2" name="縦書きタイトル 1">
-            <a:extLst>
-              <a:ext uri="{FF2B5EF4-FFF2-40B4-BE49-F238E27FC236}">
-                <a16:creationId xmlns:a16="http://schemas.microsoft.com/office/drawing/2014/main" id="{CE76A5B2-0B75-5679-5AE8-A779B001A186}"/>
-              </a:ext>
-            </a:extLst>
-          </p:cNvPr>
+          <p:cNvPr id="2" name="Vertical Title 1"/>
           <p:cNvSpPr>
             <a:spLocks noGrp="1"/>
           </p:cNvSpPr>
@@ -608,21 +550,16 @@
           <a:lstStyle/>
           <a:p>
             <a:r>
-              <a:rPr kumimoji="1" lang="ja-JP" altLang="en-US"/>
+              <a:rPr lang="ja-JP" altLang="en-US"/>
               <a:t>マスター タイトルの書式設定</a:t>
             </a:r>
-          </a:p>
-        </p:txBody>
-      </p:sp>
-      <p:sp>
-        <p:nvSpPr>
-          <p:cNvPr id="3" name="縦書きテキスト プレースホルダー 2">
-            <a:extLst>
-              <a:ext uri="{FF2B5EF4-FFF2-40B4-BE49-F238E27FC236}">
-                <a16:creationId xmlns:a16="http://schemas.microsoft.com/office/drawing/2014/main" id="{0393153F-5C3B-401D-4AEB-361EDFD99642}"/>
-              </a:ext>
-            </a:extLst>
-          </p:cNvPr>
+            <a:endParaRPr lang="en-US" dirty="0"/>
+          </a:p>
+        </p:txBody>
+      </p:sp>
+      <p:sp>
+        <p:nvSpPr>
+          <p:cNvPr id="3" name="Vertical Text Placeholder 2"/>
           <p:cNvSpPr>
             <a:spLocks noGrp="1"/>
           </p:cNvSpPr>
@@ -642,81 +579,76 @@
           <a:p>
             <a:pPr lvl="0"/>
             <a:r>
-              <a:rPr kumimoji="1" lang="ja-JP" altLang="en-US"/>
+              <a:rPr lang="ja-JP" altLang="en-US"/>
               <a:t>マスター テキストの書式設定</a:t>
             </a:r>
           </a:p>
           <a:p>
             <a:pPr lvl="1"/>
             <a:r>
-              <a:rPr kumimoji="1" lang="ja-JP" altLang="en-US"/>
+              <a:rPr lang="ja-JP" altLang="en-US"/>
               <a:t>第 </a:t>
             </a:r>
             <a:r>
-              <a:rPr kumimoji="1" lang="en-US" altLang="ja-JP"/>
+              <a:rPr lang="en-US" altLang="ja-JP"/>
               <a:t>2 </a:t>
             </a:r>
             <a:r>
-              <a:rPr kumimoji="1" lang="ja-JP" altLang="en-US"/>
+              <a:rPr lang="ja-JP" altLang="en-US"/>
               <a:t>レベル</a:t>
             </a:r>
           </a:p>
           <a:p>
             <a:pPr lvl="2"/>
             <a:r>
-              <a:rPr kumimoji="1" lang="ja-JP" altLang="en-US"/>
+              <a:rPr lang="ja-JP" altLang="en-US"/>
               <a:t>第 </a:t>
             </a:r>
             <a:r>
-              <a:rPr kumimoji="1" lang="en-US" altLang="ja-JP"/>
+              <a:rPr lang="en-US" altLang="ja-JP"/>
               <a:t>3 </a:t>
             </a:r>
             <a:r>
-              <a:rPr kumimoji="1" lang="ja-JP" altLang="en-US"/>
+              <a:rPr lang="ja-JP" altLang="en-US"/>
               <a:t>レベル</a:t>
             </a:r>
           </a:p>
           <a:p>
             <a:pPr lvl="3"/>
             <a:r>
-              <a:rPr kumimoji="1" lang="ja-JP" altLang="en-US"/>
+              <a:rPr lang="ja-JP" altLang="en-US"/>
               <a:t>第 </a:t>
             </a:r>
             <a:r>
-              <a:rPr kumimoji="1" lang="en-US" altLang="ja-JP"/>
+              <a:rPr lang="en-US" altLang="ja-JP"/>
               <a:t>4 </a:t>
             </a:r>
             <a:r>
-              <a:rPr kumimoji="1" lang="ja-JP" altLang="en-US"/>
+              <a:rPr lang="ja-JP" altLang="en-US"/>
               <a:t>レベル</a:t>
             </a:r>
           </a:p>
           <a:p>
             <a:pPr lvl="4"/>
             <a:r>
-              <a:rPr kumimoji="1" lang="ja-JP" altLang="en-US"/>
+              <a:rPr lang="ja-JP" altLang="en-US"/>
               <a:t>第 </a:t>
             </a:r>
             <a:r>
-              <a:rPr kumimoji="1" lang="en-US" altLang="ja-JP"/>
+              <a:rPr lang="en-US" altLang="ja-JP"/>
               <a:t>5 </a:t>
             </a:r>
             <a:r>
-              <a:rPr kumimoji="1" lang="ja-JP" altLang="en-US"/>
+              <a:rPr lang="ja-JP" altLang="en-US"/>
               <a:t>レベル</a:t>
             </a:r>
-          </a:p>
-        </p:txBody>
-      </p:sp>
-      <p:sp>
-        <p:nvSpPr>
-          <p:cNvPr id="4" name="日付プレースホルダー 3">
-            <a:extLst>
-              <a:ext uri="{FF2B5EF4-FFF2-40B4-BE49-F238E27FC236}">
-                <a16:creationId xmlns:a16="http://schemas.microsoft.com/office/drawing/2014/main" id="{DEF68592-4668-E728-1732-3D16A480C211}"/>
-              </a:ext>
-            </a:extLst>
-          </p:cNvPr>
+            <a:endParaRPr lang="en-US" dirty="0"/>
+          </a:p>
+        </p:txBody>
+      </p:sp>
+      <p:sp>
+        <p:nvSpPr>
+          <p:cNvPr id="4" name="Date Placeholder 3"/>
           <p:cNvSpPr>
             <a:spLocks noGrp="1"/>
           </p:cNvSpPr>
@@ -739,13 +671,7 @@
       </p:sp>
       <p:sp>
         <p:nvSpPr>
-          <p:cNvPr id="5" name="フッター プレースホルダー 4">
-            <a:extLst>
-              <a:ext uri="{FF2B5EF4-FFF2-40B4-BE49-F238E27FC236}">
-                <a16:creationId xmlns:a16="http://schemas.microsoft.com/office/drawing/2014/main" id="{C414C49B-7504-A455-3699-F2810C40CB20}"/>
-              </a:ext>
-            </a:extLst>
-          </p:cNvPr>
+          <p:cNvPr id="5" name="Footer Placeholder 4"/>
           <p:cNvSpPr>
             <a:spLocks noGrp="1"/>
           </p:cNvSpPr>
@@ -764,13 +690,7 @@
       </p:sp>
       <p:sp>
         <p:nvSpPr>
-          <p:cNvPr id="6" name="スライド番号プレースホルダー 5">
-            <a:extLst>
-              <a:ext uri="{FF2B5EF4-FFF2-40B4-BE49-F238E27FC236}">
-                <a16:creationId xmlns:a16="http://schemas.microsoft.com/office/drawing/2014/main" id="{E73DEF7F-AFDD-61D7-1D30-51F89F929311}"/>
-              </a:ext>
-            </a:extLst>
-          </p:cNvPr>
+          <p:cNvPr id="6" name="Slide Number Placeholder 5"/>
           <p:cNvSpPr>
             <a:spLocks noGrp="1"/>
           </p:cNvSpPr>
@@ -794,7 +714,7 @@
     </p:spTree>
     <p:extLst>
       <p:ext uri="{BB962C8B-B14F-4D97-AF65-F5344CB8AC3E}">
-        <p14:creationId xmlns:p14="http://schemas.microsoft.com/office/powerpoint/2010/main" val="1801521449"/>
+        <p14:creationId xmlns:p14="http://schemas.microsoft.com/office/powerpoint/2010/main" val="149038207"/>
       </p:ext>
     </p:extLst>
   </p:cSld>
@@ -823,13 +743,7 @@
       </p:grpSpPr>
       <p:sp>
         <p:nvSpPr>
-          <p:cNvPr id="2" name="タイトル 1">
-            <a:extLst>
-              <a:ext uri="{FF2B5EF4-FFF2-40B4-BE49-F238E27FC236}">
-                <a16:creationId xmlns:a16="http://schemas.microsoft.com/office/drawing/2014/main" id="{70D8610F-64F3-C212-938A-732CB2975EA8}"/>
-              </a:ext>
-            </a:extLst>
-          </p:cNvPr>
+          <p:cNvPr id="2" name="Title 1"/>
           <p:cNvSpPr>
             <a:spLocks noGrp="1"/>
           </p:cNvSpPr>
@@ -843,21 +757,16 @@
           <a:lstStyle/>
           <a:p>
             <a:r>
-              <a:rPr kumimoji="1" lang="ja-JP" altLang="en-US"/>
+              <a:rPr lang="ja-JP" altLang="en-US"/>
               <a:t>マスター タイトルの書式設定</a:t>
             </a:r>
-          </a:p>
-        </p:txBody>
-      </p:sp>
-      <p:sp>
-        <p:nvSpPr>
-          <p:cNvPr id="3" name="コンテンツ プレースホルダー 2">
-            <a:extLst>
-              <a:ext uri="{FF2B5EF4-FFF2-40B4-BE49-F238E27FC236}">
-                <a16:creationId xmlns:a16="http://schemas.microsoft.com/office/drawing/2014/main" id="{2968F3AB-9727-5FCE-2559-0570CE6CAB56}"/>
-              </a:ext>
-            </a:extLst>
-          </p:cNvPr>
+            <a:endParaRPr lang="en-US" dirty="0"/>
+          </a:p>
+        </p:txBody>
+      </p:sp>
+      <p:sp>
+        <p:nvSpPr>
+          <p:cNvPr id="3" name="Content Placeholder 2"/>
           <p:cNvSpPr>
             <a:spLocks noGrp="1"/>
           </p:cNvSpPr>
@@ -872,81 +781,76 @@
           <a:p>
             <a:pPr lvl="0"/>
             <a:r>
-              <a:rPr kumimoji="1" lang="ja-JP" altLang="en-US"/>
+              <a:rPr lang="ja-JP" altLang="en-US"/>
               <a:t>マスター テキストの書式設定</a:t>
             </a:r>
           </a:p>
           <a:p>
             <a:pPr lvl="1"/>
             <a:r>
-              <a:rPr kumimoji="1" lang="ja-JP" altLang="en-US"/>
+              <a:rPr lang="ja-JP" altLang="en-US"/>
               <a:t>第 </a:t>
             </a:r>
             <a:r>
-              <a:rPr kumimoji="1" lang="en-US" altLang="ja-JP"/>
+              <a:rPr lang="en-US" altLang="ja-JP"/>
               <a:t>2 </a:t>
             </a:r>
             <a:r>
-              <a:rPr kumimoji="1" lang="ja-JP" altLang="en-US"/>
+              <a:rPr lang="ja-JP" altLang="en-US"/>
               <a:t>レベル</a:t>
             </a:r>
           </a:p>
           <a:p>
             <a:pPr lvl="2"/>
             <a:r>
-              <a:rPr kumimoji="1" lang="ja-JP" altLang="en-US"/>
+              <a:rPr lang="ja-JP" altLang="en-US"/>
               <a:t>第 </a:t>
             </a:r>
             <a:r>
-              <a:rPr kumimoji="1" lang="en-US" altLang="ja-JP"/>
+              <a:rPr lang="en-US" altLang="ja-JP"/>
               <a:t>3 </a:t>
             </a:r>
             <a:r>
-              <a:rPr kumimoji="1" lang="ja-JP" altLang="en-US"/>
+              <a:rPr lang="ja-JP" altLang="en-US"/>
               <a:t>レベル</a:t>
             </a:r>
           </a:p>
           <a:p>
             <a:pPr lvl="3"/>
             <a:r>
-              <a:rPr kumimoji="1" lang="ja-JP" altLang="en-US"/>
+              <a:rPr lang="ja-JP" altLang="en-US"/>
               <a:t>第 </a:t>
             </a:r>
             <a:r>
-              <a:rPr kumimoji="1" lang="en-US" altLang="ja-JP"/>
+              <a:rPr lang="en-US" altLang="ja-JP"/>
               <a:t>4 </a:t>
             </a:r>
             <a:r>
-              <a:rPr kumimoji="1" lang="ja-JP" altLang="en-US"/>
+              <a:rPr lang="ja-JP" altLang="en-US"/>
               <a:t>レベル</a:t>
             </a:r>
           </a:p>
           <a:p>
             <a:pPr lvl="4"/>
             <a:r>
-              <a:rPr kumimoji="1" lang="ja-JP" altLang="en-US"/>
+              <a:rPr lang="ja-JP" altLang="en-US"/>
               <a:t>第 </a:t>
             </a:r>
             <a:r>
-              <a:rPr kumimoji="1" lang="en-US" altLang="ja-JP"/>
+              <a:rPr lang="en-US" altLang="ja-JP"/>
               <a:t>5 </a:t>
             </a:r>
             <a:r>
-              <a:rPr kumimoji="1" lang="ja-JP" altLang="en-US"/>
+              <a:rPr lang="ja-JP" altLang="en-US"/>
               <a:t>レベル</a:t>
             </a:r>
-          </a:p>
-        </p:txBody>
-      </p:sp>
-      <p:sp>
-        <p:nvSpPr>
-          <p:cNvPr id="4" name="日付プレースホルダー 3">
-            <a:extLst>
-              <a:ext uri="{FF2B5EF4-FFF2-40B4-BE49-F238E27FC236}">
-                <a16:creationId xmlns:a16="http://schemas.microsoft.com/office/drawing/2014/main" id="{81B481FA-057C-426C-2E17-48F50915C958}"/>
-              </a:ext>
-            </a:extLst>
-          </p:cNvPr>
+            <a:endParaRPr lang="en-US" dirty="0"/>
+          </a:p>
+        </p:txBody>
+      </p:sp>
+      <p:sp>
+        <p:nvSpPr>
+          <p:cNvPr id="4" name="Date Placeholder 3"/>
           <p:cNvSpPr>
             <a:spLocks noGrp="1"/>
           </p:cNvSpPr>
@@ -969,13 +873,7 @@
       </p:sp>
       <p:sp>
         <p:nvSpPr>
-          <p:cNvPr id="5" name="フッター プレースホルダー 4">
-            <a:extLst>
-              <a:ext uri="{FF2B5EF4-FFF2-40B4-BE49-F238E27FC236}">
-                <a16:creationId xmlns:a16="http://schemas.microsoft.com/office/drawing/2014/main" id="{4ED5550A-0BD4-39DE-5960-94EA14A46C27}"/>
-              </a:ext>
-            </a:extLst>
-          </p:cNvPr>
+          <p:cNvPr id="5" name="Footer Placeholder 4"/>
           <p:cNvSpPr>
             <a:spLocks noGrp="1"/>
           </p:cNvSpPr>
@@ -994,13 +892,7 @@
       </p:sp>
       <p:sp>
         <p:nvSpPr>
-          <p:cNvPr id="6" name="スライド番号プレースホルダー 5">
-            <a:extLst>
-              <a:ext uri="{FF2B5EF4-FFF2-40B4-BE49-F238E27FC236}">
-                <a16:creationId xmlns:a16="http://schemas.microsoft.com/office/drawing/2014/main" id="{55CB4C1A-C184-6179-C996-E52C7F7E45A0}"/>
-              </a:ext>
-            </a:extLst>
-          </p:cNvPr>
+          <p:cNvPr id="6" name="Slide Number Placeholder 5"/>
           <p:cNvSpPr>
             <a:spLocks noGrp="1"/>
           </p:cNvSpPr>
@@ -1024,7 +916,7 @@
     </p:spTree>
     <p:extLst>
       <p:ext uri="{BB962C8B-B14F-4D97-AF65-F5344CB8AC3E}">
-        <p14:creationId xmlns:p14="http://schemas.microsoft.com/office/powerpoint/2010/main" val="2374441589"/>
+        <p14:creationId xmlns:p14="http://schemas.microsoft.com/office/powerpoint/2010/main" val="3355285392"/>
       </p:ext>
     </p:extLst>
   </p:cSld>
@@ -1053,13 +945,7 @@
       </p:grpSpPr>
       <p:sp>
         <p:nvSpPr>
-          <p:cNvPr id="2" name="タイトル 1">
-            <a:extLst>
-              <a:ext uri="{FF2B5EF4-FFF2-40B4-BE49-F238E27FC236}">
-                <a16:creationId xmlns:a16="http://schemas.microsoft.com/office/drawing/2014/main" id="{48656055-331F-90B0-E2F9-10770706CA96}"/>
-              </a:ext>
-            </a:extLst>
-          </p:cNvPr>
+          <p:cNvPr id="2" name="Title 1"/>
           <p:cNvSpPr>
             <a:spLocks noGrp="1"/>
           </p:cNvSpPr>
@@ -1082,21 +968,16 @@
           </a:lstStyle>
           <a:p>
             <a:r>
-              <a:rPr kumimoji="1" lang="ja-JP" altLang="en-US"/>
+              <a:rPr lang="ja-JP" altLang="en-US"/>
               <a:t>マスター タイトルの書式設定</a:t>
             </a:r>
-          </a:p>
-        </p:txBody>
-      </p:sp>
-      <p:sp>
-        <p:nvSpPr>
-          <p:cNvPr id="3" name="テキスト プレースホルダー 2">
-            <a:extLst>
-              <a:ext uri="{FF2B5EF4-FFF2-40B4-BE49-F238E27FC236}">
-                <a16:creationId xmlns:a16="http://schemas.microsoft.com/office/drawing/2014/main" id="{8CF5D3CC-4678-11AA-42F1-39E1C6AEFA18}"/>
-              </a:ext>
-            </a:extLst>
-          </p:cNvPr>
+            <a:endParaRPr lang="en-US" dirty="0"/>
+          </a:p>
+        </p:txBody>
+      </p:sp>
+      <p:sp>
+        <p:nvSpPr>
+          <p:cNvPr id="3" name="Text Placeholder 2"/>
           <p:cNvSpPr>
             <a:spLocks noGrp="1"/>
           </p:cNvSpPr>
@@ -1207,7 +1088,7 @@
           <a:p>
             <a:pPr lvl="0"/>
             <a:r>
-              <a:rPr kumimoji="1" lang="ja-JP" altLang="en-US"/>
+              <a:rPr lang="ja-JP" altLang="en-US"/>
               <a:t>マスター テキストの書式設定</a:t>
             </a:r>
           </a:p>
@@ -1215,13 +1096,7 @@
       </p:sp>
       <p:sp>
         <p:nvSpPr>
-          <p:cNvPr id="4" name="日付プレースホルダー 3">
-            <a:extLst>
-              <a:ext uri="{FF2B5EF4-FFF2-40B4-BE49-F238E27FC236}">
-                <a16:creationId xmlns:a16="http://schemas.microsoft.com/office/drawing/2014/main" id="{53399D5B-562B-8741-36D3-ACAA3708C7AC}"/>
-              </a:ext>
-            </a:extLst>
-          </p:cNvPr>
+          <p:cNvPr id="4" name="Date Placeholder 3"/>
           <p:cNvSpPr>
             <a:spLocks noGrp="1"/>
           </p:cNvSpPr>
@@ -1244,13 +1119,7 @@
       </p:sp>
       <p:sp>
         <p:nvSpPr>
-          <p:cNvPr id="5" name="フッター プレースホルダー 4">
-            <a:extLst>
-              <a:ext uri="{FF2B5EF4-FFF2-40B4-BE49-F238E27FC236}">
-                <a16:creationId xmlns:a16="http://schemas.microsoft.com/office/drawing/2014/main" id="{1358D48B-7DDD-EC2F-196C-B52049C327AA}"/>
-              </a:ext>
-            </a:extLst>
-          </p:cNvPr>
+          <p:cNvPr id="5" name="Footer Placeholder 4"/>
           <p:cNvSpPr>
             <a:spLocks noGrp="1"/>
           </p:cNvSpPr>
@@ -1269,13 +1138,7 @@
       </p:sp>
       <p:sp>
         <p:nvSpPr>
-          <p:cNvPr id="6" name="スライド番号プレースホルダー 5">
-            <a:extLst>
-              <a:ext uri="{FF2B5EF4-FFF2-40B4-BE49-F238E27FC236}">
-                <a16:creationId xmlns:a16="http://schemas.microsoft.com/office/drawing/2014/main" id="{7C4C70F0-D548-F5DE-8009-CEC764DAEBCA}"/>
-              </a:ext>
-            </a:extLst>
-          </p:cNvPr>
+          <p:cNvPr id="6" name="Slide Number Placeholder 5"/>
           <p:cNvSpPr>
             <a:spLocks noGrp="1"/>
           </p:cNvSpPr>
@@ -1299,7 +1162,7 @@
     </p:spTree>
     <p:extLst>
       <p:ext uri="{BB962C8B-B14F-4D97-AF65-F5344CB8AC3E}">
-        <p14:creationId xmlns:p14="http://schemas.microsoft.com/office/powerpoint/2010/main" val="3194499486"/>
+        <p14:creationId xmlns:p14="http://schemas.microsoft.com/office/powerpoint/2010/main" val="559171261"/>
       </p:ext>
     </p:extLst>
   </p:cSld>
@@ -1328,13 +1191,7 @@
       </p:grpSpPr>
       <p:sp>
         <p:nvSpPr>
-          <p:cNvPr id="2" name="タイトル 1">
-            <a:extLst>
-              <a:ext uri="{FF2B5EF4-FFF2-40B4-BE49-F238E27FC236}">
-                <a16:creationId xmlns:a16="http://schemas.microsoft.com/office/drawing/2014/main" id="{45028C70-FABC-0271-6915-5BD349DA10D0}"/>
-              </a:ext>
-            </a:extLst>
-          </p:cNvPr>
+          <p:cNvPr id="2" name="Title 1"/>
           <p:cNvSpPr>
             <a:spLocks noGrp="1"/>
           </p:cNvSpPr>
@@ -1348,21 +1205,16 @@
           <a:lstStyle/>
           <a:p>
             <a:r>
-              <a:rPr kumimoji="1" lang="ja-JP" altLang="en-US"/>
+              <a:rPr lang="ja-JP" altLang="en-US"/>
               <a:t>マスター タイトルの書式設定</a:t>
             </a:r>
-          </a:p>
-        </p:txBody>
-      </p:sp>
-      <p:sp>
-        <p:nvSpPr>
-          <p:cNvPr id="3" name="コンテンツ プレースホルダー 2">
-            <a:extLst>
-              <a:ext uri="{FF2B5EF4-FFF2-40B4-BE49-F238E27FC236}">
-                <a16:creationId xmlns:a16="http://schemas.microsoft.com/office/drawing/2014/main" id="{9E75F026-9DDB-B46D-5B67-ED93BF5DC022}"/>
-              </a:ext>
-            </a:extLst>
-          </p:cNvPr>
+            <a:endParaRPr lang="en-US" dirty="0"/>
+          </a:p>
+        </p:txBody>
+      </p:sp>
+      <p:sp>
+        <p:nvSpPr>
+          <p:cNvPr id="3" name="Content Placeholder 2"/>
           <p:cNvSpPr>
             <a:spLocks noGrp="1"/>
           </p:cNvSpPr>
@@ -1382,81 +1234,76 @@
           <a:p>
             <a:pPr lvl="0"/>
             <a:r>
-              <a:rPr kumimoji="1" lang="ja-JP" altLang="en-US"/>
+              <a:rPr lang="ja-JP" altLang="en-US"/>
               <a:t>マスター テキストの書式設定</a:t>
             </a:r>
           </a:p>
           <a:p>
             <a:pPr lvl="1"/>
             <a:r>
-              <a:rPr kumimoji="1" lang="ja-JP" altLang="en-US"/>
+              <a:rPr lang="ja-JP" altLang="en-US"/>
               <a:t>第 </a:t>
             </a:r>
             <a:r>
-              <a:rPr kumimoji="1" lang="en-US" altLang="ja-JP"/>
+              <a:rPr lang="en-US" altLang="ja-JP"/>
               <a:t>2 </a:t>
             </a:r>
             <a:r>
-              <a:rPr kumimoji="1" lang="ja-JP" altLang="en-US"/>
+              <a:rPr lang="ja-JP" altLang="en-US"/>
               <a:t>レベル</a:t>
             </a:r>
           </a:p>
           <a:p>
             <a:pPr lvl="2"/>
             <a:r>
-              <a:rPr kumimoji="1" lang="ja-JP" altLang="en-US"/>
+              <a:rPr lang="ja-JP" altLang="en-US"/>
               <a:t>第 </a:t>
             </a:r>
             <a:r>
-              <a:rPr kumimoji="1" lang="en-US" altLang="ja-JP"/>
+              <a:rPr lang="en-US" altLang="ja-JP"/>
               <a:t>3 </a:t>
             </a:r>
             <a:r>
-              <a:rPr kumimoji="1" lang="ja-JP" altLang="en-US"/>
+              <a:rPr lang="ja-JP" altLang="en-US"/>
               <a:t>レベル</a:t>
             </a:r>
           </a:p>
           <a:p>
             <a:pPr lvl="3"/>
             <a:r>
-              <a:rPr kumimoji="1" lang="ja-JP" altLang="en-US"/>
+              <a:rPr lang="ja-JP" altLang="en-US"/>
               <a:t>第 </a:t>
             </a:r>
             <a:r>
-              <a:rPr kumimoji="1" lang="en-US" altLang="ja-JP"/>
+              <a:rPr lang="en-US" altLang="ja-JP"/>
               <a:t>4 </a:t>
             </a:r>
             <a:r>
-              <a:rPr kumimoji="1" lang="ja-JP" altLang="en-US"/>
+              <a:rPr lang="ja-JP" altLang="en-US"/>
               <a:t>レベル</a:t>
             </a:r>
           </a:p>
           <a:p>
             <a:pPr lvl="4"/>
             <a:r>
-              <a:rPr kumimoji="1" lang="ja-JP" altLang="en-US"/>
+              <a:rPr lang="ja-JP" altLang="en-US"/>
               <a:t>第 </a:t>
             </a:r>
             <a:r>
-              <a:rPr kumimoji="1" lang="en-US" altLang="ja-JP"/>
+              <a:rPr lang="en-US" altLang="ja-JP"/>
               <a:t>5 </a:t>
             </a:r>
             <a:r>
-              <a:rPr kumimoji="1" lang="ja-JP" altLang="en-US"/>
+              <a:rPr lang="ja-JP" altLang="en-US"/>
               <a:t>レベル</a:t>
             </a:r>
-          </a:p>
-        </p:txBody>
-      </p:sp>
-      <p:sp>
-        <p:nvSpPr>
-          <p:cNvPr id="4" name="コンテンツ プレースホルダー 3">
-            <a:extLst>
-              <a:ext uri="{FF2B5EF4-FFF2-40B4-BE49-F238E27FC236}">
-                <a16:creationId xmlns:a16="http://schemas.microsoft.com/office/drawing/2014/main" id="{B176683F-B27C-94F1-5C24-676FF4EA83BA}"/>
-              </a:ext>
-            </a:extLst>
-          </p:cNvPr>
+            <a:endParaRPr lang="en-US" dirty="0"/>
+          </a:p>
+        </p:txBody>
+      </p:sp>
+      <p:sp>
+        <p:nvSpPr>
+          <p:cNvPr id="4" name="Content Placeholder 3"/>
           <p:cNvSpPr>
             <a:spLocks noGrp="1"/>
           </p:cNvSpPr>
@@ -1476,81 +1323,76 @@
           <a:p>
             <a:pPr lvl="0"/>
             <a:r>
-              <a:rPr kumimoji="1" lang="ja-JP" altLang="en-US"/>
+              <a:rPr lang="ja-JP" altLang="en-US"/>
               <a:t>マスター テキストの書式設定</a:t>
             </a:r>
           </a:p>
           <a:p>
             <a:pPr lvl="1"/>
             <a:r>
-              <a:rPr kumimoji="1" lang="ja-JP" altLang="en-US"/>
+              <a:rPr lang="ja-JP" altLang="en-US"/>
               <a:t>第 </a:t>
             </a:r>
             <a:r>
-              <a:rPr kumimoji="1" lang="en-US" altLang="ja-JP"/>
+              <a:rPr lang="en-US" altLang="ja-JP"/>
               <a:t>2 </a:t>
             </a:r>
             <a:r>
-              <a:rPr kumimoji="1" lang="ja-JP" altLang="en-US"/>
+              <a:rPr lang="ja-JP" altLang="en-US"/>
               <a:t>レベル</a:t>
             </a:r>
           </a:p>
           <a:p>
             <a:pPr lvl="2"/>
             <a:r>
-              <a:rPr kumimoji="1" lang="ja-JP" altLang="en-US"/>
+              <a:rPr lang="ja-JP" altLang="en-US"/>
               <a:t>第 </a:t>
             </a:r>
             <a:r>
-              <a:rPr kumimoji="1" lang="en-US" altLang="ja-JP"/>
+              <a:rPr lang="en-US" altLang="ja-JP"/>
               <a:t>3 </a:t>
             </a:r>
             <a:r>
-              <a:rPr kumimoji="1" lang="ja-JP" altLang="en-US"/>
+              <a:rPr lang="ja-JP" altLang="en-US"/>
               <a:t>レベル</a:t>
             </a:r>
           </a:p>
           <a:p>
             <a:pPr lvl="3"/>
             <a:r>
-              <a:rPr kumimoji="1" lang="ja-JP" altLang="en-US"/>
+              <a:rPr lang="ja-JP" altLang="en-US"/>
               <a:t>第 </a:t>
             </a:r>
             <a:r>
-              <a:rPr kumimoji="1" lang="en-US" altLang="ja-JP"/>
+              <a:rPr lang="en-US" altLang="ja-JP"/>
               <a:t>4 </a:t>
             </a:r>
             <a:r>
-              <a:rPr kumimoji="1" lang="ja-JP" altLang="en-US"/>
+              <a:rPr lang="ja-JP" altLang="en-US"/>
               <a:t>レベル</a:t>
             </a:r>
           </a:p>
           <a:p>
             <a:pPr lvl="4"/>
             <a:r>
-              <a:rPr kumimoji="1" lang="ja-JP" altLang="en-US"/>
+              <a:rPr lang="ja-JP" altLang="en-US"/>
               <a:t>第 </a:t>
             </a:r>
             <a:r>
-              <a:rPr kumimoji="1" lang="en-US" altLang="ja-JP"/>
+              <a:rPr lang="en-US" altLang="ja-JP"/>
               <a:t>5 </a:t>
             </a:r>
             <a:r>
-              <a:rPr kumimoji="1" lang="ja-JP" altLang="en-US"/>
+              <a:rPr lang="ja-JP" altLang="en-US"/>
               <a:t>レベル</a:t>
             </a:r>
-          </a:p>
-        </p:txBody>
-      </p:sp>
-      <p:sp>
-        <p:nvSpPr>
-          <p:cNvPr id="5" name="日付プレースホルダー 4">
-            <a:extLst>
-              <a:ext uri="{FF2B5EF4-FFF2-40B4-BE49-F238E27FC236}">
-                <a16:creationId xmlns:a16="http://schemas.microsoft.com/office/drawing/2014/main" id="{0533BE00-6B82-2466-0C32-9ABEDAE319E7}"/>
-              </a:ext>
-            </a:extLst>
-          </p:cNvPr>
+            <a:endParaRPr lang="en-US" dirty="0"/>
+          </a:p>
+        </p:txBody>
+      </p:sp>
+      <p:sp>
+        <p:nvSpPr>
+          <p:cNvPr id="5" name="Date Placeholder 4"/>
           <p:cNvSpPr>
             <a:spLocks noGrp="1"/>
           </p:cNvSpPr>
@@ -1573,13 +1415,7 @@
       </p:sp>
       <p:sp>
         <p:nvSpPr>
-          <p:cNvPr id="6" name="フッター プレースホルダー 5">
-            <a:extLst>
-              <a:ext uri="{FF2B5EF4-FFF2-40B4-BE49-F238E27FC236}">
-                <a16:creationId xmlns:a16="http://schemas.microsoft.com/office/drawing/2014/main" id="{F741F906-2D44-D259-1A96-F46A3353D068}"/>
-              </a:ext>
-            </a:extLst>
-          </p:cNvPr>
+          <p:cNvPr id="6" name="Footer Placeholder 5"/>
           <p:cNvSpPr>
             <a:spLocks noGrp="1"/>
           </p:cNvSpPr>
@@ -1598,13 +1434,7 @@
       </p:sp>
       <p:sp>
         <p:nvSpPr>
-          <p:cNvPr id="7" name="スライド番号プレースホルダー 6">
-            <a:extLst>
-              <a:ext uri="{FF2B5EF4-FFF2-40B4-BE49-F238E27FC236}">
-                <a16:creationId xmlns:a16="http://schemas.microsoft.com/office/drawing/2014/main" id="{D6DE28A1-7421-5E09-B3BB-F3D3EAEB9F0E}"/>
-              </a:ext>
-            </a:extLst>
-          </p:cNvPr>
+          <p:cNvPr id="7" name="Slide Number Placeholder 6"/>
           <p:cNvSpPr>
             <a:spLocks noGrp="1"/>
           </p:cNvSpPr>
@@ -1628,7 +1458,7 @@
     </p:spTree>
     <p:extLst>
       <p:ext uri="{BB962C8B-B14F-4D97-AF65-F5344CB8AC3E}">
-        <p14:creationId xmlns:p14="http://schemas.microsoft.com/office/powerpoint/2010/main" val="416423174"/>
+        <p14:creationId xmlns:p14="http://schemas.microsoft.com/office/powerpoint/2010/main" val="2480854059"/>
       </p:ext>
     </p:extLst>
   </p:cSld>
@@ -1657,13 +1487,7 @@
       </p:grpSpPr>
       <p:sp>
         <p:nvSpPr>
-          <p:cNvPr id="2" name="タイトル 1">
-            <a:extLst>
-              <a:ext uri="{FF2B5EF4-FFF2-40B4-BE49-F238E27FC236}">
-                <a16:creationId xmlns:a16="http://schemas.microsoft.com/office/drawing/2014/main" id="{9EAB2C36-B61D-21A3-6074-A54DD235F335}"/>
-              </a:ext>
-            </a:extLst>
-          </p:cNvPr>
+          <p:cNvPr id="2" name="Title 1"/>
           <p:cNvSpPr>
             <a:spLocks noGrp="1"/>
           </p:cNvSpPr>
@@ -1682,21 +1506,16 @@
           <a:lstStyle/>
           <a:p>
             <a:r>
-              <a:rPr kumimoji="1" lang="ja-JP" altLang="en-US"/>
+              <a:rPr lang="ja-JP" altLang="en-US"/>
               <a:t>マスター タイトルの書式設定</a:t>
             </a:r>
-          </a:p>
-        </p:txBody>
-      </p:sp>
-      <p:sp>
-        <p:nvSpPr>
-          <p:cNvPr id="3" name="テキスト プレースホルダー 2">
-            <a:extLst>
-              <a:ext uri="{FF2B5EF4-FFF2-40B4-BE49-F238E27FC236}">
-                <a16:creationId xmlns:a16="http://schemas.microsoft.com/office/drawing/2014/main" id="{68A8EED2-1D34-F814-7D5B-24EB845E7129}"/>
-              </a:ext>
-            </a:extLst>
-          </p:cNvPr>
+            <a:endParaRPr lang="en-US" dirty="0"/>
+          </a:p>
+        </p:txBody>
+      </p:sp>
+      <p:sp>
+        <p:nvSpPr>
+          <p:cNvPr id="3" name="Text Placeholder 2"/>
           <p:cNvSpPr>
             <a:spLocks noGrp="1"/>
           </p:cNvSpPr>
@@ -1753,7 +1572,7 @@
           <a:p>
             <a:pPr lvl="0"/>
             <a:r>
-              <a:rPr kumimoji="1" lang="ja-JP" altLang="en-US"/>
+              <a:rPr lang="ja-JP" altLang="en-US"/>
               <a:t>マスター テキストの書式設定</a:t>
             </a:r>
           </a:p>
@@ -1761,13 +1580,7 @@
       </p:sp>
       <p:sp>
         <p:nvSpPr>
-          <p:cNvPr id="4" name="コンテンツ プレースホルダー 3">
-            <a:extLst>
-              <a:ext uri="{FF2B5EF4-FFF2-40B4-BE49-F238E27FC236}">
-                <a16:creationId xmlns:a16="http://schemas.microsoft.com/office/drawing/2014/main" id="{DBE397FF-8C6C-5A01-480F-11399CA49414}"/>
-              </a:ext>
-            </a:extLst>
-          </p:cNvPr>
+          <p:cNvPr id="4" name="Content Placeholder 3"/>
           <p:cNvSpPr>
             <a:spLocks noGrp="1"/>
           </p:cNvSpPr>
@@ -1787,81 +1600,76 @@
           <a:p>
             <a:pPr lvl="0"/>
             <a:r>
-              <a:rPr kumimoji="1" lang="ja-JP" altLang="en-US"/>
+              <a:rPr lang="ja-JP" altLang="en-US"/>
               <a:t>マスター テキストの書式設定</a:t>
             </a:r>
           </a:p>
           <a:p>
             <a:pPr lvl="1"/>
             <a:r>
-              <a:rPr kumimoji="1" lang="ja-JP" altLang="en-US"/>
+              <a:rPr lang="ja-JP" altLang="en-US"/>
               <a:t>第 </a:t>
             </a:r>
             <a:r>
-              <a:rPr kumimoji="1" lang="en-US" altLang="ja-JP"/>
+              <a:rPr lang="en-US" altLang="ja-JP"/>
               <a:t>2 </a:t>
             </a:r>
             <a:r>
-              <a:rPr kumimoji="1" lang="ja-JP" altLang="en-US"/>
+              <a:rPr lang="ja-JP" altLang="en-US"/>
               <a:t>レベル</a:t>
             </a:r>
           </a:p>
           <a:p>
             <a:pPr lvl="2"/>
             <a:r>
-              <a:rPr kumimoji="1" lang="ja-JP" altLang="en-US"/>
+              <a:rPr lang="ja-JP" altLang="en-US"/>
               <a:t>第 </a:t>
             </a:r>
             <a:r>
-              <a:rPr kumimoji="1" lang="en-US" altLang="ja-JP"/>
+              <a:rPr lang="en-US" altLang="ja-JP"/>
               <a:t>3 </a:t>
             </a:r>
             <a:r>
-              <a:rPr kumimoji="1" lang="ja-JP" altLang="en-US"/>
+              <a:rPr lang="ja-JP" altLang="en-US"/>
               <a:t>レベル</a:t>
             </a:r>
           </a:p>
           <a:p>
             <a:pPr lvl="3"/>
             <a:r>
-              <a:rPr kumimoji="1" lang="ja-JP" altLang="en-US"/>
+              <a:rPr lang="ja-JP" altLang="en-US"/>
               <a:t>第 </a:t>
             </a:r>
             <a:r>
-              <a:rPr kumimoji="1" lang="en-US" altLang="ja-JP"/>
+              <a:rPr lang="en-US" altLang="ja-JP"/>
               <a:t>4 </a:t>
             </a:r>
             <a:r>
-              <a:rPr kumimoji="1" lang="ja-JP" altLang="en-US"/>
+              <a:rPr lang="ja-JP" altLang="en-US"/>
               <a:t>レベル</a:t>
             </a:r>
           </a:p>
           <a:p>
             <a:pPr lvl="4"/>
             <a:r>
-              <a:rPr kumimoji="1" lang="ja-JP" altLang="en-US"/>
+              <a:rPr lang="ja-JP" altLang="en-US"/>
               <a:t>第 </a:t>
             </a:r>
             <a:r>
-              <a:rPr kumimoji="1" lang="en-US" altLang="ja-JP"/>
+              <a:rPr lang="en-US" altLang="ja-JP"/>
               <a:t>5 </a:t>
             </a:r>
             <a:r>
-              <a:rPr kumimoji="1" lang="ja-JP" altLang="en-US"/>
+              <a:rPr lang="ja-JP" altLang="en-US"/>
               <a:t>レベル</a:t>
             </a:r>
-          </a:p>
-        </p:txBody>
-      </p:sp>
-      <p:sp>
-        <p:nvSpPr>
-          <p:cNvPr id="5" name="テキスト プレースホルダー 4">
-            <a:extLst>
-              <a:ext uri="{FF2B5EF4-FFF2-40B4-BE49-F238E27FC236}">
-                <a16:creationId xmlns:a16="http://schemas.microsoft.com/office/drawing/2014/main" id="{7588FC75-F955-F0A2-E788-D4268EC2E225}"/>
-              </a:ext>
-            </a:extLst>
-          </p:cNvPr>
+            <a:endParaRPr lang="en-US" dirty="0"/>
+          </a:p>
+        </p:txBody>
+      </p:sp>
+      <p:sp>
+        <p:nvSpPr>
+          <p:cNvPr id="5" name="Text Placeholder 4"/>
           <p:cNvSpPr>
             <a:spLocks noGrp="1"/>
           </p:cNvSpPr>
@@ -1918,7 +1726,7 @@
           <a:p>
             <a:pPr lvl="0"/>
             <a:r>
-              <a:rPr kumimoji="1" lang="ja-JP" altLang="en-US"/>
+              <a:rPr lang="ja-JP" altLang="en-US"/>
               <a:t>マスター テキストの書式設定</a:t>
             </a:r>
           </a:p>
@@ -1926,13 +1734,7 @@
       </p:sp>
       <p:sp>
         <p:nvSpPr>
-          <p:cNvPr id="6" name="コンテンツ プレースホルダー 5">
-            <a:extLst>
-              <a:ext uri="{FF2B5EF4-FFF2-40B4-BE49-F238E27FC236}">
-                <a16:creationId xmlns:a16="http://schemas.microsoft.com/office/drawing/2014/main" id="{41BEC690-0B5D-8293-EA25-2F4A65561788}"/>
-              </a:ext>
-            </a:extLst>
-          </p:cNvPr>
+          <p:cNvPr id="6" name="Content Placeholder 5"/>
           <p:cNvSpPr>
             <a:spLocks noGrp="1"/>
           </p:cNvSpPr>
@@ -1952,81 +1754,76 @@
           <a:p>
             <a:pPr lvl="0"/>
             <a:r>
-              <a:rPr kumimoji="1" lang="ja-JP" altLang="en-US"/>
+              <a:rPr lang="ja-JP" altLang="en-US"/>
               <a:t>マスター テキストの書式設定</a:t>
             </a:r>
           </a:p>
           <a:p>
             <a:pPr lvl="1"/>
             <a:r>
-              <a:rPr kumimoji="1" lang="ja-JP" altLang="en-US"/>
+              <a:rPr lang="ja-JP" altLang="en-US"/>
               <a:t>第 </a:t>
             </a:r>
             <a:r>
-              <a:rPr kumimoji="1" lang="en-US" altLang="ja-JP"/>
+              <a:rPr lang="en-US" altLang="ja-JP"/>
               <a:t>2 </a:t>
             </a:r>
             <a:r>
-              <a:rPr kumimoji="1" lang="ja-JP" altLang="en-US"/>
+              <a:rPr lang="ja-JP" altLang="en-US"/>
               <a:t>レベル</a:t>
             </a:r>
           </a:p>
           <a:p>
             <a:pPr lvl="2"/>
             <a:r>
-              <a:rPr kumimoji="1" lang="ja-JP" altLang="en-US"/>
+              <a:rPr lang="ja-JP" altLang="en-US"/>
               <a:t>第 </a:t>
             </a:r>
             <a:r>
-              <a:rPr kumimoji="1" lang="en-US" altLang="ja-JP"/>
+              <a:rPr lang="en-US" altLang="ja-JP"/>
               <a:t>3 </a:t>
             </a:r>
             <a:r>
-              <a:rPr kumimoji="1" lang="ja-JP" altLang="en-US"/>
+              <a:rPr lang="ja-JP" altLang="en-US"/>
               <a:t>レベル</a:t>
             </a:r>
           </a:p>
           <a:p>
             <a:pPr lvl="3"/>
             <a:r>
-              <a:rPr kumimoji="1" lang="ja-JP" altLang="en-US"/>
+              <a:rPr lang="ja-JP" altLang="en-US"/>
               <a:t>第 </a:t>
             </a:r>
             <a:r>
-              <a:rPr kumimoji="1" lang="en-US" altLang="ja-JP"/>
+              <a:rPr lang="en-US" altLang="ja-JP"/>
               <a:t>4 </a:t>
             </a:r>
             <a:r>
-              <a:rPr kumimoji="1" lang="ja-JP" altLang="en-US"/>
+              <a:rPr lang="ja-JP" altLang="en-US"/>
               <a:t>レベル</a:t>
             </a:r>
           </a:p>
           <a:p>
             <a:pPr lvl="4"/>
             <a:r>
-              <a:rPr kumimoji="1" lang="ja-JP" altLang="en-US"/>
+              <a:rPr lang="ja-JP" altLang="en-US"/>
               <a:t>第 </a:t>
             </a:r>
             <a:r>
-              <a:rPr kumimoji="1" lang="en-US" altLang="ja-JP"/>
+              <a:rPr lang="en-US" altLang="ja-JP"/>
               <a:t>5 </a:t>
             </a:r>
             <a:r>
-              <a:rPr kumimoji="1" lang="ja-JP" altLang="en-US"/>
+              <a:rPr lang="ja-JP" altLang="en-US"/>
               <a:t>レベル</a:t>
             </a:r>
-          </a:p>
-        </p:txBody>
-      </p:sp>
-      <p:sp>
-        <p:nvSpPr>
-          <p:cNvPr id="7" name="日付プレースホルダー 6">
-            <a:extLst>
-              <a:ext uri="{FF2B5EF4-FFF2-40B4-BE49-F238E27FC236}">
-                <a16:creationId xmlns:a16="http://schemas.microsoft.com/office/drawing/2014/main" id="{69D7A0EA-4397-E6BD-9CF3-5ABBE7C8C86E}"/>
-              </a:ext>
-            </a:extLst>
-          </p:cNvPr>
+            <a:endParaRPr lang="en-US" dirty="0"/>
+          </a:p>
+        </p:txBody>
+      </p:sp>
+      <p:sp>
+        <p:nvSpPr>
+          <p:cNvPr id="7" name="Date Placeholder 6"/>
           <p:cNvSpPr>
             <a:spLocks noGrp="1"/>
           </p:cNvSpPr>
@@ -2049,13 +1846,7 @@
       </p:sp>
       <p:sp>
         <p:nvSpPr>
-          <p:cNvPr id="8" name="フッター プレースホルダー 7">
-            <a:extLst>
-              <a:ext uri="{FF2B5EF4-FFF2-40B4-BE49-F238E27FC236}">
-                <a16:creationId xmlns:a16="http://schemas.microsoft.com/office/drawing/2014/main" id="{0A0A7E62-D901-66C2-E1E2-B84C8812AF6F}"/>
-              </a:ext>
-            </a:extLst>
-          </p:cNvPr>
+          <p:cNvPr id="8" name="Footer Placeholder 7"/>
           <p:cNvSpPr>
             <a:spLocks noGrp="1"/>
           </p:cNvSpPr>
@@ -2074,13 +1865,7 @@
       </p:sp>
       <p:sp>
         <p:nvSpPr>
-          <p:cNvPr id="9" name="スライド番号プレースホルダー 8">
-            <a:extLst>
-              <a:ext uri="{FF2B5EF4-FFF2-40B4-BE49-F238E27FC236}">
-                <a16:creationId xmlns:a16="http://schemas.microsoft.com/office/drawing/2014/main" id="{BD3003F7-068D-E5C1-7996-5C0F2F38ABD2}"/>
-              </a:ext>
-            </a:extLst>
-          </p:cNvPr>
+          <p:cNvPr id="9" name="Slide Number Placeholder 8"/>
           <p:cNvSpPr>
             <a:spLocks noGrp="1"/>
           </p:cNvSpPr>
@@ -2104,7 +1889,7 @@
     </p:spTree>
     <p:extLst>
       <p:ext uri="{BB962C8B-B14F-4D97-AF65-F5344CB8AC3E}">
-        <p14:creationId xmlns:p14="http://schemas.microsoft.com/office/powerpoint/2010/main" val="106727411"/>
+        <p14:creationId xmlns:p14="http://schemas.microsoft.com/office/powerpoint/2010/main" val="1688880081"/>
       </p:ext>
     </p:extLst>
   </p:cSld>
@@ -2133,13 +1918,7 @@
       </p:grpSpPr>
       <p:sp>
         <p:nvSpPr>
-          <p:cNvPr id="2" name="タイトル 1">
-            <a:extLst>
-              <a:ext uri="{FF2B5EF4-FFF2-40B4-BE49-F238E27FC236}">
-                <a16:creationId xmlns:a16="http://schemas.microsoft.com/office/drawing/2014/main" id="{1C35E4FD-2C43-A396-0F19-3C5D8C42AFA8}"/>
-              </a:ext>
-            </a:extLst>
-          </p:cNvPr>
+          <p:cNvPr id="2" name="Title 1"/>
           <p:cNvSpPr>
             <a:spLocks noGrp="1"/>
           </p:cNvSpPr>
@@ -2153,21 +1932,16 @@
           <a:lstStyle/>
           <a:p>
             <a:r>
-              <a:rPr kumimoji="1" lang="ja-JP" altLang="en-US"/>
+              <a:rPr lang="ja-JP" altLang="en-US"/>
               <a:t>マスター タイトルの書式設定</a:t>
             </a:r>
-          </a:p>
-        </p:txBody>
-      </p:sp>
-      <p:sp>
-        <p:nvSpPr>
-          <p:cNvPr id="3" name="日付プレースホルダー 2">
-            <a:extLst>
-              <a:ext uri="{FF2B5EF4-FFF2-40B4-BE49-F238E27FC236}">
-                <a16:creationId xmlns:a16="http://schemas.microsoft.com/office/drawing/2014/main" id="{95CA6D13-CFC6-20BC-A4DB-929B75DD2B8D}"/>
-              </a:ext>
-            </a:extLst>
-          </p:cNvPr>
+            <a:endParaRPr lang="en-US" dirty="0"/>
+          </a:p>
+        </p:txBody>
+      </p:sp>
+      <p:sp>
+        <p:nvSpPr>
+          <p:cNvPr id="3" name="Date Placeholder 2"/>
           <p:cNvSpPr>
             <a:spLocks noGrp="1"/>
           </p:cNvSpPr>
@@ -2190,13 +1964,7 @@
       </p:sp>
       <p:sp>
         <p:nvSpPr>
-          <p:cNvPr id="4" name="フッター プレースホルダー 3">
-            <a:extLst>
-              <a:ext uri="{FF2B5EF4-FFF2-40B4-BE49-F238E27FC236}">
-                <a16:creationId xmlns:a16="http://schemas.microsoft.com/office/drawing/2014/main" id="{FC9E68AD-BCD9-09E7-B2FF-24728E4FBE02}"/>
-              </a:ext>
-            </a:extLst>
-          </p:cNvPr>
+          <p:cNvPr id="4" name="Footer Placeholder 3"/>
           <p:cNvSpPr>
             <a:spLocks noGrp="1"/>
           </p:cNvSpPr>
@@ -2215,13 +1983,7 @@
       </p:sp>
       <p:sp>
         <p:nvSpPr>
-          <p:cNvPr id="5" name="スライド番号プレースホルダー 4">
-            <a:extLst>
-              <a:ext uri="{FF2B5EF4-FFF2-40B4-BE49-F238E27FC236}">
-                <a16:creationId xmlns:a16="http://schemas.microsoft.com/office/drawing/2014/main" id="{04AF0B9F-B47D-FA40-472A-8B269F0B027A}"/>
-              </a:ext>
-            </a:extLst>
-          </p:cNvPr>
+          <p:cNvPr id="5" name="Slide Number Placeholder 4"/>
           <p:cNvSpPr>
             <a:spLocks noGrp="1"/>
           </p:cNvSpPr>
@@ -2245,7 +2007,7 @@
     </p:spTree>
     <p:extLst>
       <p:ext uri="{BB962C8B-B14F-4D97-AF65-F5344CB8AC3E}">
-        <p14:creationId xmlns:p14="http://schemas.microsoft.com/office/powerpoint/2010/main" val="279266294"/>
+        <p14:creationId xmlns:p14="http://schemas.microsoft.com/office/powerpoint/2010/main" val="346268572"/>
       </p:ext>
     </p:extLst>
   </p:cSld>
@@ -2274,13 +2036,7 @@
       </p:grpSpPr>
       <p:sp>
         <p:nvSpPr>
-          <p:cNvPr id="2" name="日付プレースホルダー 1">
-            <a:extLst>
-              <a:ext uri="{FF2B5EF4-FFF2-40B4-BE49-F238E27FC236}">
-                <a16:creationId xmlns:a16="http://schemas.microsoft.com/office/drawing/2014/main" id="{6BB664E7-8906-04D3-D749-06DD6D7AC902}"/>
-              </a:ext>
-            </a:extLst>
-          </p:cNvPr>
+          <p:cNvPr id="2" name="Date Placeholder 1"/>
           <p:cNvSpPr>
             <a:spLocks noGrp="1"/>
           </p:cNvSpPr>
@@ -2303,13 +2059,7 @@
       </p:sp>
       <p:sp>
         <p:nvSpPr>
-          <p:cNvPr id="3" name="フッター プレースホルダー 2">
-            <a:extLst>
-              <a:ext uri="{FF2B5EF4-FFF2-40B4-BE49-F238E27FC236}">
-                <a16:creationId xmlns:a16="http://schemas.microsoft.com/office/drawing/2014/main" id="{B6F8EBC0-408D-8526-6DCD-50D6FF1A71BF}"/>
-              </a:ext>
-            </a:extLst>
-          </p:cNvPr>
+          <p:cNvPr id="3" name="Footer Placeholder 2"/>
           <p:cNvSpPr>
             <a:spLocks noGrp="1"/>
           </p:cNvSpPr>
@@ -2328,13 +2078,7 @@
       </p:sp>
       <p:sp>
         <p:nvSpPr>
-          <p:cNvPr id="4" name="スライド番号プレースホルダー 3">
-            <a:extLst>
-              <a:ext uri="{FF2B5EF4-FFF2-40B4-BE49-F238E27FC236}">
-                <a16:creationId xmlns:a16="http://schemas.microsoft.com/office/drawing/2014/main" id="{91FE4756-76C3-A9D2-0660-1AA1CACDDC67}"/>
-              </a:ext>
-            </a:extLst>
-          </p:cNvPr>
+          <p:cNvPr id="4" name="Slide Number Placeholder 3"/>
           <p:cNvSpPr>
             <a:spLocks noGrp="1"/>
           </p:cNvSpPr>
@@ -2358,7 +2102,7 @@
     </p:spTree>
     <p:extLst>
       <p:ext uri="{BB962C8B-B14F-4D97-AF65-F5344CB8AC3E}">
-        <p14:creationId xmlns:p14="http://schemas.microsoft.com/office/powerpoint/2010/main" val="3992664704"/>
+        <p14:creationId xmlns:p14="http://schemas.microsoft.com/office/powerpoint/2010/main" val="2769827333"/>
       </p:ext>
     </p:extLst>
   </p:cSld>
@@ -2387,13 +2131,7 @@
       </p:grpSpPr>
       <p:sp>
         <p:nvSpPr>
-          <p:cNvPr id="2" name="タイトル 1">
-            <a:extLst>
-              <a:ext uri="{FF2B5EF4-FFF2-40B4-BE49-F238E27FC236}">
-                <a16:creationId xmlns:a16="http://schemas.microsoft.com/office/drawing/2014/main" id="{6366F963-07FB-45D1-7819-9C213823F51B}"/>
-              </a:ext>
-            </a:extLst>
-          </p:cNvPr>
+          <p:cNvPr id="2" name="Title 1"/>
           <p:cNvSpPr>
             <a:spLocks noGrp="1"/>
           </p:cNvSpPr>
@@ -2416,21 +2154,16 @@
           </a:lstStyle>
           <a:p>
             <a:r>
-              <a:rPr kumimoji="1" lang="ja-JP" altLang="en-US"/>
+              <a:rPr lang="ja-JP" altLang="en-US"/>
               <a:t>マスター タイトルの書式設定</a:t>
             </a:r>
-          </a:p>
-        </p:txBody>
-      </p:sp>
-      <p:sp>
-        <p:nvSpPr>
-          <p:cNvPr id="3" name="コンテンツ プレースホルダー 2">
-            <a:extLst>
-              <a:ext uri="{FF2B5EF4-FFF2-40B4-BE49-F238E27FC236}">
-                <a16:creationId xmlns:a16="http://schemas.microsoft.com/office/drawing/2014/main" id="{A9BB8402-5E8A-B0D8-E0D8-6CEF9D0310E6}"/>
-              </a:ext>
-            </a:extLst>
-          </p:cNvPr>
+            <a:endParaRPr lang="en-US" dirty="0"/>
+          </a:p>
+        </p:txBody>
+      </p:sp>
+      <p:sp>
+        <p:nvSpPr>
+          <p:cNvPr id="3" name="Content Placeholder 2"/>
           <p:cNvSpPr>
             <a:spLocks noGrp="1"/>
           </p:cNvSpPr>
@@ -2478,81 +2211,76 @@
           <a:p>
             <a:pPr lvl="0"/>
             <a:r>
-              <a:rPr kumimoji="1" lang="ja-JP" altLang="en-US"/>
+              <a:rPr lang="ja-JP" altLang="en-US"/>
               <a:t>マスター テキストの書式設定</a:t>
             </a:r>
           </a:p>
           <a:p>
             <a:pPr lvl="1"/>
             <a:r>
-              <a:rPr kumimoji="1" lang="ja-JP" altLang="en-US"/>
+              <a:rPr lang="ja-JP" altLang="en-US"/>
               <a:t>第 </a:t>
             </a:r>
             <a:r>
-              <a:rPr kumimoji="1" lang="en-US" altLang="ja-JP"/>
+              <a:rPr lang="en-US" altLang="ja-JP"/>
               <a:t>2 </a:t>
             </a:r>
             <a:r>
-              <a:rPr kumimoji="1" lang="ja-JP" altLang="en-US"/>
+              <a:rPr lang="ja-JP" altLang="en-US"/>
               <a:t>レベル</a:t>
             </a:r>
           </a:p>
           <a:p>
             <a:pPr lvl="2"/>
             <a:r>
-              <a:rPr kumimoji="1" lang="ja-JP" altLang="en-US"/>
+              <a:rPr lang="ja-JP" altLang="en-US"/>
               <a:t>第 </a:t>
             </a:r>
             <a:r>
-              <a:rPr kumimoji="1" lang="en-US" altLang="ja-JP"/>
+              <a:rPr lang="en-US" altLang="ja-JP"/>
               <a:t>3 </a:t>
             </a:r>
             <a:r>
-              <a:rPr kumimoji="1" lang="ja-JP" altLang="en-US"/>
+              <a:rPr lang="ja-JP" altLang="en-US"/>
               <a:t>レベル</a:t>
             </a:r>
           </a:p>
           <a:p>
             <a:pPr lvl="3"/>
             <a:r>
-              <a:rPr kumimoji="1" lang="ja-JP" altLang="en-US"/>
+              <a:rPr lang="ja-JP" altLang="en-US"/>
               <a:t>第 </a:t>
             </a:r>
             <a:r>
-              <a:rPr kumimoji="1" lang="en-US" altLang="ja-JP"/>
+              <a:rPr lang="en-US" altLang="ja-JP"/>
               <a:t>4 </a:t>
             </a:r>
             <a:r>
-              <a:rPr kumimoji="1" lang="ja-JP" altLang="en-US"/>
+              <a:rPr lang="ja-JP" altLang="en-US"/>
               <a:t>レベル</a:t>
             </a:r>
           </a:p>
           <a:p>
             <a:pPr lvl="4"/>
             <a:r>
-              <a:rPr kumimoji="1" lang="ja-JP" altLang="en-US"/>
+              <a:rPr lang="ja-JP" altLang="en-US"/>
               <a:t>第 </a:t>
             </a:r>
             <a:r>
-              <a:rPr kumimoji="1" lang="en-US" altLang="ja-JP"/>
+              <a:rPr lang="en-US" altLang="ja-JP"/>
               <a:t>5 </a:t>
             </a:r>
             <a:r>
-              <a:rPr kumimoji="1" lang="ja-JP" altLang="en-US"/>
+              <a:rPr lang="ja-JP" altLang="en-US"/>
               <a:t>レベル</a:t>
             </a:r>
-          </a:p>
-        </p:txBody>
-      </p:sp>
-      <p:sp>
-        <p:nvSpPr>
-          <p:cNvPr id="4" name="テキスト プレースホルダー 3">
-            <a:extLst>
-              <a:ext uri="{FF2B5EF4-FFF2-40B4-BE49-F238E27FC236}">
-                <a16:creationId xmlns:a16="http://schemas.microsoft.com/office/drawing/2014/main" id="{CFA30AFA-8312-87D2-C18A-C44D5C453C01}"/>
-              </a:ext>
-            </a:extLst>
-          </p:cNvPr>
+            <a:endParaRPr lang="en-US" dirty="0"/>
+          </a:p>
+        </p:txBody>
+      </p:sp>
+      <p:sp>
+        <p:nvSpPr>
+          <p:cNvPr id="4" name="Text Placeholder 3"/>
           <p:cNvSpPr>
             <a:spLocks noGrp="1"/>
           </p:cNvSpPr>
@@ -2609,7 +2337,7 @@
           <a:p>
             <a:pPr lvl="0"/>
             <a:r>
-              <a:rPr kumimoji="1" lang="ja-JP" altLang="en-US"/>
+              <a:rPr lang="ja-JP" altLang="en-US"/>
               <a:t>マスター テキストの書式設定</a:t>
             </a:r>
           </a:p>
@@ -2617,13 +2345,7 @@
       </p:sp>
       <p:sp>
         <p:nvSpPr>
-          <p:cNvPr id="5" name="日付プレースホルダー 4">
-            <a:extLst>
-              <a:ext uri="{FF2B5EF4-FFF2-40B4-BE49-F238E27FC236}">
-                <a16:creationId xmlns:a16="http://schemas.microsoft.com/office/drawing/2014/main" id="{75C17897-BD4A-2B7F-3030-4BB285D36459}"/>
-              </a:ext>
-            </a:extLst>
-          </p:cNvPr>
+          <p:cNvPr id="5" name="Date Placeholder 4"/>
           <p:cNvSpPr>
             <a:spLocks noGrp="1"/>
           </p:cNvSpPr>
@@ -2646,13 +2368,7 @@
       </p:sp>
       <p:sp>
         <p:nvSpPr>
-          <p:cNvPr id="6" name="フッター プレースホルダー 5">
-            <a:extLst>
-              <a:ext uri="{FF2B5EF4-FFF2-40B4-BE49-F238E27FC236}">
-                <a16:creationId xmlns:a16="http://schemas.microsoft.com/office/drawing/2014/main" id="{ABAA3D9B-9506-CC03-23F8-8BB627111A70}"/>
-              </a:ext>
-            </a:extLst>
-          </p:cNvPr>
+          <p:cNvPr id="6" name="Footer Placeholder 5"/>
           <p:cNvSpPr>
             <a:spLocks noGrp="1"/>
           </p:cNvSpPr>
@@ -2671,13 +2387,7 @@
       </p:sp>
       <p:sp>
         <p:nvSpPr>
-          <p:cNvPr id="7" name="スライド番号プレースホルダー 6">
-            <a:extLst>
-              <a:ext uri="{FF2B5EF4-FFF2-40B4-BE49-F238E27FC236}">
-                <a16:creationId xmlns:a16="http://schemas.microsoft.com/office/drawing/2014/main" id="{10C9FABF-D817-7D7C-EDF9-A1C8EEAADB42}"/>
-              </a:ext>
-            </a:extLst>
-          </p:cNvPr>
+          <p:cNvPr id="7" name="Slide Number Placeholder 6"/>
           <p:cNvSpPr>
             <a:spLocks noGrp="1"/>
           </p:cNvSpPr>
@@ -2701,7 +2411,7 @@
     </p:spTree>
     <p:extLst>
       <p:ext uri="{BB962C8B-B14F-4D97-AF65-F5344CB8AC3E}">
-        <p14:creationId xmlns:p14="http://schemas.microsoft.com/office/powerpoint/2010/main" val="1600242172"/>
+        <p14:creationId xmlns:p14="http://schemas.microsoft.com/office/powerpoint/2010/main" val="2307945338"/>
       </p:ext>
     </p:extLst>
   </p:cSld>
@@ -2730,13 +2440,7 @@
       </p:grpSpPr>
       <p:sp>
         <p:nvSpPr>
-          <p:cNvPr id="2" name="タイトル 1">
-            <a:extLst>
-              <a:ext uri="{FF2B5EF4-FFF2-40B4-BE49-F238E27FC236}">
-                <a16:creationId xmlns:a16="http://schemas.microsoft.com/office/drawing/2014/main" id="{FF29CE59-8CF0-023A-6FE0-0A8872383C71}"/>
-              </a:ext>
-            </a:extLst>
-          </p:cNvPr>
+          <p:cNvPr id="2" name="Title 1"/>
           <p:cNvSpPr>
             <a:spLocks noGrp="1"/>
           </p:cNvSpPr>
@@ -2759,23 +2463,18 @@
           </a:lstStyle>
           <a:p>
             <a:r>
-              <a:rPr kumimoji="1" lang="ja-JP" altLang="en-US"/>
+              <a:rPr lang="ja-JP" altLang="en-US"/>
               <a:t>マスター タイトルの書式設定</a:t>
             </a:r>
-          </a:p>
-        </p:txBody>
-      </p:sp>
-      <p:sp>
-        <p:nvSpPr>
-          <p:cNvPr id="3" name="図プレースホルダー 2">
-            <a:extLst>
-              <a:ext uri="{FF2B5EF4-FFF2-40B4-BE49-F238E27FC236}">
-                <a16:creationId xmlns:a16="http://schemas.microsoft.com/office/drawing/2014/main" id="{4B6E410A-5E02-D37B-38A3-11A4C0BC4791}"/>
-              </a:ext>
-            </a:extLst>
-          </p:cNvPr>
-          <p:cNvSpPr>
-            <a:spLocks noGrp="1"/>
+            <a:endParaRPr lang="en-US" dirty="0"/>
+          </a:p>
+        </p:txBody>
+      </p:sp>
+      <p:sp>
+        <p:nvSpPr>
+          <p:cNvPr id="3" name="Picture Placeholder 2"/>
+          <p:cNvSpPr>
+            <a:spLocks noGrp="1" noChangeAspect="1"/>
           </p:cNvSpPr>
           <p:nvPr>
             <p:ph type="pic" idx="1"/>
@@ -2788,7 +2487,7 @@
           </a:xfrm>
         </p:spPr>
         <p:txBody>
-          <a:bodyPr/>
+          <a:bodyPr anchor="t"/>
           <a:lstStyle>
             <a:lvl1pPr marL="0" indent="0">
               <a:buNone/>
@@ -2828,19 +2527,17 @@
             </a:lvl9pPr>
           </a:lstStyle>
           <a:p>
-            <a:endParaRPr kumimoji="1" lang="ja-JP" altLang="en-US"/>
-          </a:p>
-        </p:txBody>
-      </p:sp>
-      <p:sp>
-        <p:nvSpPr>
-          <p:cNvPr id="4" name="テキスト プレースホルダー 3">
-            <a:extLst>
-              <a:ext uri="{FF2B5EF4-FFF2-40B4-BE49-F238E27FC236}">
-                <a16:creationId xmlns:a16="http://schemas.microsoft.com/office/drawing/2014/main" id="{5B9D7730-2BDA-2204-CA47-FB980FAE8C02}"/>
-              </a:ext>
-            </a:extLst>
-          </p:cNvPr>
+            <a:r>
+              <a:rPr lang="ja-JP" altLang="en-US"/>
+              <a:t>アイコンをクリックして図を追加</a:t>
+            </a:r>
+            <a:endParaRPr lang="en-US" dirty="0"/>
+          </a:p>
+        </p:txBody>
+      </p:sp>
+      <p:sp>
+        <p:nvSpPr>
+          <p:cNvPr id="4" name="Text Placeholder 3"/>
           <p:cNvSpPr>
             <a:spLocks noGrp="1"/>
           </p:cNvSpPr>
@@ -2897,7 +2594,7 @@
           <a:p>
             <a:pPr lvl="0"/>
             <a:r>
-              <a:rPr kumimoji="1" lang="ja-JP" altLang="en-US"/>
+              <a:rPr lang="ja-JP" altLang="en-US"/>
               <a:t>マスター テキストの書式設定</a:t>
             </a:r>
           </a:p>
@@ -2905,13 +2602,7 @@
       </p:sp>
       <p:sp>
         <p:nvSpPr>
-          <p:cNvPr id="5" name="日付プレースホルダー 4">
-            <a:extLst>
-              <a:ext uri="{FF2B5EF4-FFF2-40B4-BE49-F238E27FC236}">
-                <a16:creationId xmlns:a16="http://schemas.microsoft.com/office/drawing/2014/main" id="{9C0F66DF-3D6A-EC54-8EBB-D0897EC05ACF}"/>
-              </a:ext>
-            </a:extLst>
-          </p:cNvPr>
+          <p:cNvPr id="5" name="Date Placeholder 4"/>
           <p:cNvSpPr>
             <a:spLocks noGrp="1"/>
           </p:cNvSpPr>
@@ -2934,13 +2625,7 @@
       </p:sp>
       <p:sp>
         <p:nvSpPr>
-          <p:cNvPr id="6" name="フッター プレースホルダー 5">
-            <a:extLst>
-              <a:ext uri="{FF2B5EF4-FFF2-40B4-BE49-F238E27FC236}">
-                <a16:creationId xmlns:a16="http://schemas.microsoft.com/office/drawing/2014/main" id="{389826C1-BC8E-B49D-F085-9E2CBF6E036A}"/>
-              </a:ext>
-            </a:extLst>
-          </p:cNvPr>
+          <p:cNvPr id="6" name="Footer Placeholder 5"/>
           <p:cNvSpPr>
             <a:spLocks noGrp="1"/>
           </p:cNvSpPr>
@@ -2959,13 +2644,7 @@
       </p:sp>
       <p:sp>
         <p:nvSpPr>
-          <p:cNvPr id="7" name="スライド番号プレースホルダー 6">
-            <a:extLst>
-              <a:ext uri="{FF2B5EF4-FFF2-40B4-BE49-F238E27FC236}">
-                <a16:creationId xmlns:a16="http://schemas.microsoft.com/office/drawing/2014/main" id="{FF94EB7C-FD46-ACA8-4374-C3CD14ADC6A1}"/>
-              </a:ext>
-            </a:extLst>
-          </p:cNvPr>
+          <p:cNvPr id="7" name="Slide Number Placeholder 6"/>
           <p:cNvSpPr>
             <a:spLocks noGrp="1"/>
           </p:cNvSpPr>
@@ -2989,7 +2668,7 @@
     </p:spTree>
     <p:extLst>
       <p:ext uri="{BB962C8B-B14F-4D97-AF65-F5344CB8AC3E}">
-        <p14:creationId xmlns:p14="http://schemas.microsoft.com/office/powerpoint/2010/main" val="1338351361"/>
+        <p14:creationId xmlns:p14="http://schemas.microsoft.com/office/powerpoint/2010/main" val="3651511880"/>
       </p:ext>
     </p:extLst>
   </p:cSld>
@@ -3023,13 +2702,7 @@
       </p:grpSpPr>
       <p:sp>
         <p:nvSpPr>
-          <p:cNvPr id="2" name="タイトル プレースホルダー 1">
-            <a:extLst>
-              <a:ext uri="{FF2B5EF4-FFF2-40B4-BE49-F238E27FC236}">
-                <a16:creationId xmlns:a16="http://schemas.microsoft.com/office/drawing/2014/main" id="{0A928A77-8335-4FF0-4158-C0B1E71FEFE2}"/>
-              </a:ext>
-            </a:extLst>
-          </p:cNvPr>
+          <p:cNvPr id="2" name="Title Placeholder 1"/>
           <p:cNvSpPr>
             <a:spLocks noGrp="1"/>
           </p:cNvSpPr>
@@ -3053,21 +2726,16 @@
           <a:lstStyle/>
           <a:p>
             <a:r>
-              <a:rPr kumimoji="1" lang="ja-JP" altLang="en-US"/>
+              <a:rPr lang="ja-JP" altLang="en-US"/>
               <a:t>マスター タイトルの書式設定</a:t>
             </a:r>
-          </a:p>
-        </p:txBody>
-      </p:sp>
-      <p:sp>
-        <p:nvSpPr>
-          <p:cNvPr id="3" name="テキスト プレースホルダー 2">
-            <a:extLst>
-              <a:ext uri="{FF2B5EF4-FFF2-40B4-BE49-F238E27FC236}">
-                <a16:creationId xmlns:a16="http://schemas.microsoft.com/office/drawing/2014/main" id="{ED55E21D-5C65-5EEE-AD36-2503DA8E082A}"/>
-              </a:ext>
-            </a:extLst>
-          </p:cNvPr>
+            <a:endParaRPr lang="en-US" dirty="0"/>
+          </a:p>
+        </p:txBody>
+      </p:sp>
+      <p:sp>
+        <p:nvSpPr>
+          <p:cNvPr id="3" name="Text Placeholder 2"/>
           <p:cNvSpPr>
             <a:spLocks noGrp="1"/>
           </p:cNvSpPr>
@@ -3092,81 +2760,76 @@
           <a:p>
             <a:pPr lvl="0"/>
             <a:r>
-              <a:rPr kumimoji="1" lang="ja-JP" altLang="en-US"/>
+              <a:rPr lang="ja-JP" altLang="en-US"/>
               <a:t>マスター テキストの書式設定</a:t>
             </a:r>
           </a:p>
           <a:p>
             <a:pPr lvl="1"/>
             <a:r>
-              <a:rPr kumimoji="1" lang="ja-JP" altLang="en-US"/>
+              <a:rPr lang="ja-JP" altLang="en-US"/>
               <a:t>第 </a:t>
             </a:r>
             <a:r>
-              <a:rPr kumimoji="1" lang="en-US" altLang="ja-JP"/>
+              <a:rPr lang="en-US" altLang="ja-JP"/>
               <a:t>2 </a:t>
             </a:r>
             <a:r>
-              <a:rPr kumimoji="1" lang="ja-JP" altLang="en-US"/>
+              <a:rPr lang="ja-JP" altLang="en-US"/>
               <a:t>レベル</a:t>
             </a:r>
           </a:p>
           <a:p>
             <a:pPr lvl="2"/>
             <a:r>
-              <a:rPr kumimoji="1" lang="ja-JP" altLang="en-US"/>
+              <a:rPr lang="ja-JP" altLang="en-US"/>
               <a:t>第 </a:t>
             </a:r>
             <a:r>
-              <a:rPr kumimoji="1" lang="en-US" altLang="ja-JP"/>
+              <a:rPr lang="en-US" altLang="ja-JP"/>
               <a:t>3 </a:t>
             </a:r>
             <a:r>
-              <a:rPr kumimoji="1" lang="ja-JP" altLang="en-US"/>
+              <a:rPr lang="ja-JP" altLang="en-US"/>
               <a:t>レベル</a:t>
             </a:r>
           </a:p>
           <a:p>
             <a:pPr lvl="3"/>
             <a:r>
-              <a:rPr kumimoji="1" lang="ja-JP" altLang="en-US"/>
+              <a:rPr lang="ja-JP" altLang="en-US"/>
               <a:t>第 </a:t>
             </a:r>
             <a:r>
-              <a:rPr kumimoji="1" lang="en-US" altLang="ja-JP"/>
+              <a:rPr lang="en-US" altLang="ja-JP"/>
               <a:t>4 </a:t>
             </a:r>
             <a:r>
-              <a:rPr kumimoji="1" lang="ja-JP" altLang="en-US"/>
+              <a:rPr lang="ja-JP" altLang="en-US"/>
               <a:t>レベル</a:t>
             </a:r>
           </a:p>
           <a:p>
             <a:pPr lvl="4"/>
             <a:r>
-              <a:rPr kumimoji="1" lang="ja-JP" altLang="en-US"/>
+              <a:rPr lang="ja-JP" altLang="en-US"/>
               <a:t>第 </a:t>
             </a:r>
             <a:r>
-              <a:rPr kumimoji="1" lang="en-US" altLang="ja-JP"/>
+              <a:rPr lang="en-US" altLang="ja-JP"/>
               <a:t>5 </a:t>
             </a:r>
             <a:r>
-              <a:rPr kumimoji="1" lang="ja-JP" altLang="en-US"/>
+              <a:rPr lang="ja-JP" altLang="en-US"/>
               <a:t>レベル</a:t>
             </a:r>
-          </a:p>
-        </p:txBody>
-      </p:sp>
-      <p:sp>
-        <p:nvSpPr>
-          <p:cNvPr id="4" name="日付プレースホルダー 3">
-            <a:extLst>
-              <a:ext uri="{FF2B5EF4-FFF2-40B4-BE49-F238E27FC236}">
-                <a16:creationId xmlns:a16="http://schemas.microsoft.com/office/drawing/2014/main" id="{F5627CA3-32CE-D6D9-E715-39D25FA1FAD3}"/>
-              </a:ext>
-            </a:extLst>
-          </p:cNvPr>
+            <a:endParaRPr lang="en-US" dirty="0"/>
+          </a:p>
+        </p:txBody>
+      </p:sp>
+      <p:sp>
+        <p:nvSpPr>
+          <p:cNvPr id="4" name="Date Placeholder 3"/>
           <p:cNvSpPr>
             <a:spLocks noGrp="1"/>
           </p:cNvSpPr>
@@ -3207,13 +2870,7 @@
       </p:sp>
       <p:sp>
         <p:nvSpPr>
-          <p:cNvPr id="5" name="フッター プレースホルダー 4">
-            <a:extLst>
-              <a:ext uri="{FF2B5EF4-FFF2-40B4-BE49-F238E27FC236}">
-                <a16:creationId xmlns:a16="http://schemas.microsoft.com/office/drawing/2014/main" id="{88E5EFC5-38D1-4435-B249-2FF6119A6516}"/>
-              </a:ext>
-            </a:extLst>
-          </p:cNvPr>
+          <p:cNvPr id="5" name="Footer Placeholder 4"/>
           <p:cNvSpPr>
             <a:spLocks noGrp="1"/>
           </p:cNvSpPr>
@@ -3250,13 +2907,7 @@
       </p:sp>
       <p:sp>
         <p:nvSpPr>
-          <p:cNvPr id="6" name="スライド番号プレースホルダー 5">
-            <a:extLst>
-              <a:ext uri="{FF2B5EF4-FFF2-40B4-BE49-F238E27FC236}">
-                <a16:creationId xmlns:a16="http://schemas.microsoft.com/office/drawing/2014/main" id="{8F55829B-29AD-4895-B974-7794D6355671}"/>
-              </a:ext>
-            </a:extLst>
-          </p:cNvPr>
+          <p:cNvPr id="6" name="Slide Number Placeholder 5"/>
           <p:cNvSpPr>
             <a:spLocks noGrp="1"/>
           </p:cNvSpPr>
@@ -3298,23 +2949,23 @@
     </p:spTree>
     <p:extLst>
       <p:ext uri="{BB962C8B-B14F-4D97-AF65-F5344CB8AC3E}">
-        <p14:creationId xmlns:p14="http://schemas.microsoft.com/office/powerpoint/2010/main" val="2762968462"/>
+        <p14:creationId xmlns:p14="http://schemas.microsoft.com/office/powerpoint/2010/main" val="1077744696"/>
       </p:ext>
     </p:extLst>
   </p:cSld>
-  <p:clrMap bg1="lt1" tx1="dk1" bg2="lt2" tx2="dk2" accent1="accent1" accent2="accent2" accent3="accent3" accent4="accent4" accent5="accent5" accent6="accent6" hlink="hlink" folHlink="folHlink"/>
+  <p:clrMap bg1="dk1" tx1="lt1" bg2="dk2" tx2="lt2" accent1="accent1" accent2="accent2" accent3="accent3" accent4="accent4" accent5="accent5" accent6="accent6" hlink="hlink" folHlink="folHlink"/>
   <p:sldLayoutIdLst>
-    <p:sldLayoutId id="2147483649" r:id="rId1"/>
-    <p:sldLayoutId id="2147483650" r:id="rId2"/>
-    <p:sldLayoutId id="2147483651" r:id="rId3"/>
-    <p:sldLayoutId id="2147483652" r:id="rId4"/>
-    <p:sldLayoutId id="2147483653" r:id="rId5"/>
-    <p:sldLayoutId id="2147483654" r:id="rId6"/>
-    <p:sldLayoutId id="2147483655" r:id="rId7"/>
-    <p:sldLayoutId id="2147483656" r:id="rId8"/>
-    <p:sldLayoutId id="2147483657" r:id="rId9"/>
-    <p:sldLayoutId id="2147483658" r:id="rId10"/>
-    <p:sldLayoutId id="2147483659" r:id="rId11"/>
+    <p:sldLayoutId id="2147483661" r:id="rId1"/>
+    <p:sldLayoutId id="2147483662" r:id="rId2"/>
+    <p:sldLayoutId id="2147483663" r:id="rId3"/>
+    <p:sldLayoutId id="2147483664" r:id="rId4"/>
+    <p:sldLayoutId id="2147483665" r:id="rId5"/>
+    <p:sldLayoutId id="2147483666" r:id="rId6"/>
+    <p:sldLayoutId id="2147483667" r:id="rId7"/>
+    <p:sldLayoutId id="2147483668" r:id="rId8"/>
+    <p:sldLayoutId id="2147483669" r:id="rId9"/>
+    <p:sldLayoutId id="2147483670" r:id="rId10"/>
+    <p:sldLayoutId id="2147483671" r:id="rId11"/>
   </p:sldLayoutIdLst>
   <p:txStyles>
     <p:titleStyle>
@@ -3502,7 +3153,7 @@
     </p:bodyStyle>
     <p:otherStyle>
       <a:defPPr>
-        <a:defRPr lang="ja-JP"/>
+        <a:defRPr lang="en-US"/>
       </a:defPPr>
       <a:lvl1pPr marL="0" algn="l" defTabSz="914400" rtl="0" eaLnBrk="1" latinLnBrk="0" hangingPunct="1">
         <a:defRPr kumimoji="1" sz="1800" kern="1200">
@@ -3829,7 +3480,7 @@
         <p:spPr>
           <a:xfrm>
             <a:off x="-409121" y="-464374"/>
-            <a:ext cx="8273419" cy="7786747"/>
+            <a:ext cx="9600705" cy="7786747"/>
           </a:xfrm>
           <a:prstGeom prst="rect">
             <a:avLst/>
@@ -3847,7 +3498,7 @@
                 <a:latin typeface="Noto Sans JP Medium" panose="020B0600000000000000" pitchFamily="34" charset="-128"/>
                 <a:ea typeface="Noto Sans JP Medium" panose="020B0600000000000000" pitchFamily="34" charset="-128"/>
               </a:rPr>
-              <a:t>Star-</a:t>
+              <a:t>STAR-</a:t>
             </a:r>
           </a:p>
           <a:p>
@@ -3856,7 +3507,7 @@
                 <a:latin typeface="Noto Sans JP Medium" panose="020B0600000000000000" pitchFamily="34" charset="-128"/>
                 <a:ea typeface="Noto Sans JP Medium" panose="020B0600000000000000" pitchFamily="34" charset="-128"/>
               </a:rPr>
-              <a:t>Liner</a:t>
+              <a:t>LINER</a:t>
             </a:r>
             <a:endParaRPr kumimoji="1" lang="ja-JP" altLang="en-US" sz="25000" spc="400" dirty="0">
               <a:latin typeface="Noto Sans JP Medium" panose="020B0600000000000000" pitchFamily="34" charset="-128"/>
@@ -3895,12 +3546,24 @@
           <a:p>
             <a:r>
               <a:rPr lang="ja-JP" altLang="en-US" sz="2400" spc="400" dirty="0">
+                <a:solidFill>
+                  <a:schemeClr val="accent1">
+                    <a:lumMod val="40000"/>
+                    <a:lumOff val="60000"/>
+                  </a:schemeClr>
+                </a:solidFill>
                 <a:latin typeface="Noto Sans JP Light" panose="020B0300000000000000" pitchFamily="34" charset="-128"/>
                 <a:ea typeface="Noto Sans JP Light" panose="020B0300000000000000" pitchFamily="34" charset="-128"/>
               </a:rPr>
               <a:t>星々を繋いで、星座を創る。</a:t>
             </a:r>
             <a:endParaRPr kumimoji="1" lang="ja-JP" altLang="en-US" sz="2400" spc="400" dirty="0">
+              <a:solidFill>
+                <a:schemeClr val="accent1">
+                  <a:lumMod val="40000"/>
+                  <a:lumOff val="60000"/>
+                </a:schemeClr>
+              </a:solidFill>
               <a:latin typeface="Noto Sans JP Light" panose="020B0300000000000000" pitchFamily="34" charset="-128"/>
               <a:ea typeface="Noto Sans JP Light" panose="020B0300000000000000" pitchFamily="34" charset="-128"/>
             </a:endParaRPr>
@@ -3937,6 +3600,12 @@
           <a:p>
             <a:r>
               <a:rPr lang="en-US" altLang="ja-JP" sz="1400" spc="150" dirty="0">
+                <a:solidFill>
+                  <a:schemeClr val="accent1">
+                    <a:lumMod val="40000"/>
+                    <a:lumOff val="60000"/>
+                  </a:schemeClr>
+                </a:solidFill>
                 <a:latin typeface="Lato" panose="020F0502020204030203" pitchFamily="34" charset="0"/>
                 <a:ea typeface="Noto Serif JP Medium" panose="02020200000000000000" pitchFamily="18" charset="-128"/>
                 <a:cs typeface="Times New Roman" panose="02020603050405020304" pitchFamily="18" charset="0"/>
@@ -3944,6 +3613,12 @@
               <a:t>Connect Stars in the Sky. Build Your Constellations.</a:t>
             </a:r>
             <a:endParaRPr kumimoji="1" lang="ja-JP" altLang="en-US" sz="1400" spc="150" dirty="0">
+              <a:solidFill>
+                <a:schemeClr val="accent1">
+                  <a:lumMod val="40000"/>
+                  <a:lumOff val="60000"/>
+                </a:schemeClr>
+              </a:solidFill>
               <a:latin typeface="Lato" panose="020F0502020204030203" pitchFamily="34" charset="0"/>
               <a:ea typeface="Noto Serif JP Medium" panose="02020200000000000000" pitchFamily="18" charset="-128"/>
               <a:cs typeface="Times New Roman" panose="02020603050405020304" pitchFamily="18" charset="0"/>
@@ -3954,7 +3629,7 @@
     </p:spTree>
     <p:extLst>
       <p:ext uri="{BB962C8B-B14F-4D97-AF65-F5344CB8AC3E}">
-        <p14:creationId xmlns:p14="http://schemas.microsoft.com/office/powerpoint/2010/main" val="1629948274"/>
+        <p14:creationId xmlns:p14="http://schemas.microsoft.com/office/powerpoint/2010/main" val="1329343705"/>
       </p:ext>
     </p:extLst>
   </p:cSld>
@@ -3983,57 +3658,6 @@
       </p:grpSpPr>
       <p:sp>
         <p:nvSpPr>
-          <p:cNvPr id="13" name="テキスト ボックス 12">
-            <a:extLst>
-              <a:ext uri="{FF2B5EF4-FFF2-40B4-BE49-F238E27FC236}">
-                <a16:creationId xmlns:a16="http://schemas.microsoft.com/office/drawing/2014/main" id="{A343C341-8E7D-6D54-2D75-CDF15A6C2437}"/>
-              </a:ext>
-            </a:extLst>
-          </p:cNvPr>
-          <p:cNvSpPr txBox="1"/>
-          <p:nvPr/>
-        </p:nvSpPr>
-        <p:spPr>
-          <a:xfrm>
-            <a:off x="-409121" y="-464374"/>
-            <a:ext cx="9600705" cy="7786747"/>
-          </a:xfrm>
-          <a:prstGeom prst="rect">
-            <a:avLst/>
-          </a:prstGeom>
-          <a:noFill/>
-        </p:spPr>
-        <p:txBody>
-          <a:bodyPr wrap="none" rtlCol="0">
-            <a:spAutoFit/>
-          </a:bodyPr>
-          <a:lstStyle/>
-          <a:p>
-            <a:r>
-              <a:rPr kumimoji="1" lang="en-US" altLang="ja-JP" sz="25000" spc="400" dirty="0">
-                <a:latin typeface="Noto Sans JP Medium" panose="020B0600000000000000" pitchFamily="34" charset="-128"/>
-                <a:ea typeface="Noto Sans JP Medium" panose="020B0600000000000000" pitchFamily="34" charset="-128"/>
-              </a:rPr>
-              <a:t>STAR-</a:t>
-            </a:r>
-          </a:p>
-          <a:p>
-            <a:r>
-              <a:rPr lang="en-US" altLang="ja-JP" sz="25000" spc="400" dirty="0">
-                <a:latin typeface="Noto Sans JP Medium" panose="020B0600000000000000" pitchFamily="34" charset="-128"/>
-                <a:ea typeface="Noto Sans JP Medium" panose="020B0600000000000000" pitchFamily="34" charset="-128"/>
-              </a:rPr>
-              <a:t>LINER</a:t>
-            </a:r>
-            <a:endParaRPr kumimoji="1" lang="ja-JP" altLang="en-US" sz="25000" spc="400" dirty="0">
-              <a:latin typeface="Noto Sans JP Medium" panose="020B0600000000000000" pitchFamily="34" charset="-128"/>
-              <a:ea typeface="Noto Sans JP Medium" panose="020B0600000000000000" pitchFamily="34" charset="-128"/>
-            </a:endParaRPr>
-          </a:p>
-        </p:txBody>
-      </p:sp>
-      <p:sp>
-        <p:nvSpPr>
           <p:cNvPr id="6" name="テキスト ボックス 5">
             <a:extLst>
               <a:ext uri="{FF2B5EF4-FFF2-40B4-BE49-F238E27FC236}">
@@ -4046,8 +3670,8 @@
         </p:nvSpPr>
         <p:spPr>
           <a:xfrm>
-            <a:off x="0" y="3198166"/>
-            <a:ext cx="4846198" cy="461665"/>
+            <a:off x="8203582" y="4576373"/>
+            <a:ext cx="3531736" cy="961482"/>
           </a:xfrm>
           <a:prstGeom prst="rect">
             <a:avLst/>
@@ -4055,19 +3679,84 @@
           <a:noFill/>
         </p:spPr>
         <p:txBody>
-          <a:bodyPr wrap="none" rtlCol="0">
+          <a:bodyPr wrap="none" rtlCol="0" anchor="b">
             <a:spAutoFit/>
           </a:bodyPr>
           <a:lstStyle/>
           <a:p>
-            <a:r>
-              <a:rPr lang="ja-JP" altLang="en-US" sz="2400" spc="400" dirty="0">
+            <a:pPr algn="r">
+              <a:lnSpc>
+                <a:spcPct val="150000"/>
+              </a:lnSpc>
+            </a:pPr>
+            <a:r>
+              <a:rPr kumimoji="1" lang="en-US" altLang="ja-JP" sz="2000" spc="400" dirty="0">
                 <a:latin typeface="Noto Sans JP Light" panose="020B0300000000000000" pitchFamily="34" charset="-128"/>
                 <a:ea typeface="Noto Sans JP Light" panose="020B0300000000000000" pitchFamily="34" charset="-128"/>
               </a:rPr>
-              <a:t>星々を繋いで、星座を創る。</a:t>
-            </a:r>
-            <a:endParaRPr kumimoji="1" lang="ja-JP" altLang="en-US" sz="2400" spc="400" dirty="0">
+              <a:t>｢</a:t>
+            </a:r>
+            <a:r>
+              <a:rPr kumimoji="1" lang="ja-JP" altLang="en-US" sz="2000" spc="400" dirty="0">
+                <a:latin typeface="Noto Sans JP Light" panose="020B0300000000000000" pitchFamily="34" charset="-128"/>
+                <a:ea typeface="Noto Sans JP Light" panose="020B0300000000000000" pitchFamily="34" charset="-128"/>
+              </a:rPr>
+              <a:t>夜空に探すもの</a:t>
+            </a:r>
+            <a:r>
+              <a:rPr kumimoji="1" lang="en-US" altLang="ja-JP" sz="2000" spc="400" dirty="0">
+                <a:latin typeface="Noto Sans JP Light" panose="020B0300000000000000" pitchFamily="34" charset="-128"/>
+                <a:ea typeface="Noto Sans JP Light" panose="020B0300000000000000" pitchFamily="34" charset="-128"/>
+              </a:rPr>
+              <a:t>｣ </a:t>
+            </a:r>
+            <a:r>
+              <a:rPr kumimoji="1" lang="ja-JP" altLang="en-US" sz="2000" spc="400" dirty="0">
+                <a:latin typeface="Noto Sans JP Light" panose="020B0300000000000000" pitchFamily="34" charset="-128"/>
+                <a:ea typeface="Noto Sans JP Light" panose="020B0300000000000000" pitchFamily="34" charset="-128"/>
+              </a:rPr>
+              <a:t>から </a:t>
+            </a:r>
+            <a:endParaRPr kumimoji="1" lang="en-US" altLang="ja-JP" sz="2000" spc="400" dirty="0">
+              <a:latin typeface="Noto Sans JP Light" panose="020B0300000000000000" pitchFamily="34" charset="-128"/>
+              <a:ea typeface="Noto Sans JP Light" panose="020B0300000000000000" pitchFamily="34" charset="-128"/>
+            </a:endParaRPr>
+          </a:p>
+          <a:p>
+            <a:pPr algn="r">
+              <a:lnSpc>
+                <a:spcPct val="150000"/>
+              </a:lnSpc>
+            </a:pPr>
+            <a:r>
+              <a:rPr kumimoji="1" lang="en-US" altLang="ja-JP" sz="2000" spc="400" dirty="0">
+                <a:latin typeface="Noto Sans JP Light" panose="020B0300000000000000" pitchFamily="34" charset="-128"/>
+                <a:ea typeface="Noto Sans JP Light" panose="020B0300000000000000" pitchFamily="34" charset="-128"/>
+              </a:rPr>
+              <a:t>｢</a:t>
+            </a:r>
+            <a:r>
+              <a:rPr kumimoji="1" lang="ja-JP" altLang="en-US" sz="2000" spc="400" dirty="0">
+                <a:latin typeface="Noto Sans JP Light" panose="020B0300000000000000" pitchFamily="34" charset="-128"/>
+                <a:ea typeface="Noto Sans JP Light" panose="020B0300000000000000" pitchFamily="34" charset="-128"/>
+              </a:rPr>
+              <a:t>夜空に創るもの</a:t>
+            </a:r>
+            <a:r>
+              <a:rPr kumimoji="1" lang="en-US" altLang="ja-JP" sz="2000" spc="400" dirty="0">
+                <a:latin typeface="Noto Sans JP Light" panose="020B0300000000000000" pitchFamily="34" charset="-128"/>
+                <a:ea typeface="Noto Sans JP Light" panose="020B0300000000000000" pitchFamily="34" charset="-128"/>
+              </a:rPr>
+              <a:t>｣ </a:t>
+            </a:r>
+            <a:r>
+              <a:rPr kumimoji="1" lang="ja-JP" altLang="en-US" sz="2000" spc="400" dirty="0">
+                <a:latin typeface="Noto Sans JP Light" panose="020B0300000000000000" pitchFamily="34" charset="-128"/>
+                <a:ea typeface="Noto Sans JP Light" panose="020B0300000000000000" pitchFamily="34" charset="-128"/>
+              </a:rPr>
+              <a:t>へ。</a:t>
+            </a:r>
+            <a:endParaRPr kumimoji="1" lang="en-US" altLang="ja-JP" sz="2400" spc="400" dirty="0">
               <a:latin typeface="Noto Sans JP Light" panose="020B0300000000000000" pitchFamily="34" charset="-128"/>
               <a:ea typeface="Noto Sans JP Light" panose="020B0300000000000000" pitchFamily="34" charset="-128"/>
             </a:endParaRPr>
@@ -4088,8 +3777,8 @@
         </p:nvSpPr>
         <p:spPr>
           <a:xfrm>
-            <a:off x="4759198" y="3275109"/>
-            <a:ext cx="5173211" cy="307777"/>
+            <a:off x="7275444" y="5689546"/>
+            <a:ext cx="4459874" cy="696088"/>
           </a:xfrm>
           <a:prstGeom prst="rect">
             <a:avLst/>
@@ -4102,13 +3791,33 @@
           </a:bodyPr>
           <a:lstStyle/>
           <a:p>
+            <a:pPr algn="r">
+              <a:lnSpc>
+                <a:spcPct val="150000"/>
+              </a:lnSpc>
+            </a:pPr>
             <a:r>
               <a:rPr lang="en-US" altLang="ja-JP" sz="1400" spc="150" dirty="0">
                 <a:latin typeface="Lato" panose="020F0502020204030203" pitchFamily="34" charset="0"/>
                 <a:ea typeface="Noto Serif JP Medium" panose="02020200000000000000" pitchFamily="18" charset="-128"/>
                 <a:cs typeface="Times New Roman" panose="02020603050405020304" pitchFamily="18" charset="0"/>
               </a:rPr>
-              <a:t>Connect Stars in the Sky. Build Your Constellations.</a:t>
+              <a:t>It is no longer to be sought in the starry sky.</a:t>
+            </a:r>
+          </a:p>
+          <a:p>
+            <a:pPr algn="r">
+              <a:lnSpc>
+                <a:spcPct val="150000"/>
+              </a:lnSpc>
+            </a:pPr>
+            <a:r>
+              <a:rPr lang="en-US" altLang="ja-JP" sz="1400" spc="150" dirty="0">
+                <a:latin typeface="Lato" panose="020F0502020204030203" pitchFamily="34" charset="0"/>
+                <a:ea typeface="Noto Serif JP Medium" panose="02020200000000000000" pitchFamily="18" charset="-128"/>
+                <a:cs typeface="Times New Roman" panose="02020603050405020304" pitchFamily="18" charset="0"/>
+              </a:rPr>
+              <a:t>It is now to be created in the starry sky.</a:t>
             </a:r>
             <a:endParaRPr kumimoji="1" lang="ja-JP" altLang="en-US" sz="1400" spc="150" dirty="0">
               <a:latin typeface="Lato" panose="020F0502020204030203" pitchFamily="34" charset="0"/>
@@ -4118,10 +3827,1438 @@
           </a:p>
         </p:txBody>
       </p:sp>
+      <p:sp>
+        <p:nvSpPr>
+          <p:cNvPr id="3" name="テキスト ボックス 2">
+            <a:extLst>
+              <a:ext uri="{FF2B5EF4-FFF2-40B4-BE49-F238E27FC236}">
+                <a16:creationId xmlns:a16="http://schemas.microsoft.com/office/drawing/2014/main" id="{AD1E0A38-57D3-3E5A-64FB-5B5D2F4EF5C8}"/>
+              </a:ext>
+            </a:extLst>
+          </p:cNvPr>
+          <p:cNvSpPr txBox="1"/>
+          <p:nvPr/>
+        </p:nvSpPr>
+        <p:spPr>
+          <a:xfrm>
+            <a:off x="172105" y="79713"/>
+            <a:ext cx="7443063" cy="4708981"/>
+          </a:xfrm>
+          <a:prstGeom prst="rect">
+            <a:avLst/>
+          </a:prstGeom>
+          <a:noFill/>
+        </p:spPr>
+        <p:txBody>
+          <a:bodyPr wrap="none" rtlCol="0">
+            <a:spAutoFit/>
+          </a:bodyPr>
+          <a:lstStyle/>
+          <a:p>
+            <a:r>
+              <a:rPr kumimoji="1" lang="ja-JP" altLang="en-US" sz="30000" spc="400" dirty="0">
+                <a:solidFill>
+                  <a:schemeClr val="accent1">
+                    <a:lumMod val="40000"/>
+                    <a:lumOff val="60000"/>
+                  </a:schemeClr>
+                </a:solidFill>
+                <a:latin typeface="Noto Sans JP Medium" panose="020B0600000000000000" pitchFamily="34" charset="-128"/>
+                <a:ea typeface="Noto Sans JP Medium" panose="020B0600000000000000" pitchFamily="34" charset="-128"/>
+              </a:rPr>
+              <a:t>星</a:t>
+            </a:r>
+            <a:r>
+              <a:rPr kumimoji="1" lang="ja-JP" altLang="en-US" sz="9600" spc="400" dirty="0">
+                <a:solidFill>
+                  <a:schemeClr val="accent1">
+                    <a:lumMod val="40000"/>
+                    <a:lumOff val="60000"/>
+                  </a:schemeClr>
+                </a:solidFill>
+                <a:latin typeface="Noto Sans JP Medium" panose="020B0600000000000000" pitchFamily="34" charset="-128"/>
+                <a:ea typeface="Noto Sans JP Medium" panose="020B0600000000000000" pitchFamily="34" charset="-128"/>
+              </a:rPr>
+              <a:t>座は</a:t>
+            </a:r>
+            <a:r>
+              <a:rPr kumimoji="1" lang="en-US" altLang="ja-JP" sz="9600" spc="400" dirty="0">
+                <a:solidFill>
+                  <a:schemeClr val="accent1">
+                    <a:lumMod val="40000"/>
+                    <a:lumOff val="60000"/>
+                  </a:schemeClr>
+                </a:solidFill>
+                <a:latin typeface="Noto Sans JP Medium" panose="020B0600000000000000" pitchFamily="34" charset="-128"/>
+                <a:ea typeface="Noto Sans JP Medium" panose="020B0600000000000000" pitchFamily="34" charset="-128"/>
+              </a:rPr>
+              <a:t>､</a:t>
+            </a:r>
+            <a:endParaRPr kumimoji="1" lang="ja-JP" altLang="en-US" sz="30000" spc="400" dirty="0">
+              <a:solidFill>
+                <a:schemeClr val="accent1">
+                  <a:lumMod val="40000"/>
+                  <a:lumOff val="60000"/>
+                </a:schemeClr>
+              </a:solidFill>
+              <a:latin typeface="Noto Sans JP Medium" panose="020B0600000000000000" pitchFamily="34" charset="-128"/>
+              <a:ea typeface="Noto Sans JP Medium" panose="020B0600000000000000" pitchFamily="34" charset="-128"/>
+            </a:endParaRPr>
+          </a:p>
+        </p:txBody>
+      </p:sp>
+      <p:sp>
+        <p:nvSpPr>
+          <p:cNvPr id="9" name="テキスト ボックス 8">
+            <a:extLst>
+              <a:ext uri="{FF2B5EF4-FFF2-40B4-BE49-F238E27FC236}">
+                <a16:creationId xmlns:a16="http://schemas.microsoft.com/office/drawing/2014/main" id="{4C344C55-7E34-40B3-53DC-2675C1357A4B}"/>
+              </a:ext>
+            </a:extLst>
+          </p:cNvPr>
+          <p:cNvSpPr txBox="1"/>
+          <p:nvPr/>
+        </p:nvSpPr>
+        <p:spPr>
+          <a:xfrm>
+            <a:off x="456682" y="4232577"/>
+            <a:ext cx="4732258" cy="646331"/>
+          </a:xfrm>
+          <a:prstGeom prst="rect">
+            <a:avLst/>
+          </a:prstGeom>
+          <a:noFill/>
+        </p:spPr>
+        <p:txBody>
+          <a:bodyPr wrap="none" rtlCol="0">
+            <a:spAutoFit/>
+          </a:bodyPr>
+          <a:lstStyle/>
+          <a:p>
+            <a:r>
+              <a:rPr kumimoji="1" lang="en-US" altLang="ja-JP" sz="3600" spc="400" dirty="0">
+                <a:solidFill>
+                  <a:schemeClr val="accent1">
+                    <a:lumMod val="40000"/>
+                    <a:lumOff val="60000"/>
+                  </a:schemeClr>
+                </a:solidFill>
+                <a:latin typeface="Noto Sans JP Medium" panose="020B0600000000000000" pitchFamily="34" charset="-128"/>
+                <a:ea typeface="Noto Sans JP Medium" panose="020B0600000000000000" pitchFamily="34" charset="-128"/>
+              </a:rPr>
+              <a:t>Constellations</a:t>
+            </a:r>
+            <a:r>
+              <a:rPr kumimoji="1" lang="ja-JP" altLang="en-US" sz="3600" spc="400" dirty="0">
+                <a:solidFill>
+                  <a:schemeClr val="accent1">
+                    <a:lumMod val="40000"/>
+                    <a:lumOff val="60000"/>
+                  </a:schemeClr>
+                </a:solidFill>
+                <a:latin typeface="Noto Sans JP Medium" panose="020B0600000000000000" pitchFamily="34" charset="-128"/>
+                <a:ea typeface="Noto Sans JP Medium" panose="020B0600000000000000" pitchFamily="34" charset="-128"/>
+              </a:rPr>
+              <a:t> </a:t>
+            </a:r>
+            <a:r>
+              <a:rPr kumimoji="1" lang="en-US" altLang="ja-JP" sz="3600" spc="400" dirty="0">
+                <a:solidFill>
+                  <a:schemeClr val="accent1">
+                    <a:lumMod val="40000"/>
+                    <a:lumOff val="60000"/>
+                  </a:schemeClr>
+                </a:solidFill>
+                <a:latin typeface="Noto Sans JP Medium" panose="020B0600000000000000" pitchFamily="34" charset="-128"/>
+                <a:ea typeface="Noto Sans JP Medium" panose="020B0600000000000000" pitchFamily="34" charset="-128"/>
+              </a:rPr>
+              <a:t>―</a:t>
+            </a:r>
+            <a:endParaRPr kumimoji="1" lang="ja-JP" altLang="en-US" sz="3600" spc="400" dirty="0">
+              <a:solidFill>
+                <a:schemeClr val="accent1">
+                  <a:lumMod val="40000"/>
+                  <a:lumOff val="60000"/>
+                </a:schemeClr>
+              </a:solidFill>
+              <a:latin typeface="Noto Sans JP Medium" panose="020B0600000000000000" pitchFamily="34" charset="-128"/>
+              <a:ea typeface="Noto Sans JP Medium" panose="020B0600000000000000" pitchFamily="34" charset="-128"/>
+            </a:endParaRPr>
+          </a:p>
+        </p:txBody>
+      </p:sp>
     </p:spTree>
     <p:extLst>
       <p:ext uri="{BB962C8B-B14F-4D97-AF65-F5344CB8AC3E}">
-        <p14:creationId xmlns:p14="http://schemas.microsoft.com/office/powerpoint/2010/main" val="1329343705"/>
+        <p14:creationId xmlns:p14="http://schemas.microsoft.com/office/powerpoint/2010/main" val="2556621368"/>
+      </p:ext>
+    </p:extLst>
+  </p:cSld>
+  <p:clrMapOvr>
+    <a:masterClrMapping/>
+  </p:clrMapOvr>
+</p:sld>
+</file>
+
+<file path=ppt/slides/slide4.xml><?xml version="1.0" encoding="utf-8"?>
+<p:sld xmlns:a="http://schemas.openxmlformats.org/drawingml/2006/main" xmlns:r="http://schemas.openxmlformats.org/officeDocument/2006/relationships" xmlns:p="http://schemas.openxmlformats.org/presentationml/2006/main">
+  <p:cSld>
+    <p:spTree>
+      <p:nvGrpSpPr>
+        <p:cNvPr id="1" name=""/>
+        <p:cNvGrpSpPr/>
+        <p:nvPr/>
+      </p:nvGrpSpPr>
+      <p:grpSpPr>
+        <a:xfrm>
+          <a:off x="0" y="0"/>
+          <a:ext cx="0" cy="0"/>
+          <a:chOff x="0" y="0"/>
+          <a:chExt cx="0" cy="0"/>
+        </a:xfrm>
+      </p:grpSpPr>
+      <p:sp>
+        <p:nvSpPr>
+          <p:cNvPr id="6" name="テキスト ボックス 5">
+            <a:extLst>
+              <a:ext uri="{FF2B5EF4-FFF2-40B4-BE49-F238E27FC236}">
+                <a16:creationId xmlns:a16="http://schemas.microsoft.com/office/drawing/2014/main" id="{2ABCC143-DA02-25B1-A5E0-D8F389DB2D19}"/>
+              </a:ext>
+            </a:extLst>
+          </p:cNvPr>
+          <p:cNvSpPr txBox="1"/>
+          <p:nvPr/>
+        </p:nvSpPr>
+        <p:spPr>
+          <a:xfrm>
+            <a:off x="574766" y="3198164"/>
+            <a:ext cx="3057247" cy="461665"/>
+          </a:xfrm>
+          <a:prstGeom prst="rect">
+            <a:avLst/>
+          </a:prstGeom>
+          <a:noFill/>
+        </p:spPr>
+        <p:txBody>
+          <a:bodyPr wrap="none" rtlCol="0">
+            <a:spAutoFit/>
+          </a:bodyPr>
+          <a:lstStyle/>
+          <a:p>
+            <a:r>
+              <a:rPr lang="ja-JP" altLang="en-US" sz="2400" spc="400" dirty="0">
+                <a:latin typeface="Noto Sans JP Medium" panose="020B0600000000000000" pitchFamily="34" charset="-128"/>
+                <a:ea typeface="Noto Sans JP Medium" panose="020B0600000000000000" pitchFamily="34" charset="-128"/>
+              </a:rPr>
+              <a:t>選んだミッション</a:t>
+            </a:r>
+            <a:endParaRPr kumimoji="1" lang="ja-JP" altLang="en-US" sz="2400" spc="400" dirty="0">
+              <a:latin typeface="Noto Sans JP Medium" panose="020B0600000000000000" pitchFamily="34" charset="-128"/>
+              <a:ea typeface="Noto Sans JP Medium" panose="020B0600000000000000" pitchFamily="34" charset="-128"/>
+            </a:endParaRPr>
+          </a:p>
+        </p:txBody>
+      </p:sp>
+      <p:sp>
+        <p:nvSpPr>
+          <p:cNvPr id="7" name="テキスト ボックス 6">
+            <a:extLst>
+              <a:ext uri="{FF2B5EF4-FFF2-40B4-BE49-F238E27FC236}">
+                <a16:creationId xmlns:a16="http://schemas.microsoft.com/office/drawing/2014/main" id="{C1D466D7-236C-D40F-7A6D-6E50F7DB199C}"/>
+              </a:ext>
+            </a:extLst>
+          </p:cNvPr>
+          <p:cNvSpPr txBox="1"/>
+          <p:nvPr/>
+        </p:nvSpPr>
+        <p:spPr>
+          <a:xfrm>
+            <a:off x="3705461" y="3275107"/>
+            <a:ext cx="1818126" cy="307777"/>
+          </a:xfrm>
+          <a:prstGeom prst="rect">
+            <a:avLst/>
+          </a:prstGeom>
+          <a:noFill/>
+        </p:spPr>
+        <p:txBody>
+          <a:bodyPr wrap="none" rtlCol="0" anchor="ctr">
+            <a:spAutoFit/>
+          </a:bodyPr>
+          <a:lstStyle/>
+          <a:p>
+            <a:r>
+              <a:rPr lang="en-US" altLang="ja-JP" sz="1400" spc="150" dirty="0">
+                <a:latin typeface="Lato" panose="020F0502020204030203" pitchFamily="34" charset="0"/>
+                <a:ea typeface="Noto Serif JP Medium" panose="02020200000000000000" pitchFamily="18" charset="-128"/>
+                <a:cs typeface="Times New Roman" panose="02020603050405020304" pitchFamily="18" charset="0"/>
+              </a:rPr>
+              <a:t>Selected Mission</a:t>
+            </a:r>
+            <a:endParaRPr kumimoji="1" lang="ja-JP" altLang="en-US" sz="1400" spc="150" dirty="0">
+              <a:latin typeface="Lato" panose="020F0502020204030203" pitchFamily="34" charset="0"/>
+              <a:ea typeface="Noto Serif JP Medium" panose="02020200000000000000" pitchFamily="18" charset="-128"/>
+              <a:cs typeface="Times New Roman" panose="02020603050405020304" pitchFamily="18" charset="0"/>
+            </a:endParaRPr>
+          </a:p>
+        </p:txBody>
+      </p:sp>
+      <p:grpSp>
+        <p:nvGrpSpPr>
+          <p:cNvPr id="10" name="グループ化 9">
+            <a:extLst>
+              <a:ext uri="{FF2B5EF4-FFF2-40B4-BE49-F238E27FC236}">
+                <a16:creationId xmlns:a16="http://schemas.microsoft.com/office/drawing/2014/main" id="{8643C192-6C50-C8BD-7A0C-10DBC92F1E49}"/>
+              </a:ext>
+            </a:extLst>
+          </p:cNvPr>
+          <p:cNvGrpSpPr/>
+          <p:nvPr/>
+        </p:nvGrpSpPr>
+        <p:grpSpPr>
+          <a:xfrm>
+            <a:off x="5523587" y="3179079"/>
+            <a:ext cx="498566" cy="499831"/>
+            <a:chOff x="5523587" y="3179079"/>
+            <a:chExt cx="498566" cy="499831"/>
+          </a:xfrm>
+        </p:grpSpPr>
+        <p:cxnSp>
+          <p:nvCxnSpPr>
+            <p:cNvPr id="3" name="直線コネクタ 2">
+              <a:extLst>
+                <a:ext uri="{FF2B5EF4-FFF2-40B4-BE49-F238E27FC236}">
+                  <a16:creationId xmlns:a16="http://schemas.microsoft.com/office/drawing/2014/main" id="{5E66FD61-2CC0-1CA6-2496-1F2954ACA57B}"/>
+                </a:ext>
+              </a:extLst>
+            </p:cNvPr>
+            <p:cNvCxnSpPr/>
+            <p:nvPr/>
+          </p:nvCxnSpPr>
+          <p:spPr>
+            <a:xfrm flipH="1">
+              <a:off x="5523587" y="3179079"/>
+              <a:ext cx="498566" cy="498566"/>
+            </a:xfrm>
+            <a:prstGeom prst="line">
+              <a:avLst/>
+            </a:prstGeom>
+            <a:ln w="19050"/>
+          </p:spPr>
+          <p:style>
+            <a:lnRef idx="1">
+              <a:schemeClr val="accent1"/>
+            </a:lnRef>
+            <a:fillRef idx="0">
+              <a:schemeClr val="accent1"/>
+            </a:fillRef>
+            <a:effectRef idx="0">
+              <a:schemeClr val="accent1"/>
+            </a:effectRef>
+            <a:fontRef idx="minor">
+              <a:schemeClr val="tx1"/>
+            </a:fontRef>
+          </p:style>
+        </p:cxnSp>
+        <p:cxnSp>
+          <p:nvCxnSpPr>
+            <p:cNvPr id="4" name="直線コネクタ 3">
+              <a:extLst>
+                <a:ext uri="{FF2B5EF4-FFF2-40B4-BE49-F238E27FC236}">
+                  <a16:creationId xmlns:a16="http://schemas.microsoft.com/office/drawing/2014/main" id="{3AA7F1C2-799F-DE11-EFBA-3B5005CD6659}"/>
+                </a:ext>
+              </a:extLst>
+            </p:cNvPr>
+            <p:cNvCxnSpPr>
+              <a:cxnSpLocks/>
+            </p:cNvCxnSpPr>
+            <p:nvPr/>
+          </p:nvCxnSpPr>
+          <p:spPr>
+            <a:xfrm flipH="1">
+              <a:off x="5597434" y="3428362"/>
+              <a:ext cx="250548" cy="250548"/>
+            </a:xfrm>
+            <a:prstGeom prst="line">
+              <a:avLst/>
+            </a:prstGeom>
+            <a:ln w="19050"/>
+          </p:spPr>
+          <p:style>
+            <a:lnRef idx="1">
+              <a:schemeClr val="accent1"/>
+            </a:lnRef>
+            <a:fillRef idx="0">
+              <a:schemeClr val="accent1"/>
+            </a:fillRef>
+            <a:effectRef idx="0">
+              <a:schemeClr val="accent1"/>
+            </a:effectRef>
+            <a:fontRef idx="minor">
+              <a:schemeClr val="tx1"/>
+            </a:fontRef>
+          </p:style>
+        </p:cxnSp>
+        <p:cxnSp>
+          <p:nvCxnSpPr>
+            <p:cNvPr id="9" name="直線コネクタ 8">
+              <a:extLst>
+                <a:ext uri="{FF2B5EF4-FFF2-40B4-BE49-F238E27FC236}">
+                  <a16:creationId xmlns:a16="http://schemas.microsoft.com/office/drawing/2014/main" id="{F2DA689A-2E83-9B66-DBA5-94F7C25C5B68}"/>
+                </a:ext>
+              </a:extLst>
+            </p:cNvPr>
+            <p:cNvCxnSpPr>
+              <a:cxnSpLocks/>
+            </p:cNvCxnSpPr>
+            <p:nvPr/>
+          </p:nvCxnSpPr>
+          <p:spPr>
+            <a:xfrm flipH="1">
+              <a:off x="5671735" y="3427097"/>
+              <a:ext cx="250548" cy="250548"/>
+            </a:xfrm>
+            <a:prstGeom prst="line">
+              <a:avLst/>
+            </a:prstGeom>
+            <a:ln w="19050"/>
+          </p:spPr>
+          <p:style>
+            <a:lnRef idx="1">
+              <a:schemeClr val="accent1"/>
+            </a:lnRef>
+            <a:fillRef idx="0">
+              <a:schemeClr val="accent1"/>
+            </a:fillRef>
+            <a:effectRef idx="0">
+              <a:schemeClr val="accent1"/>
+            </a:effectRef>
+            <a:fontRef idx="minor">
+              <a:schemeClr val="tx1"/>
+            </a:fontRef>
+          </p:style>
+        </p:cxnSp>
+      </p:grpSp>
+    </p:spTree>
+    <p:extLst>
+      <p:ext uri="{BB962C8B-B14F-4D97-AF65-F5344CB8AC3E}">
+        <p14:creationId xmlns:p14="http://schemas.microsoft.com/office/powerpoint/2010/main" val="619802524"/>
+      </p:ext>
+    </p:extLst>
+  </p:cSld>
+  <p:clrMapOvr>
+    <a:masterClrMapping/>
+  </p:clrMapOvr>
+</p:sld>
+</file>
+
+<file path=ppt/slides/slide5.xml><?xml version="1.0" encoding="utf-8"?>
+<p:sld xmlns:a="http://schemas.openxmlformats.org/drawingml/2006/main" xmlns:r="http://schemas.openxmlformats.org/officeDocument/2006/relationships" xmlns:p="http://schemas.openxmlformats.org/presentationml/2006/main">
+  <p:cSld>
+    <p:spTree>
+      <p:nvGrpSpPr>
+        <p:cNvPr id="1" name=""/>
+        <p:cNvGrpSpPr/>
+        <p:nvPr/>
+      </p:nvGrpSpPr>
+      <p:grpSpPr>
+        <a:xfrm>
+          <a:off x="0" y="0"/>
+          <a:ext cx="0" cy="0"/>
+          <a:chOff x="0" y="0"/>
+          <a:chExt cx="0" cy="0"/>
+        </a:xfrm>
+      </p:grpSpPr>
+      <p:grpSp>
+        <p:nvGrpSpPr>
+          <p:cNvPr id="3" name="グループ化 2">
+            <a:extLst>
+              <a:ext uri="{FF2B5EF4-FFF2-40B4-BE49-F238E27FC236}">
+                <a16:creationId xmlns:a16="http://schemas.microsoft.com/office/drawing/2014/main" id="{A5401DE7-0F24-FB8B-4B1B-B8CDAD6C0F6E}"/>
+              </a:ext>
+            </a:extLst>
+          </p:cNvPr>
+          <p:cNvGrpSpPr/>
+          <p:nvPr/>
+        </p:nvGrpSpPr>
+        <p:grpSpPr>
+          <a:xfrm>
+            <a:off x="574766" y="3044275"/>
+            <a:ext cx="2492990" cy="769441"/>
+            <a:chOff x="643445" y="2733107"/>
+            <a:chExt cx="2492990" cy="769441"/>
+          </a:xfrm>
+        </p:grpSpPr>
+        <p:sp>
+          <p:nvSpPr>
+            <p:cNvPr id="2" name="正方形/長方形 1">
+              <a:extLst>
+                <a:ext uri="{FF2B5EF4-FFF2-40B4-BE49-F238E27FC236}">
+                  <a16:creationId xmlns:a16="http://schemas.microsoft.com/office/drawing/2014/main" id="{3CD6EFC2-1EFF-3459-8FEC-A67E69D184E8}"/>
+                </a:ext>
+              </a:extLst>
+            </p:cNvPr>
+            <p:cNvSpPr/>
+            <p:nvPr/>
+          </p:nvSpPr>
+          <p:spPr>
+            <a:xfrm>
+              <a:off x="643445" y="3248456"/>
+              <a:ext cx="2460135" cy="240178"/>
+            </a:xfrm>
+            <a:prstGeom prst="rect">
+              <a:avLst/>
+            </a:prstGeom>
+          </p:spPr>
+          <p:style>
+            <a:lnRef idx="2">
+              <a:schemeClr val="accent1">
+                <a:shade val="15000"/>
+              </a:schemeClr>
+            </a:lnRef>
+            <a:fillRef idx="1">
+              <a:schemeClr val="accent1"/>
+            </a:fillRef>
+            <a:effectRef idx="0">
+              <a:schemeClr val="accent1"/>
+            </a:effectRef>
+            <a:fontRef idx="minor">
+              <a:schemeClr val="lt1"/>
+            </a:fontRef>
+          </p:style>
+          <p:txBody>
+            <a:bodyPr rtlCol="0" anchor="ctr"/>
+            <a:lstStyle/>
+            <a:p>
+              <a:pPr algn="ctr"/>
+              <a:endParaRPr kumimoji="1" lang="ja-JP" altLang="en-US"/>
+            </a:p>
+          </p:txBody>
+        </p:sp>
+        <p:sp>
+          <p:nvSpPr>
+            <p:cNvPr id="6" name="テキスト ボックス 5">
+              <a:extLst>
+                <a:ext uri="{FF2B5EF4-FFF2-40B4-BE49-F238E27FC236}">
+                  <a16:creationId xmlns:a16="http://schemas.microsoft.com/office/drawing/2014/main" id="{2ABCC143-DA02-25B1-A5E0-D8F389DB2D19}"/>
+                </a:ext>
+              </a:extLst>
+            </p:cNvPr>
+            <p:cNvSpPr txBox="1"/>
+            <p:nvPr/>
+          </p:nvSpPr>
+          <p:spPr>
+            <a:xfrm>
+              <a:off x="643445" y="2733107"/>
+              <a:ext cx="2492990" cy="769441"/>
+            </a:xfrm>
+            <a:prstGeom prst="rect">
+              <a:avLst/>
+            </a:prstGeom>
+            <a:noFill/>
+          </p:spPr>
+          <p:txBody>
+            <a:bodyPr wrap="square" rtlCol="0">
+              <a:spAutoFit/>
+            </a:bodyPr>
+            <a:lstStyle/>
+            <a:p>
+              <a:r>
+                <a:rPr lang="en-US" altLang="ja-JP" sz="4400" spc="400" dirty="0" err="1">
+                  <a:latin typeface="Lato" panose="020F0502020204030203" pitchFamily="34" charset="0"/>
+                  <a:ea typeface="Noto Sans JP Medium" panose="020B0600000000000000" pitchFamily="34" charset="-128"/>
+                </a:rPr>
+                <a:t>Exosky</a:t>
+              </a:r>
+              <a:r>
+                <a:rPr lang="en-US" altLang="ja-JP" sz="4400" spc="400" dirty="0">
+                  <a:latin typeface="Lato" panose="020F0502020204030203" pitchFamily="34" charset="0"/>
+                  <a:ea typeface="Noto Sans JP Medium" panose="020B0600000000000000" pitchFamily="34" charset="-128"/>
+                </a:rPr>
+                <a:t>!</a:t>
+              </a:r>
+              <a:endParaRPr kumimoji="1" lang="ja-JP" altLang="en-US" sz="4400" spc="400" dirty="0">
+                <a:latin typeface="Lato" panose="020F0502020204030203" pitchFamily="34" charset="0"/>
+                <a:ea typeface="Noto Sans JP Medium" panose="020B0600000000000000" pitchFamily="34" charset="-128"/>
+              </a:endParaRPr>
+            </a:p>
+          </p:txBody>
+        </p:sp>
+      </p:grpSp>
+    </p:spTree>
+    <p:extLst>
+      <p:ext uri="{BB962C8B-B14F-4D97-AF65-F5344CB8AC3E}">
+        <p14:creationId xmlns:p14="http://schemas.microsoft.com/office/powerpoint/2010/main" val="3241298396"/>
+      </p:ext>
+    </p:extLst>
+  </p:cSld>
+  <p:clrMapOvr>
+    <a:masterClrMapping/>
+  </p:clrMapOvr>
+</p:sld>
+</file>
+
+<file path=ppt/slides/slide6.xml><?xml version="1.0" encoding="utf-8"?>
+<p:sld xmlns:a="http://schemas.openxmlformats.org/drawingml/2006/main" xmlns:r="http://schemas.openxmlformats.org/officeDocument/2006/relationships" xmlns:p="http://schemas.openxmlformats.org/presentationml/2006/main">
+  <p:cSld>
+    <p:spTree>
+      <p:nvGrpSpPr>
+        <p:cNvPr id="1" name=""/>
+        <p:cNvGrpSpPr/>
+        <p:nvPr/>
+      </p:nvGrpSpPr>
+      <p:grpSpPr>
+        <a:xfrm>
+          <a:off x="0" y="0"/>
+          <a:ext cx="0" cy="0"/>
+          <a:chOff x="0" y="0"/>
+          <a:chExt cx="0" cy="0"/>
+        </a:xfrm>
+      </p:grpSpPr>
+      <p:sp>
+        <p:nvSpPr>
+          <p:cNvPr id="6" name="テキスト ボックス 5">
+            <a:extLst>
+              <a:ext uri="{FF2B5EF4-FFF2-40B4-BE49-F238E27FC236}">
+                <a16:creationId xmlns:a16="http://schemas.microsoft.com/office/drawing/2014/main" id="{2ABCC143-DA02-25B1-A5E0-D8F389DB2D19}"/>
+              </a:ext>
+            </a:extLst>
+          </p:cNvPr>
+          <p:cNvSpPr txBox="1"/>
+          <p:nvPr/>
+        </p:nvSpPr>
+        <p:spPr>
+          <a:xfrm>
+            <a:off x="574766" y="3198164"/>
+            <a:ext cx="1980029" cy="461665"/>
+          </a:xfrm>
+          <a:prstGeom prst="rect">
+            <a:avLst/>
+          </a:prstGeom>
+          <a:noFill/>
+        </p:spPr>
+        <p:txBody>
+          <a:bodyPr wrap="none" rtlCol="0">
+            <a:spAutoFit/>
+          </a:bodyPr>
+          <a:lstStyle/>
+          <a:p>
+            <a:r>
+              <a:rPr kumimoji="1" lang="ja-JP" altLang="en-US" sz="2400" spc="400" dirty="0">
+                <a:latin typeface="Noto Sans JP Medium" panose="020B0600000000000000" pitchFamily="34" charset="-128"/>
+                <a:ea typeface="Noto Sans JP Medium" panose="020B0600000000000000" pitchFamily="34" charset="-128"/>
+              </a:rPr>
+              <a:t>ページ概要</a:t>
+            </a:r>
+          </a:p>
+        </p:txBody>
+      </p:sp>
+      <p:sp>
+        <p:nvSpPr>
+          <p:cNvPr id="7" name="テキスト ボックス 6">
+            <a:extLst>
+              <a:ext uri="{FF2B5EF4-FFF2-40B4-BE49-F238E27FC236}">
+                <a16:creationId xmlns:a16="http://schemas.microsoft.com/office/drawing/2014/main" id="{C1D466D7-236C-D40F-7A6D-6E50F7DB199C}"/>
+              </a:ext>
+            </a:extLst>
+          </p:cNvPr>
+          <p:cNvSpPr txBox="1"/>
+          <p:nvPr/>
+        </p:nvSpPr>
+        <p:spPr>
+          <a:xfrm>
+            <a:off x="2554795" y="3273208"/>
+            <a:ext cx="1577676" cy="307777"/>
+          </a:xfrm>
+          <a:prstGeom prst="rect">
+            <a:avLst/>
+          </a:prstGeom>
+          <a:noFill/>
+        </p:spPr>
+        <p:txBody>
+          <a:bodyPr wrap="none" rtlCol="0" anchor="ctr">
+            <a:spAutoFit/>
+          </a:bodyPr>
+          <a:lstStyle/>
+          <a:p>
+            <a:r>
+              <a:rPr lang="en-US" altLang="ja-JP" sz="1400" spc="150" dirty="0">
+                <a:latin typeface="Lato" panose="020F0502020204030203" pitchFamily="34" charset="0"/>
+                <a:ea typeface="Noto Serif JP Medium" panose="02020200000000000000" pitchFamily="18" charset="-128"/>
+                <a:cs typeface="Times New Roman" panose="02020603050405020304" pitchFamily="18" charset="0"/>
+              </a:rPr>
+              <a:t>Page Summary</a:t>
+            </a:r>
+            <a:endParaRPr kumimoji="1" lang="ja-JP" altLang="en-US" sz="1400" spc="150" dirty="0">
+              <a:latin typeface="Lato" panose="020F0502020204030203" pitchFamily="34" charset="0"/>
+              <a:ea typeface="Noto Serif JP Medium" panose="02020200000000000000" pitchFamily="18" charset="-128"/>
+              <a:cs typeface="Times New Roman" panose="02020603050405020304" pitchFamily="18" charset="0"/>
+            </a:endParaRPr>
+          </a:p>
+        </p:txBody>
+      </p:sp>
+      <p:grpSp>
+        <p:nvGrpSpPr>
+          <p:cNvPr id="10" name="グループ化 9">
+            <a:extLst>
+              <a:ext uri="{FF2B5EF4-FFF2-40B4-BE49-F238E27FC236}">
+                <a16:creationId xmlns:a16="http://schemas.microsoft.com/office/drawing/2014/main" id="{8643C192-6C50-C8BD-7A0C-10DBC92F1E49}"/>
+              </a:ext>
+            </a:extLst>
+          </p:cNvPr>
+          <p:cNvGrpSpPr/>
+          <p:nvPr/>
+        </p:nvGrpSpPr>
+        <p:grpSpPr>
+          <a:xfrm>
+            <a:off x="4132471" y="3179079"/>
+            <a:ext cx="498566" cy="499831"/>
+            <a:chOff x="5523587" y="3179079"/>
+            <a:chExt cx="498566" cy="499831"/>
+          </a:xfrm>
+        </p:grpSpPr>
+        <p:cxnSp>
+          <p:nvCxnSpPr>
+            <p:cNvPr id="3" name="直線コネクタ 2">
+              <a:extLst>
+                <a:ext uri="{FF2B5EF4-FFF2-40B4-BE49-F238E27FC236}">
+                  <a16:creationId xmlns:a16="http://schemas.microsoft.com/office/drawing/2014/main" id="{5E66FD61-2CC0-1CA6-2496-1F2954ACA57B}"/>
+                </a:ext>
+              </a:extLst>
+            </p:cNvPr>
+            <p:cNvCxnSpPr/>
+            <p:nvPr/>
+          </p:nvCxnSpPr>
+          <p:spPr>
+            <a:xfrm flipH="1">
+              <a:off x="5523587" y="3179079"/>
+              <a:ext cx="498566" cy="498566"/>
+            </a:xfrm>
+            <a:prstGeom prst="line">
+              <a:avLst/>
+            </a:prstGeom>
+            <a:ln w="19050"/>
+          </p:spPr>
+          <p:style>
+            <a:lnRef idx="1">
+              <a:schemeClr val="accent1"/>
+            </a:lnRef>
+            <a:fillRef idx="0">
+              <a:schemeClr val="accent1"/>
+            </a:fillRef>
+            <a:effectRef idx="0">
+              <a:schemeClr val="accent1"/>
+            </a:effectRef>
+            <a:fontRef idx="minor">
+              <a:schemeClr val="tx1"/>
+            </a:fontRef>
+          </p:style>
+        </p:cxnSp>
+        <p:cxnSp>
+          <p:nvCxnSpPr>
+            <p:cNvPr id="4" name="直線コネクタ 3">
+              <a:extLst>
+                <a:ext uri="{FF2B5EF4-FFF2-40B4-BE49-F238E27FC236}">
+                  <a16:creationId xmlns:a16="http://schemas.microsoft.com/office/drawing/2014/main" id="{3AA7F1C2-799F-DE11-EFBA-3B5005CD6659}"/>
+                </a:ext>
+              </a:extLst>
+            </p:cNvPr>
+            <p:cNvCxnSpPr>
+              <a:cxnSpLocks/>
+            </p:cNvCxnSpPr>
+            <p:nvPr/>
+          </p:nvCxnSpPr>
+          <p:spPr>
+            <a:xfrm flipH="1">
+              <a:off x="5597434" y="3428362"/>
+              <a:ext cx="250548" cy="250548"/>
+            </a:xfrm>
+            <a:prstGeom prst="line">
+              <a:avLst/>
+            </a:prstGeom>
+            <a:ln w="19050"/>
+          </p:spPr>
+          <p:style>
+            <a:lnRef idx="1">
+              <a:schemeClr val="accent1"/>
+            </a:lnRef>
+            <a:fillRef idx="0">
+              <a:schemeClr val="accent1"/>
+            </a:fillRef>
+            <a:effectRef idx="0">
+              <a:schemeClr val="accent1"/>
+            </a:effectRef>
+            <a:fontRef idx="minor">
+              <a:schemeClr val="tx1"/>
+            </a:fontRef>
+          </p:style>
+        </p:cxnSp>
+        <p:cxnSp>
+          <p:nvCxnSpPr>
+            <p:cNvPr id="9" name="直線コネクタ 8">
+              <a:extLst>
+                <a:ext uri="{FF2B5EF4-FFF2-40B4-BE49-F238E27FC236}">
+                  <a16:creationId xmlns:a16="http://schemas.microsoft.com/office/drawing/2014/main" id="{F2DA689A-2E83-9B66-DBA5-94F7C25C5B68}"/>
+                </a:ext>
+              </a:extLst>
+            </p:cNvPr>
+            <p:cNvCxnSpPr>
+              <a:cxnSpLocks/>
+            </p:cNvCxnSpPr>
+            <p:nvPr/>
+          </p:nvCxnSpPr>
+          <p:spPr>
+            <a:xfrm flipH="1">
+              <a:off x="5671735" y="3427097"/>
+              <a:ext cx="250548" cy="250548"/>
+            </a:xfrm>
+            <a:prstGeom prst="line">
+              <a:avLst/>
+            </a:prstGeom>
+            <a:ln w="19050"/>
+          </p:spPr>
+          <p:style>
+            <a:lnRef idx="1">
+              <a:schemeClr val="accent1"/>
+            </a:lnRef>
+            <a:fillRef idx="0">
+              <a:schemeClr val="accent1"/>
+            </a:fillRef>
+            <a:effectRef idx="0">
+              <a:schemeClr val="accent1"/>
+            </a:effectRef>
+            <a:fontRef idx="minor">
+              <a:schemeClr val="tx1"/>
+            </a:fontRef>
+          </p:style>
+        </p:cxnSp>
+      </p:grpSp>
+    </p:spTree>
+    <p:extLst>
+      <p:ext uri="{BB962C8B-B14F-4D97-AF65-F5344CB8AC3E}">
+        <p14:creationId xmlns:p14="http://schemas.microsoft.com/office/powerpoint/2010/main" val="1831767041"/>
+      </p:ext>
+    </p:extLst>
+  </p:cSld>
+  <p:clrMapOvr>
+    <a:masterClrMapping/>
+  </p:clrMapOvr>
+</p:sld>
+</file>
+
+<file path=ppt/slides/slide7.xml><?xml version="1.0" encoding="utf-8"?>
+<p:sld xmlns:a="http://schemas.openxmlformats.org/drawingml/2006/main" xmlns:r="http://schemas.openxmlformats.org/officeDocument/2006/relationships" xmlns:p="http://schemas.openxmlformats.org/presentationml/2006/main">
+  <p:cSld>
+    <p:spTree>
+      <p:nvGrpSpPr>
+        <p:cNvPr id="1" name=""/>
+        <p:cNvGrpSpPr/>
+        <p:nvPr/>
+      </p:nvGrpSpPr>
+      <p:grpSpPr>
+        <a:xfrm>
+          <a:off x="0" y="0"/>
+          <a:ext cx="0" cy="0"/>
+          <a:chOff x="0" y="0"/>
+          <a:chExt cx="0" cy="0"/>
+        </a:xfrm>
+      </p:grpSpPr>
+      <p:grpSp>
+        <p:nvGrpSpPr>
+          <p:cNvPr id="7" name="グループ化 6">
+            <a:extLst>
+              <a:ext uri="{FF2B5EF4-FFF2-40B4-BE49-F238E27FC236}">
+                <a16:creationId xmlns:a16="http://schemas.microsoft.com/office/drawing/2014/main" id="{C2E80F7D-E2A6-56FD-414F-BCF4F9C5DAF3}"/>
+              </a:ext>
+            </a:extLst>
+          </p:cNvPr>
+          <p:cNvGrpSpPr/>
+          <p:nvPr/>
+        </p:nvGrpSpPr>
+        <p:grpSpPr>
+          <a:xfrm>
+            <a:off x="1110893" y="545052"/>
+            <a:ext cx="1562100" cy="1562100"/>
+            <a:chOff x="1873928" y="1826938"/>
+            <a:chExt cx="1562100" cy="1562100"/>
+          </a:xfrm>
+        </p:grpSpPr>
+        <p:sp>
+          <p:nvSpPr>
+            <p:cNvPr id="5" name="楕円 4">
+              <a:extLst>
+                <a:ext uri="{FF2B5EF4-FFF2-40B4-BE49-F238E27FC236}">
+                  <a16:creationId xmlns:a16="http://schemas.microsoft.com/office/drawing/2014/main" id="{15E7AB1B-B8FB-9172-46AD-BE3D6F6FB964}"/>
+                </a:ext>
+              </a:extLst>
+            </p:cNvPr>
+            <p:cNvSpPr/>
+            <p:nvPr/>
+          </p:nvSpPr>
+          <p:spPr>
+            <a:xfrm>
+              <a:off x="1873928" y="1826938"/>
+              <a:ext cx="1562100" cy="1562100"/>
+            </a:xfrm>
+            <a:prstGeom prst="ellipse">
+              <a:avLst/>
+            </a:prstGeom>
+            <a:noFill/>
+            <a:ln w="38100">
+              <a:solidFill>
+                <a:schemeClr val="accent1">
+                  <a:lumMod val="40000"/>
+                  <a:lumOff val="60000"/>
+                </a:schemeClr>
+              </a:solidFill>
+            </a:ln>
+          </p:spPr>
+          <p:style>
+            <a:lnRef idx="2">
+              <a:schemeClr val="accent1">
+                <a:shade val="15000"/>
+              </a:schemeClr>
+            </a:lnRef>
+            <a:fillRef idx="1">
+              <a:schemeClr val="accent1"/>
+            </a:fillRef>
+            <a:effectRef idx="0">
+              <a:schemeClr val="accent1"/>
+            </a:effectRef>
+            <a:fontRef idx="minor">
+              <a:schemeClr val="lt1"/>
+            </a:fontRef>
+          </p:style>
+          <p:txBody>
+            <a:bodyPr rtlCol="0" anchor="ctr"/>
+            <a:lstStyle/>
+            <a:p>
+              <a:pPr algn="ctr"/>
+              <a:endParaRPr kumimoji="1" lang="ja-JP" altLang="en-US"/>
+            </a:p>
+          </p:txBody>
+        </p:sp>
+        <p:pic>
+          <p:nvPicPr>
+            <p:cNvPr id="8" name="グラフィックス 7" descr="望遠鏡">
+              <a:extLst>
+                <a:ext uri="{FF2B5EF4-FFF2-40B4-BE49-F238E27FC236}">
+                  <a16:creationId xmlns:a16="http://schemas.microsoft.com/office/drawing/2014/main" id="{BA5F5BE9-EAD4-C949-5328-C42B843FA552}"/>
+                </a:ext>
+              </a:extLst>
+            </p:cNvPr>
+            <p:cNvPicPr>
+              <a:picLocks noChangeAspect="1"/>
+            </p:cNvPicPr>
+            <p:nvPr/>
+          </p:nvPicPr>
+          <p:blipFill>
+            <a:blip r:embed="rId2">
+              <a:extLst>
+                <a:ext uri="{96DAC541-7B7A-43D3-8B79-37D633B846F1}">
+                  <asvg:svgBlip xmlns:asvg="http://schemas.microsoft.com/office/drawing/2016/SVG/main" r:embed="rId3"/>
+                </a:ext>
+              </a:extLst>
+            </a:blip>
+            <a:stretch>
+              <a:fillRect/>
+            </a:stretch>
+          </p:blipFill>
+          <p:spPr>
+            <a:xfrm>
+              <a:off x="2197778" y="2150788"/>
+              <a:ext cx="914400" cy="914400"/>
+            </a:xfrm>
+            <a:prstGeom prst="rect">
+              <a:avLst/>
+            </a:prstGeom>
+          </p:spPr>
+        </p:pic>
+      </p:grpSp>
+      <p:grpSp>
+        <p:nvGrpSpPr>
+          <p:cNvPr id="14" name="グループ化 13">
+            <a:extLst>
+              <a:ext uri="{FF2B5EF4-FFF2-40B4-BE49-F238E27FC236}">
+                <a16:creationId xmlns:a16="http://schemas.microsoft.com/office/drawing/2014/main" id="{690E09DA-186E-3F04-D96C-176FCCAE6AA6}"/>
+              </a:ext>
+            </a:extLst>
+          </p:cNvPr>
+          <p:cNvGrpSpPr/>
+          <p:nvPr/>
+        </p:nvGrpSpPr>
+        <p:grpSpPr>
+          <a:xfrm>
+            <a:off x="1891943" y="2647950"/>
+            <a:ext cx="1562100" cy="1562100"/>
+            <a:chOff x="1464353" y="3674523"/>
+            <a:chExt cx="1562100" cy="1562100"/>
+          </a:xfrm>
+        </p:grpSpPr>
+        <p:pic>
+          <p:nvPicPr>
+            <p:cNvPr id="10" name="グラフィックス 9" descr="黒板">
+              <a:extLst>
+                <a:ext uri="{FF2B5EF4-FFF2-40B4-BE49-F238E27FC236}">
+                  <a16:creationId xmlns:a16="http://schemas.microsoft.com/office/drawing/2014/main" id="{D1126623-4428-29E4-0EF3-E26D2E7C8D9A}"/>
+                </a:ext>
+              </a:extLst>
+            </p:cNvPr>
+            <p:cNvPicPr>
+              <a:picLocks noChangeAspect="1"/>
+            </p:cNvPicPr>
+            <p:nvPr/>
+          </p:nvPicPr>
+          <p:blipFill>
+            <a:blip r:embed="rId4">
+              <a:extLst>
+                <a:ext uri="{96DAC541-7B7A-43D3-8B79-37D633B846F1}">
+                  <asvg:svgBlip xmlns:asvg="http://schemas.microsoft.com/office/drawing/2016/SVG/main" r:embed="rId5"/>
+                </a:ext>
+              </a:extLst>
+            </a:blip>
+            <a:stretch>
+              <a:fillRect/>
+            </a:stretch>
+          </p:blipFill>
+          <p:spPr>
+            <a:xfrm>
+              <a:off x="1788203" y="3998373"/>
+              <a:ext cx="914400" cy="914400"/>
+            </a:xfrm>
+            <a:prstGeom prst="rect">
+              <a:avLst/>
+            </a:prstGeom>
+          </p:spPr>
+        </p:pic>
+        <p:sp>
+          <p:nvSpPr>
+            <p:cNvPr id="11" name="楕円 10">
+              <a:extLst>
+                <a:ext uri="{FF2B5EF4-FFF2-40B4-BE49-F238E27FC236}">
+                  <a16:creationId xmlns:a16="http://schemas.microsoft.com/office/drawing/2014/main" id="{BF0F3C1E-685E-8438-2BE7-2127A86E8D64}"/>
+                </a:ext>
+              </a:extLst>
+            </p:cNvPr>
+            <p:cNvSpPr/>
+            <p:nvPr/>
+          </p:nvSpPr>
+          <p:spPr>
+            <a:xfrm>
+              <a:off x="1464353" y="3674523"/>
+              <a:ext cx="1562100" cy="1562100"/>
+            </a:xfrm>
+            <a:prstGeom prst="ellipse">
+              <a:avLst/>
+            </a:prstGeom>
+            <a:noFill/>
+            <a:ln w="38100">
+              <a:solidFill>
+                <a:schemeClr val="accent1">
+                  <a:lumMod val="40000"/>
+                  <a:lumOff val="60000"/>
+                </a:schemeClr>
+              </a:solidFill>
+            </a:ln>
+          </p:spPr>
+          <p:style>
+            <a:lnRef idx="2">
+              <a:schemeClr val="accent1">
+                <a:shade val="15000"/>
+              </a:schemeClr>
+            </a:lnRef>
+            <a:fillRef idx="1">
+              <a:schemeClr val="accent1"/>
+            </a:fillRef>
+            <a:effectRef idx="0">
+              <a:schemeClr val="accent1"/>
+            </a:effectRef>
+            <a:fontRef idx="minor">
+              <a:schemeClr val="lt1"/>
+            </a:fontRef>
+          </p:style>
+          <p:txBody>
+            <a:bodyPr rtlCol="0" anchor="ctr"/>
+            <a:lstStyle/>
+            <a:p>
+              <a:pPr algn="ctr"/>
+              <a:endParaRPr kumimoji="1" lang="ja-JP" altLang="en-US"/>
+            </a:p>
+          </p:txBody>
+        </p:sp>
+      </p:grpSp>
+      <p:grpSp>
+        <p:nvGrpSpPr>
+          <p:cNvPr id="18" name="グループ化 17">
+            <a:extLst>
+              <a:ext uri="{FF2B5EF4-FFF2-40B4-BE49-F238E27FC236}">
+                <a16:creationId xmlns:a16="http://schemas.microsoft.com/office/drawing/2014/main" id="{60864EFD-70B4-0B3A-256D-5774EB657D8C}"/>
+              </a:ext>
+            </a:extLst>
+          </p:cNvPr>
+          <p:cNvGrpSpPr/>
+          <p:nvPr/>
+        </p:nvGrpSpPr>
+        <p:grpSpPr>
+          <a:xfrm>
+            <a:off x="1110893" y="4750848"/>
+            <a:ext cx="1562100" cy="1562100"/>
+            <a:chOff x="4112303" y="3903123"/>
+            <a:chExt cx="1562100" cy="1562100"/>
+          </a:xfrm>
+        </p:grpSpPr>
+        <p:pic>
+          <p:nvPicPr>
+            <p:cNvPr id="12" name="グラフィックス 11" descr="チャット">
+              <a:extLst>
+                <a:ext uri="{FF2B5EF4-FFF2-40B4-BE49-F238E27FC236}">
+                  <a16:creationId xmlns:a16="http://schemas.microsoft.com/office/drawing/2014/main" id="{F9C5B45C-D0BC-415E-6663-586C75F99E04}"/>
+                </a:ext>
+              </a:extLst>
+            </p:cNvPr>
+            <p:cNvPicPr>
+              <a:picLocks noChangeAspect="1"/>
+            </p:cNvPicPr>
+            <p:nvPr/>
+          </p:nvPicPr>
+          <p:blipFill>
+            <a:blip r:embed="rId6">
+              <a:extLst>
+                <a:ext uri="{96DAC541-7B7A-43D3-8B79-37D633B846F1}">
+                  <asvg:svgBlip xmlns:asvg="http://schemas.microsoft.com/office/drawing/2016/SVG/main" r:embed="rId7"/>
+                </a:ext>
+              </a:extLst>
+            </a:blip>
+            <a:stretch>
+              <a:fillRect/>
+            </a:stretch>
+          </p:blipFill>
+          <p:spPr>
+            <a:xfrm>
+              <a:off x="4436153" y="4226973"/>
+              <a:ext cx="914400" cy="914400"/>
+            </a:xfrm>
+            <a:prstGeom prst="rect">
+              <a:avLst/>
+            </a:prstGeom>
+          </p:spPr>
+        </p:pic>
+        <p:sp>
+          <p:nvSpPr>
+            <p:cNvPr id="16" name="楕円 15">
+              <a:extLst>
+                <a:ext uri="{FF2B5EF4-FFF2-40B4-BE49-F238E27FC236}">
+                  <a16:creationId xmlns:a16="http://schemas.microsoft.com/office/drawing/2014/main" id="{B3A532B7-A5E8-084A-B58B-62A3829A4914}"/>
+                </a:ext>
+              </a:extLst>
+            </p:cNvPr>
+            <p:cNvSpPr/>
+            <p:nvPr/>
+          </p:nvSpPr>
+          <p:spPr>
+            <a:xfrm>
+              <a:off x="4112303" y="3903123"/>
+              <a:ext cx="1562100" cy="1562100"/>
+            </a:xfrm>
+            <a:prstGeom prst="ellipse">
+              <a:avLst/>
+            </a:prstGeom>
+            <a:noFill/>
+            <a:ln w="38100">
+              <a:solidFill>
+                <a:schemeClr val="accent1">
+                  <a:lumMod val="40000"/>
+                  <a:lumOff val="60000"/>
+                </a:schemeClr>
+              </a:solidFill>
+            </a:ln>
+          </p:spPr>
+          <p:style>
+            <a:lnRef idx="2">
+              <a:schemeClr val="accent1">
+                <a:shade val="15000"/>
+              </a:schemeClr>
+            </a:lnRef>
+            <a:fillRef idx="1">
+              <a:schemeClr val="accent1"/>
+            </a:fillRef>
+            <a:effectRef idx="0">
+              <a:schemeClr val="accent1"/>
+            </a:effectRef>
+            <a:fontRef idx="minor">
+              <a:schemeClr val="lt1"/>
+            </a:fontRef>
+          </p:style>
+          <p:txBody>
+            <a:bodyPr rtlCol="0" anchor="ctr"/>
+            <a:lstStyle/>
+            <a:p>
+              <a:pPr algn="ctr"/>
+              <a:endParaRPr kumimoji="1" lang="ja-JP" altLang="en-US"/>
+            </a:p>
+          </p:txBody>
+        </p:sp>
+      </p:grpSp>
+      <p:cxnSp>
+        <p:nvCxnSpPr>
+          <p:cNvPr id="20" name="直線コネクタ 19">
+            <a:extLst>
+              <a:ext uri="{FF2B5EF4-FFF2-40B4-BE49-F238E27FC236}">
+                <a16:creationId xmlns:a16="http://schemas.microsoft.com/office/drawing/2014/main" id="{F7715CD4-D963-3DC5-0599-7B71AC72869B}"/>
+              </a:ext>
+            </a:extLst>
+          </p:cNvPr>
+          <p:cNvCxnSpPr>
+            <a:cxnSpLocks/>
+            <a:stCxn id="5" idx="5"/>
+            <a:endCxn id="11" idx="0"/>
+          </p:cNvCxnSpPr>
+          <p:nvPr/>
+        </p:nvCxnSpPr>
+        <p:spPr>
+          <a:xfrm>
+            <a:off x="2444229" y="1878388"/>
+            <a:ext cx="228764" cy="769562"/>
+          </a:xfrm>
+          <a:prstGeom prst="line">
+            <a:avLst/>
+          </a:prstGeom>
+          <a:ln w="28575">
+            <a:solidFill>
+              <a:schemeClr val="accent1">
+                <a:lumMod val="40000"/>
+                <a:lumOff val="60000"/>
+              </a:schemeClr>
+            </a:solidFill>
+          </a:ln>
+        </p:spPr>
+        <p:style>
+          <a:lnRef idx="1">
+            <a:schemeClr val="accent1"/>
+          </a:lnRef>
+          <a:fillRef idx="0">
+            <a:schemeClr val="accent1"/>
+          </a:fillRef>
+          <a:effectRef idx="0">
+            <a:schemeClr val="accent1"/>
+          </a:effectRef>
+          <a:fontRef idx="minor">
+            <a:schemeClr val="tx1"/>
+          </a:fontRef>
+        </p:style>
+      </p:cxnSp>
+      <p:cxnSp>
+        <p:nvCxnSpPr>
+          <p:cNvPr id="26" name="直線コネクタ 25">
+            <a:extLst>
+              <a:ext uri="{FF2B5EF4-FFF2-40B4-BE49-F238E27FC236}">
+                <a16:creationId xmlns:a16="http://schemas.microsoft.com/office/drawing/2014/main" id="{30DB68C6-48F1-B116-9885-5676C04F9157}"/>
+              </a:ext>
+            </a:extLst>
+          </p:cNvPr>
+          <p:cNvCxnSpPr>
+            <a:cxnSpLocks/>
+            <a:stCxn id="11" idx="4"/>
+            <a:endCxn id="16" idx="7"/>
+          </p:cNvCxnSpPr>
+          <p:nvPr/>
+        </p:nvCxnSpPr>
+        <p:spPr>
+          <a:xfrm flipH="1">
+            <a:off x="2444229" y="4210050"/>
+            <a:ext cx="228764" cy="769562"/>
+          </a:xfrm>
+          <a:prstGeom prst="line">
+            <a:avLst/>
+          </a:prstGeom>
+          <a:ln w="28575">
+            <a:solidFill>
+              <a:schemeClr val="accent1">
+                <a:lumMod val="40000"/>
+                <a:lumOff val="60000"/>
+              </a:schemeClr>
+            </a:solidFill>
+          </a:ln>
+        </p:spPr>
+        <p:style>
+          <a:lnRef idx="1">
+            <a:schemeClr val="accent1"/>
+          </a:lnRef>
+          <a:fillRef idx="0">
+            <a:schemeClr val="accent1"/>
+          </a:fillRef>
+          <a:effectRef idx="0">
+            <a:schemeClr val="accent1"/>
+          </a:effectRef>
+          <a:fontRef idx="minor">
+            <a:schemeClr val="tx1"/>
+          </a:fontRef>
+        </p:style>
+      </p:cxnSp>
+      <p:sp>
+        <p:nvSpPr>
+          <p:cNvPr id="34" name="テキスト ボックス 33">
+            <a:extLst>
+              <a:ext uri="{FF2B5EF4-FFF2-40B4-BE49-F238E27FC236}">
+                <a16:creationId xmlns:a16="http://schemas.microsoft.com/office/drawing/2014/main" id="{B5D36BF9-EF8B-555C-1A8C-247CCCA3A0CB}"/>
+              </a:ext>
+            </a:extLst>
+          </p:cNvPr>
+          <p:cNvSpPr txBox="1"/>
+          <p:nvPr/>
+        </p:nvSpPr>
+        <p:spPr>
+          <a:xfrm>
+            <a:off x="2996843" y="952305"/>
+            <a:ext cx="7725192" cy="830997"/>
+          </a:xfrm>
+          <a:prstGeom prst="rect">
+            <a:avLst/>
+          </a:prstGeom>
+          <a:noFill/>
+        </p:spPr>
+        <p:txBody>
+          <a:bodyPr wrap="none" rtlCol="0" anchor="ctr">
+            <a:spAutoFit/>
+          </a:bodyPr>
+          <a:lstStyle/>
+          <a:p>
+            <a:r>
+              <a:rPr kumimoji="1" lang="en-US" altLang="ja-JP" sz="2400" spc="400" dirty="0">
+                <a:latin typeface="Noto Sans JP Medium" panose="020B0600000000000000" pitchFamily="34" charset="-128"/>
+                <a:ea typeface="Noto Sans JP Medium" panose="020B0600000000000000" pitchFamily="34" charset="-128"/>
+              </a:rPr>
+              <a:t>NASA</a:t>
+            </a:r>
+            <a:r>
+              <a:rPr kumimoji="1" lang="ja-JP" altLang="en-US" sz="2400" spc="400" dirty="0">
+                <a:latin typeface="Noto Sans JP Medium" panose="020B0600000000000000" pitchFamily="34" charset="-128"/>
+                <a:ea typeface="Noto Sans JP Medium" panose="020B0600000000000000" pitchFamily="34" charset="-128"/>
+              </a:rPr>
+              <a:t>の観測した太陽系外天体データから</a:t>
+            </a:r>
+            <a:endParaRPr kumimoji="1" lang="en-US" altLang="ja-JP" sz="2400" spc="400" dirty="0">
+              <a:latin typeface="Noto Sans JP Medium" panose="020B0600000000000000" pitchFamily="34" charset="-128"/>
+              <a:ea typeface="Noto Sans JP Medium" panose="020B0600000000000000" pitchFamily="34" charset="-128"/>
+            </a:endParaRPr>
+          </a:p>
+          <a:p>
+            <a:r>
+              <a:rPr kumimoji="1" lang="ja-JP" altLang="en-US" sz="2400" spc="400" dirty="0">
+                <a:latin typeface="Noto Sans JP Medium" panose="020B0600000000000000" pitchFamily="34" charset="-128"/>
+                <a:ea typeface="Noto Sans JP Medium" panose="020B0600000000000000" pitchFamily="34" charset="-128"/>
+              </a:rPr>
+              <a:t>特定の太陽系外の天体から見える天球を視覚化</a:t>
+            </a:r>
+          </a:p>
+        </p:txBody>
+      </p:sp>
+      <p:sp>
+        <p:nvSpPr>
+          <p:cNvPr id="35" name="テキスト ボックス 34">
+            <a:extLst>
+              <a:ext uri="{FF2B5EF4-FFF2-40B4-BE49-F238E27FC236}">
+                <a16:creationId xmlns:a16="http://schemas.microsoft.com/office/drawing/2014/main" id="{9A5F2068-3831-118B-9EE7-986D16293D4A}"/>
+              </a:ext>
+            </a:extLst>
+          </p:cNvPr>
+          <p:cNvSpPr txBox="1"/>
+          <p:nvPr/>
+        </p:nvSpPr>
+        <p:spPr>
+          <a:xfrm>
+            <a:off x="3777893" y="3013501"/>
+            <a:ext cx="7007046" cy="830997"/>
+          </a:xfrm>
+          <a:prstGeom prst="rect">
+            <a:avLst/>
+          </a:prstGeom>
+          <a:noFill/>
+        </p:spPr>
+        <p:txBody>
+          <a:bodyPr wrap="none" rtlCol="0" anchor="ctr">
+            <a:spAutoFit/>
+          </a:bodyPr>
+          <a:lstStyle/>
+          <a:p>
+            <a:r>
+              <a:rPr kumimoji="1" lang="ja-JP" altLang="en-US" sz="2400" spc="400" dirty="0">
+                <a:latin typeface="Noto Sans JP Medium" panose="020B0600000000000000" pitchFamily="34" charset="-128"/>
+                <a:ea typeface="Noto Sans JP Medium" panose="020B0600000000000000" pitchFamily="34" charset="-128"/>
+              </a:rPr>
+              <a:t>天球に見られる星々をユーザーがつなぎ、</a:t>
+            </a:r>
+            <a:endParaRPr kumimoji="1" lang="en-US" altLang="ja-JP" sz="2400" spc="400" dirty="0">
+              <a:latin typeface="Noto Sans JP Medium" panose="020B0600000000000000" pitchFamily="34" charset="-128"/>
+              <a:ea typeface="Noto Sans JP Medium" panose="020B0600000000000000" pitchFamily="34" charset="-128"/>
+            </a:endParaRPr>
+          </a:p>
+          <a:p>
+            <a:r>
+              <a:rPr kumimoji="1" lang="ja-JP" altLang="en-US" sz="2400" spc="400" dirty="0">
+                <a:latin typeface="Noto Sans JP Medium" panose="020B0600000000000000" pitchFamily="34" charset="-128"/>
+                <a:ea typeface="Noto Sans JP Medium" panose="020B0600000000000000" pitchFamily="34" charset="-128"/>
+              </a:rPr>
+              <a:t>みずからの手で星座を創り出す</a:t>
+            </a:r>
+          </a:p>
+        </p:txBody>
+      </p:sp>
+      <p:sp>
+        <p:nvSpPr>
+          <p:cNvPr id="36" name="テキスト ボックス 35">
+            <a:extLst>
+              <a:ext uri="{FF2B5EF4-FFF2-40B4-BE49-F238E27FC236}">
+                <a16:creationId xmlns:a16="http://schemas.microsoft.com/office/drawing/2014/main" id="{729CA5A3-C250-6A06-9A3B-9E998439FFB6}"/>
+              </a:ext>
+            </a:extLst>
+          </p:cNvPr>
+          <p:cNvSpPr txBox="1"/>
+          <p:nvPr/>
+        </p:nvSpPr>
+        <p:spPr>
+          <a:xfrm>
+            <a:off x="2996843" y="5116399"/>
+            <a:ext cx="8084264" cy="830997"/>
+          </a:xfrm>
+          <a:prstGeom prst="rect">
+            <a:avLst/>
+          </a:prstGeom>
+          <a:noFill/>
+        </p:spPr>
+        <p:txBody>
+          <a:bodyPr wrap="none" rtlCol="0" anchor="ctr">
+            <a:spAutoFit/>
+          </a:bodyPr>
+          <a:lstStyle/>
+          <a:p>
+            <a:r>
+              <a:rPr kumimoji="1" lang="ja-JP" altLang="en-US" sz="2400" spc="400" dirty="0">
+                <a:latin typeface="Noto Sans JP Medium" panose="020B0600000000000000" pitchFamily="34" charset="-128"/>
+                <a:ea typeface="Noto Sans JP Medium" panose="020B0600000000000000" pitchFamily="34" charset="-128"/>
+              </a:rPr>
+              <a:t>創った星座がインターネット上で交流できる</a:t>
+            </a:r>
+            <a:endParaRPr kumimoji="1" lang="en-US" altLang="ja-JP" sz="2400" spc="400" dirty="0">
+              <a:latin typeface="Noto Sans JP Medium" panose="020B0600000000000000" pitchFamily="34" charset="-128"/>
+              <a:ea typeface="Noto Sans JP Medium" panose="020B0600000000000000" pitchFamily="34" charset="-128"/>
+            </a:endParaRPr>
+          </a:p>
+          <a:p>
+            <a:r>
+              <a:rPr kumimoji="1" lang="ja-JP" altLang="en-US" sz="2400" spc="400" dirty="0">
+                <a:latin typeface="Noto Sans JP Medium" panose="020B0600000000000000" pitchFamily="34" charset="-128"/>
+                <a:ea typeface="Noto Sans JP Medium" panose="020B0600000000000000" pitchFamily="34" charset="-128"/>
+              </a:rPr>
+              <a:t>インタラクティブな交流プラットフォームも実現</a:t>
+            </a:r>
+          </a:p>
+        </p:txBody>
+      </p:sp>
+    </p:spTree>
+    <p:extLst>
+      <p:ext uri="{BB962C8B-B14F-4D97-AF65-F5344CB8AC3E}">
+        <p14:creationId xmlns:p14="http://schemas.microsoft.com/office/powerpoint/2010/main" val="3188460087"/>
       </p:ext>
     </p:extLst>
   </p:cSld>
@@ -4134,7 +5271,7 @@
 <file path=ppt/theme/theme1.xml><?xml version="1.0" encoding="utf-8"?>
 <a:theme xmlns:a="http://schemas.openxmlformats.org/drawingml/2006/main" name="Office テーマ">
   <a:themeElements>
-    <a:clrScheme name="Office">
+    <a:clrScheme name="Office テーマ">
       <a:dk1>
         <a:sysClr val="windowText" lastClr="000000"/>
       </a:dk1>
@@ -4148,22 +5285,22 @@
         <a:srgbClr val="E7E6E6"/>
       </a:lt2>
       <a:accent1>
-        <a:srgbClr val="4472C4"/>
+        <a:srgbClr val="29AF8C"/>
       </a:accent1>
       <a:accent2>
-        <a:srgbClr val="ED7D31"/>
+        <a:srgbClr val="97BE49"/>
       </a:accent2>
       <a:accent3>
-        <a:srgbClr val="A5A5A5"/>
+        <a:srgbClr val="3D9CCC"/>
       </a:accent3>
       <a:accent4>
-        <a:srgbClr val="FFC000"/>
+        <a:srgbClr val="7C60C6"/>
       </a:accent4>
       <a:accent5>
-        <a:srgbClr val="5B9BD5"/>
+        <a:srgbClr val="C9492C"/>
       </a:accent5>
       <a:accent6>
-        <a:srgbClr val="70AD47"/>
+        <a:srgbClr val="D58C2E"/>
       </a:accent6>
       <a:hlink>
         <a:srgbClr val="0563C1"/>
@@ -4172,9 +5309,9 @@
         <a:srgbClr val="954F72"/>
       </a:folHlink>
     </a:clrScheme>
-    <a:fontScheme name="Office">
+    <a:fontScheme name="Office テーマ">
       <a:majorFont>
-        <a:latin typeface="游ゴシック Light" panose="020F0302020204030204"/>
+        <a:latin typeface="Calibri Light" panose="020F0302020204030204"/>
         <a:ea typeface=""/>
         <a:cs typeface=""/>
         <a:font script="Jpan" typeface="游ゴシック Light"/>
@@ -4207,26 +5344,9 @@
         <a:font script="Viet" typeface="Times New Roman"/>
         <a:font script="Uigh" typeface="Microsoft Uighur"/>
         <a:font script="Geor" typeface="Sylfaen"/>
-        <a:font script="Armn" typeface="Arial"/>
-        <a:font script="Bugi" typeface="Leelawadee UI"/>
-        <a:font script="Bopo" typeface="Microsoft JhengHei"/>
-        <a:font script="Java" typeface="Javanese Text"/>
-        <a:font script="Lisu" typeface="Segoe UI"/>
-        <a:font script="Mymr" typeface="Myanmar Text"/>
-        <a:font script="Nkoo" typeface="Ebrima"/>
-        <a:font script="Olck" typeface="Nirmala UI"/>
-        <a:font script="Osma" typeface="Ebrima"/>
-        <a:font script="Phag" typeface="Phagspa"/>
-        <a:font script="Syrn" typeface="Estrangelo Edessa"/>
-        <a:font script="Syrj" typeface="Estrangelo Edessa"/>
-        <a:font script="Syre" typeface="Estrangelo Edessa"/>
-        <a:font script="Sora" typeface="Nirmala UI"/>
-        <a:font script="Tale" typeface="Microsoft Tai Le"/>
-        <a:font script="Talu" typeface="Microsoft New Tai Lue"/>
-        <a:font script="Tfng" typeface="Ebrima"/>
       </a:majorFont>
       <a:minorFont>
-        <a:latin typeface="游ゴシック" panose="020F0502020204030204"/>
+        <a:latin typeface="Calibri" panose="020F0502020204030204"/>
         <a:ea typeface=""/>
         <a:cs typeface=""/>
         <a:font script="Jpan" typeface="游ゴシック"/>
@@ -4259,26 +5379,9 @@
         <a:font script="Viet" typeface="Arial"/>
         <a:font script="Uigh" typeface="Microsoft Uighur"/>
         <a:font script="Geor" typeface="Sylfaen"/>
-        <a:font script="Armn" typeface="Arial"/>
-        <a:font script="Bugi" typeface="Leelawadee UI"/>
-        <a:font script="Bopo" typeface="Microsoft JhengHei"/>
-        <a:font script="Java" typeface="Javanese Text"/>
-        <a:font script="Lisu" typeface="Segoe UI"/>
-        <a:font script="Mymr" typeface="Myanmar Text"/>
-        <a:font script="Nkoo" typeface="Ebrima"/>
-        <a:font script="Olck" typeface="Nirmala UI"/>
-        <a:font script="Osma" typeface="Ebrima"/>
-        <a:font script="Phag" typeface="Phagspa"/>
-        <a:font script="Syrn" typeface="Estrangelo Edessa"/>
-        <a:font script="Syrj" typeface="Estrangelo Edessa"/>
-        <a:font script="Syre" typeface="Estrangelo Edessa"/>
-        <a:font script="Sora" typeface="Nirmala UI"/>
-        <a:font script="Tale" typeface="Microsoft Tai Le"/>
-        <a:font script="Talu" typeface="Microsoft New Tai Lue"/>
-        <a:font script="Tfng" typeface="Ebrima"/>
       </a:minorFont>
     </a:fontScheme>
-    <a:fmtScheme name="Office">
+    <a:fmtScheme name="Office テーマ">
       <a:fillStyleLst>
         <a:solidFill>
           <a:schemeClr val="phClr"/>
@@ -4420,7 +5523,7 @@
   <a:extraClrSchemeLst/>
   <a:extLst>
     <a:ext uri="{05A4C25C-085E-4340-85A3-A5531E510DB2}">
-      <thm15:themeFamily xmlns:thm15="http://schemas.microsoft.com/office/thememl/2012/main" name="Office Theme" id="{62F939B6-93AF-4DB8-9C6B-D6C7DFDC589F}" vid="{4A3C46E8-61CC-4603-A589-7422A47A8E4A}"/>
+      <thm15:themeFamily xmlns:thm15="http://schemas.microsoft.com/office/thememl/2012/main" name="Office 2013 - 2022 Theme" id="{62F939B6-93AF-4DB8-9C6B-D6C7DFDC589F}" vid="{3E4F19A7-A959-40BB-972C-4880BAF8EB09}"/>
     </a:ext>
   </a:extLst>
 </a:theme>

--- a/Presentation/ToinHS-ScienceClub-Presentation.pptx
+++ b/Presentation/ToinHS-ScienceClub-Presentation.pptx
@@ -5,13 +5,14 @@
     <p:sldMasterId id="2147483660" r:id="rId1"/>
   </p:sldMasterIdLst>
   <p:sldIdLst>
-    <p:sldId id="257" r:id="rId2"/>
+    <p:sldId id="265" r:id="rId2"/>
     <p:sldId id="259" r:id="rId3"/>
-    <p:sldId id="262" r:id="rId4"/>
-    <p:sldId id="260" r:id="rId5"/>
-    <p:sldId id="261" r:id="rId6"/>
-    <p:sldId id="264" r:id="rId7"/>
-    <p:sldId id="263" r:id="rId8"/>
+    <p:sldId id="260" r:id="rId4"/>
+    <p:sldId id="261" r:id="rId5"/>
+    <p:sldId id="264" r:id="rId6"/>
+    <p:sldId id="263" r:id="rId7"/>
+    <p:sldId id="266" r:id="rId8"/>
+    <p:sldId id="267" r:id="rId9"/>
   </p:sldIdLst>
   <p:sldSz cx="12192000" cy="6858000"/>
   <p:notesSz cx="6858000" cy="9144000"/>
@@ -3253,6 +3254,14 @@
 <file path=ppt/slides/slide1.xml><?xml version="1.0" encoding="utf-8"?>
 <p:sld xmlns:a="http://schemas.openxmlformats.org/drawingml/2006/main" xmlns:r="http://schemas.openxmlformats.org/officeDocument/2006/relationships" xmlns:p="http://schemas.openxmlformats.org/presentationml/2006/main">
   <p:cSld>
+    <p:bg>
+      <p:bgPr>
+        <a:solidFill>
+          <a:srgbClr val="111519"/>
+        </a:solidFill>
+        <a:effectLst/>
+      </p:bgPr>
+    </p:bg>
     <p:spTree>
       <p:nvGrpSpPr>
         <p:cNvPr id="1" name=""/>
@@ -3269,10 +3278,10 @@
       </p:grpSpPr>
       <p:sp>
         <p:nvSpPr>
-          <p:cNvPr id="4" name="テキスト ボックス 3">
+          <p:cNvPr id="6" name="テキスト ボックス 5">
             <a:extLst>
               <a:ext uri="{FF2B5EF4-FFF2-40B4-BE49-F238E27FC236}">
-                <a16:creationId xmlns:a16="http://schemas.microsoft.com/office/drawing/2014/main" id="{F0E0C60C-C18A-9B68-98BF-47EBA0751D17}"/>
+                <a16:creationId xmlns:a16="http://schemas.microsoft.com/office/drawing/2014/main" id="{2ABCC143-DA02-25B1-A5E0-D8F389DB2D19}"/>
               </a:ext>
             </a:extLst>
           </p:cNvPr>
@@ -3281,8 +3290,8 @@
         </p:nvSpPr>
         <p:spPr>
           <a:xfrm>
-            <a:off x="911356" y="4425546"/>
-            <a:ext cx="1935145" cy="369332"/>
+            <a:off x="4149002" y="2202570"/>
+            <a:ext cx="5673348" cy="1656736"/>
           </a:xfrm>
           <a:prstGeom prst="rect">
             <a:avLst/>
@@ -3290,31 +3299,130 @@
           <a:noFill/>
         </p:spPr>
         <p:txBody>
-          <a:bodyPr wrap="none" rtlCol="0">
+          <a:bodyPr wrap="none" rtlCol="0" anchor="b">
             <a:spAutoFit/>
           </a:bodyPr>
           <a:lstStyle/>
           <a:p>
-            <a:r>
-              <a:rPr lang="ja-JP" altLang="en-US" spc="150" dirty="0">
-                <a:latin typeface="Noto Sans JP" panose="020B0500000000000000" pitchFamily="34" charset="-128"/>
-                <a:ea typeface="Noto Sans JP" panose="020B0500000000000000" pitchFamily="34" charset="-128"/>
+            <a:pPr>
+              <a:lnSpc>
+                <a:spcPct val="150000"/>
+              </a:lnSpc>
+            </a:pPr>
+            <a:r>
+              <a:rPr kumimoji="1" lang="en-US" altLang="ja-JP" sz="3600" spc="400" dirty="0">
+                <a:latin typeface="Noto Sans JP Light" panose="020B0200000000000000" pitchFamily="50" charset="-128"/>
+                <a:ea typeface="Noto Sans JP Light" panose="020B0200000000000000" pitchFamily="50" charset="-128"/>
               </a:rPr>
-              <a:t>桐蔭高校科学部</a:t>
-            </a:r>
-            <a:endParaRPr kumimoji="1" lang="ja-JP" altLang="en-US" spc="150" dirty="0">
-              <a:latin typeface="Noto Sans JP" panose="020B0500000000000000" pitchFamily="34" charset="-128"/>
-              <a:ea typeface="Noto Sans JP" panose="020B0500000000000000" pitchFamily="34" charset="-128"/>
+              <a:t>｢</a:t>
+            </a:r>
+            <a:r>
+              <a:rPr kumimoji="1" lang="ja-JP" altLang="en-US" sz="3600" spc="400" dirty="0">
+                <a:latin typeface="Noto Sans JP Light" panose="020B0200000000000000" pitchFamily="50" charset="-128"/>
+                <a:ea typeface="Noto Sans JP Light" panose="020B0200000000000000" pitchFamily="50" charset="-128"/>
+              </a:rPr>
+              <a:t>夜空に</a:t>
+            </a:r>
+            <a:r>
+              <a:rPr kumimoji="1" lang="ja-JP" altLang="en-US" sz="3600" spc="400" dirty="0">
+                <a:solidFill>
+                  <a:srgbClr val="EEEEEE"/>
+                </a:solidFill>
+                <a:latin typeface="Noto Sans JP Medium" panose="020B0200000000000000" pitchFamily="50" charset="-128"/>
+                <a:ea typeface="Noto Sans JP Medium" panose="020B0200000000000000" pitchFamily="50" charset="-128"/>
+              </a:rPr>
+              <a:t>探す</a:t>
+            </a:r>
+            <a:r>
+              <a:rPr kumimoji="1" lang="ja-JP" altLang="en-US" sz="3600" spc="400" dirty="0">
+                <a:latin typeface="Noto Sans JP Light" panose="020B0200000000000000" pitchFamily="50" charset="-128"/>
+                <a:ea typeface="Noto Sans JP Light" panose="020B0200000000000000" pitchFamily="50" charset="-128"/>
+              </a:rPr>
+              <a:t>もの</a:t>
+            </a:r>
+            <a:r>
+              <a:rPr kumimoji="1" lang="en-US" altLang="ja-JP" sz="3600" spc="400" dirty="0">
+                <a:latin typeface="Noto Sans JP Light" panose="020B0200000000000000" pitchFamily="50" charset="-128"/>
+                <a:ea typeface="Noto Sans JP Light" panose="020B0200000000000000" pitchFamily="50" charset="-128"/>
+              </a:rPr>
+              <a:t>｣ </a:t>
+            </a:r>
+            <a:r>
+              <a:rPr kumimoji="1" lang="ja-JP" altLang="en-US" sz="3600" spc="400" dirty="0">
+                <a:latin typeface="Noto Sans JP Light" panose="020B0200000000000000" pitchFamily="50" charset="-128"/>
+                <a:ea typeface="Noto Sans JP Light" panose="020B0200000000000000" pitchFamily="50" charset="-128"/>
+              </a:rPr>
+              <a:t>から </a:t>
+            </a:r>
+            <a:endParaRPr kumimoji="1" lang="en-US" altLang="ja-JP" sz="3600" spc="400" dirty="0">
+              <a:latin typeface="Noto Sans JP Light" panose="020B0200000000000000" pitchFamily="50" charset="-128"/>
+              <a:ea typeface="Noto Sans JP Light" panose="020B0200000000000000" pitchFamily="50" charset="-128"/>
             </a:endParaRPr>
           </a:p>
-        </p:txBody>
-      </p:sp>
-      <p:sp>
-        <p:nvSpPr>
-          <p:cNvPr id="10" name="テキスト ボックス 9">
+          <a:p>
+            <a:pPr>
+              <a:lnSpc>
+                <a:spcPct val="150000"/>
+              </a:lnSpc>
+            </a:pPr>
+            <a:r>
+              <a:rPr kumimoji="1" lang="en-US" altLang="ja-JP" sz="3600" spc="400" dirty="0">
+                <a:latin typeface="Noto Sans JP Light" panose="020B0200000000000000" pitchFamily="50" charset="-128"/>
+                <a:ea typeface="Noto Sans JP Light" panose="020B0200000000000000" pitchFamily="50" charset="-128"/>
+              </a:rPr>
+              <a:t>｢</a:t>
+            </a:r>
+            <a:r>
+              <a:rPr kumimoji="1" lang="ja-JP" altLang="en-US" sz="3600" spc="400" dirty="0">
+                <a:latin typeface="Noto Sans JP Light" panose="020B0200000000000000" pitchFamily="50" charset="-128"/>
+                <a:ea typeface="Noto Sans JP Light" panose="020B0200000000000000" pitchFamily="50" charset="-128"/>
+              </a:rPr>
+              <a:t>夜空に</a:t>
+            </a:r>
+            <a:r>
+              <a:rPr kumimoji="1" lang="ja-JP" altLang="en-US" sz="3600" spc="400" dirty="0">
+                <a:solidFill>
+                  <a:srgbClr val="A0E9D6"/>
+                </a:solidFill>
+                <a:latin typeface="Noto Sans JP Medium" panose="020B0200000000000000" pitchFamily="50" charset="-128"/>
+                <a:ea typeface="Noto Sans JP Medium" panose="020B0200000000000000" pitchFamily="50" charset="-128"/>
+              </a:rPr>
+              <a:t>創る</a:t>
+            </a:r>
+            <a:r>
+              <a:rPr kumimoji="1" lang="ja-JP" altLang="en-US" sz="3600" spc="400" dirty="0">
+                <a:latin typeface="Noto Sans JP Light" panose="020B0200000000000000" pitchFamily="50" charset="-128"/>
+                <a:ea typeface="Noto Sans JP Light" panose="020B0200000000000000" pitchFamily="50" charset="-128"/>
+              </a:rPr>
+              <a:t>もの</a:t>
+            </a:r>
+            <a:r>
+              <a:rPr kumimoji="1" lang="en-US" altLang="ja-JP" sz="3600" spc="400" dirty="0">
+                <a:latin typeface="Noto Sans JP Light" panose="020B0200000000000000" pitchFamily="50" charset="-128"/>
+                <a:ea typeface="Noto Sans JP Light" panose="020B0200000000000000" pitchFamily="50" charset="-128"/>
+              </a:rPr>
+              <a:t>｣ </a:t>
+            </a:r>
+            <a:r>
+              <a:rPr kumimoji="1" lang="ja-JP" altLang="en-US" sz="3600" spc="400" dirty="0">
+                <a:latin typeface="Noto Sans JP Light" panose="020B0200000000000000" pitchFamily="50" charset="-128"/>
+                <a:ea typeface="Noto Sans JP Light" panose="020B0200000000000000" pitchFamily="50" charset="-128"/>
+              </a:rPr>
+              <a:t>へ。</a:t>
+            </a:r>
+            <a:endParaRPr kumimoji="1" lang="en-US" altLang="ja-JP" sz="3600" spc="400" dirty="0">
+              <a:latin typeface="Noto Sans JP Light" panose="020B0200000000000000" pitchFamily="50" charset="-128"/>
+              <a:ea typeface="Noto Sans JP Light" panose="020B0200000000000000" pitchFamily="50" charset="-128"/>
+            </a:endParaRPr>
+          </a:p>
+        </p:txBody>
+      </p:sp>
+      <p:sp>
+        <p:nvSpPr>
+          <p:cNvPr id="7" name="テキスト ボックス 6">
             <a:extLst>
               <a:ext uri="{FF2B5EF4-FFF2-40B4-BE49-F238E27FC236}">
-                <a16:creationId xmlns:a16="http://schemas.microsoft.com/office/drawing/2014/main" id="{0F8F25BE-B39D-0345-ACD8-9AB6C3C4BF49}"/>
+                <a16:creationId xmlns:a16="http://schemas.microsoft.com/office/drawing/2014/main" id="{C1D466D7-236C-D40F-7A6D-6E50F7DB199C}"/>
               </a:ext>
             </a:extLst>
           </p:cNvPr>
@@ -3323,8 +3431,8 @@
         </p:nvSpPr>
         <p:spPr>
           <a:xfrm>
-            <a:off x="1026810" y="4858325"/>
-            <a:ext cx="1935145" cy="369332"/>
+            <a:off x="4149002" y="3870935"/>
+            <a:ext cx="4628190" cy="868636"/>
           </a:xfrm>
           <a:prstGeom prst="rect">
             <a:avLst/>
@@ -3332,31 +3440,83 @@
           <a:noFill/>
         </p:spPr>
         <p:txBody>
-          <a:bodyPr wrap="none" rtlCol="0">
+          <a:bodyPr wrap="none" rtlCol="0" anchor="ctr">
             <a:spAutoFit/>
           </a:bodyPr>
           <a:lstStyle/>
           <a:p>
-            <a:r>
-              <a:rPr lang="ja-JP" altLang="en-US" spc="150" dirty="0">
-                <a:latin typeface="Noto Sans JP Thin" panose="020B0200000000000000" pitchFamily="34" charset="-128"/>
-                <a:ea typeface="Noto Sans JP Thin" panose="020B0200000000000000" pitchFamily="34" charset="-128"/>
+            <a:pPr>
+              <a:lnSpc>
+                <a:spcPct val="150000"/>
+              </a:lnSpc>
+            </a:pPr>
+            <a:r>
+              <a:rPr lang="en-US" altLang="ja-JP" dirty="0">
+                <a:solidFill>
+                  <a:srgbClr val="EAEAEA"/>
+                </a:solidFill>
+                <a:latin typeface="Lato" panose="020F0502020204030203" pitchFamily="34" charset="0"/>
+                <a:ea typeface="Lato" panose="020F0502020204030203" pitchFamily="34" charset="0"/>
+                <a:cs typeface="Lato" panose="020F0502020204030203" pitchFamily="34" charset="0"/>
               </a:rPr>
-              <a:t>桐蔭高校科学部</a:t>
-            </a:r>
-            <a:endParaRPr kumimoji="1" lang="ja-JP" altLang="en-US" spc="150" dirty="0">
-              <a:latin typeface="Noto Sans JP Thin" panose="020B0200000000000000" pitchFamily="34" charset="-128"/>
-              <a:ea typeface="Noto Sans JP Thin" panose="020B0200000000000000" pitchFamily="34" charset="-128"/>
+              <a:t>It is no longer to be sought in the starry sky.</a:t>
+            </a:r>
+          </a:p>
+          <a:p>
+            <a:pPr>
+              <a:lnSpc>
+                <a:spcPct val="150000"/>
+              </a:lnSpc>
+            </a:pPr>
+            <a:r>
+              <a:rPr lang="en-US" altLang="ja-JP" dirty="0">
+                <a:solidFill>
+                  <a:srgbClr val="EAEAEA"/>
+                </a:solidFill>
+                <a:latin typeface="Lato" panose="020F0502020204030203" pitchFamily="34" charset="0"/>
+                <a:ea typeface="Lato" panose="020F0502020204030203" pitchFamily="34" charset="0"/>
+                <a:cs typeface="Lato" panose="020F0502020204030203" pitchFamily="34" charset="0"/>
+              </a:rPr>
+              <a:t>It is now to be </a:t>
+            </a:r>
+            <a:r>
+              <a:rPr lang="en-US" altLang="ja-JP" dirty="0">
+                <a:solidFill>
+                  <a:srgbClr val="A0E9D6"/>
+                </a:solidFill>
+                <a:latin typeface="Lato" panose="020F0502020204030203" pitchFamily="34" charset="0"/>
+                <a:ea typeface="Lato" panose="020F0502020204030203" pitchFamily="34" charset="0"/>
+                <a:cs typeface="Lato" panose="020F0502020204030203" pitchFamily="34" charset="0"/>
+              </a:rPr>
+              <a:t>created</a:t>
+            </a:r>
+            <a:r>
+              <a:rPr lang="en-US" altLang="ja-JP" dirty="0">
+                <a:solidFill>
+                  <a:srgbClr val="EAEAEA"/>
+                </a:solidFill>
+                <a:latin typeface="Lato" panose="020F0502020204030203" pitchFamily="34" charset="0"/>
+                <a:ea typeface="Lato" panose="020F0502020204030203" pitchFamily="34" charset="0"/>
+                <a:cs typeface="Lato" panose="020F0502020204030203" pitchFamily="34" charset="0"/>
+              </a:rPr>
+              <a:t> in the starry sky.</a:t>
+            </a:r>
+            <a:endParaRPr lang="ja-JP" altLang="en-US" dirty="0">
+              <a:solidFill>
+                <a:srgbClr val="EAEAEA"/>
+              </a:solidFill>
+              <a:latin typeface="Lato" panose="020F0502020204030203" pitchFamily="34" charset="0"/>
+              <a:cs typeface="Lato" panose="020F0502020204030203" pitchFamily="34" charset="0"/>
             </a:endParaRPr>
           </a:p>
         </p:txBody>
       </p:sp>
       <p:sp>
         <p:nvSpPr>
-          <p:cNvPr id="11" name="テキスト ボックス 10">
+          <p:cNvPr id="3" name="テキスト ボックス 2">
             <a:extLst>
               <a:ext uri="{FF2B5EF4-FFF2-40B4-BE49-F238E27FC236}">
-                <a16:creationId xmlns:a16="http://schemas.microsoft.com/office/drawing/2014/main" id="{1D0C51C4-1EB2-DC15-37D6-1692C49EEFD9}"/>
+                <a16:creationId xmlns:a16="http://schemas.microsoft.com/office/drawing/2014/main" id="{AD1E0A38-57D3-3E5A-64FB-5B5D2F4EF5C8}"/>
               </a:ext>
             </a:extLst>
           </p:cNvPr>
@@ -3365,8 +3525,8 @@
         </p:nvSpPr>
         <p:spPr>
           <a:xfrm>
-            <a:off x="4789981" y="4516487"/>
-            <a:ext cx="1935145" cy="369332"/>
+            <a:off x="2147310" y="2384607"/>
+            <a:ext cx="2005677" cy="646331"/>
           </a:xfrm>
           <a:prstGeom prst="rect">
             <a:avLst/>
@@ -3380,25 +3540,41 @@
           <a:lstStyle/>
           <a:p>
             <a:r>
-              <a:rPr lang="ja-JP" altLang="en-US" spc="150" dirty="0">
-                <a:latin typeface="Noto Sans JP Medium" panose="020B0600000000000000" pitchFamily="34" charset="-128"/>
-                <a:ea typeface="Noto Sans JP Medium" panose="020B0600000000000000" pitchFamily="34" charset="-128"/>
+              <a:rPr kumimoji="1" lang="ja-JP" altLang="en-US" sz="3600" spc="400" dirty="0">
+                <a:solidFill>
+                  <a:srgbClr val="EAEAEA"/>
+                </a:solidFill>
+                <a:latin typeface="Noto Sans JP Light" panose="020B0200000000000000" pitchFamily="50" charset="-128"/>
+                <a:ea typeface="Noto Sans JP Light" panose="020B0200000000000000" pitchFamily="50" charset="-128"/>
               </a:rPr>
-              <a:t>桐蔭高校科学部</a:t>
-            </a:r>
-            <a:endParaRPr kumimoji="1" lang="ja-JP" altLang="en-US" spc="150" dirty="0">
-              <a:latin typeface="Noto Sans JP Medium" panose="020B0600000000000000" pitchFamily="34" charset="-128"/>
-              <a:ea typeface="Noto Sans JP Medium" panose="020B0600000000000000" pitchFamily="34" charset="-128"/>
+              <a:t>星座は</a:t>
+            </a:r>
+            <a:r>
+              <a:rPr kumimoji="1" lang="en-US" altLang="ja-JP" sz="3600" spc="400" dirty="0">
+                <a:solidFill>
+                  <a:srgbClr val="EAEAEA"/>
+                </a:solidFill>
+                <a:latin typeface="Noto Sans JP Light" panose="020B0200000000000000" pitchFamily="50" charset="-128"/>
+                <a:ea typeface="Noto Sans JP Light" panose="020B0200000000000000" pitchFamily="50" charset="-128"/>
+              </a:rPr>
+              <a:t>､</a:t>
+            </a:r>
+            <a:endParaRPr kumimoji="1" lang="ja-JP" altLang="en-US" sz="3600" spc="400" dirty="0">
+              <a:solidFill>
+                <a:srgbClr val="EAEAEA"/>
+              </a:solidFill>
+              <a:latin typeface="Noto Sans JP Light" panose="020B0200000000000000" pitchFamily="50" charset="-128"/>
+              <a:ea typeface="Noto Sans JP Light" panose="020B0200000000000000" pitchFamily="50" charset="-128"/>
             </a:endParaRPr>
           </a:p>
         </p:txBody>
       </p:sp>
       <p:sp>
         <p:nvSpPr>
-          <p:cNvPr id="12" name="テキスト ボックス 11">
+          <p:cNvPr id="9" name="テキスト ボックス 8">
             <a:extLst>
               <a:ext uri="{FF2B5EF4-FFF2-40B4-BE49-F238E27FC236}">
-                <a16:creationId xmlns:a16="http://schemas.microsoft.com/office/drawing/2014/main" id="{17DDD7EF-568C-D8FE-F52E-C72218187944}"/>
+                <a16:creationId xmlns:a16="http://schemas.microsoft.com/office/drawing/2014/main" id="{4C344C55-7E34-40B3-53DC-2675C1357A4B}"/>
               </a:ext>
             </a:extLst>
           </p:cNvPr>
@@ -3407,8 +3583,8 @@
         </p:nvSpPr>
         <p:spPr>
           <a:xfrm>
-            <a:off x="3846425" y="5372469"/>
-            <a:ext cx="1935145" cy="369332"/>
+            <a:off x="2178591" y="3958792"/>
+            <a:ext cx="1970411" cy="369332"/>
           </a:xfrm>
           <a:prstGeom prst="rect">
             <a:avLst/>
@@ -3422,15 +3598,45 @@
           <a:lstStyle/>
           <a:p>
             <a:r>
-              <a:rPr lang="ja-JP" altLang="en-US" spc="150" dirty="0">
-                <a:latin typeface="Noto Sans JP Black" panose="020B0A00000000000000" pitchFamily="34" charset="-128"/>
-                <a:ea typeface="Noto Sans JP Black" panose="020B0A00000000000000" pitchFamily="34" charset="-128"/>
+              <a:rPr kumimoji="1" lang="en-US" altLang="ja-JP" dirty="0">
+                <a:solidFill>
+                  <a:srgbClr val="EAEAEA"/>
+                </a:solidFill>
+                <a:latin typeface="Lato" panose="020F0502020204030203" pitchFamily="34" charset="0"/>
+                <a:ea typeface="Lato" panose="020F0502020204030203" pitchFamily="34" charset="0"/>
+                <a:cs typeface="Lato" panose="020F0502020204030203" pitchFamily="34" charset="0"/>
               </a:rPr>
-              <a:t>桐蔭高校科学部</a:t>
-            </a:r>
-            <a:endParaRPr kumimoji="1" lang="ja-JP" altLang="en-US" spc="150" dirty="0">
-              <a:latin typeface="Noto Sans JP Black" panose="020B0A00000000000000" pitchFamily="34" charset="-128"/>
-              <a:ea typeface="Noto Sans JP Black" panose="020B0A00000000000000" pitchFamily="34" charset="-128"/>
+              <a:t>Constellations</a:t>
+            </a:r>
+            <a:r>
+              <a:rPr kumimoji="1" lang="ja-JP" altLang="en-US" spc="400" dirty="0">
+                <a:solidFill>
+                  <a:srgbClr val="EAEAEA"/>
+                </a:solidFill>
+                <a:latin typeface="Lato" panose="020F0502020204030203" pitchFamily="34" charset="0"/>
+                <a:ea typeface="Noto Sans JP Medium" panose="020B0600000000000000" pitchFamily="34" charset="-128"/>
+                <a:cs typeface="Lato" panose="020F0502020204030203" pitchFamily="34" charset="0"/>
+              </a:rPr>
+              <a:t>  </a:t>
+            </a:r>
+            <a:r>
+              <a:rPr kumimoji="1" lang="en-US" altLang="ja-JP" spc="400" dirty="0">
+                <a:solidFill>
+                  <a:srgbClr val="EAEAEA"/>
+                </a:solidFill>
+                <a:latin typeface="Lato" panose="020F0502020204030203" pitchFamily="34" charset="0"/>
+                <a:ea typeface="Lato" panose="020F0502020204030203" pitchFamily="34" charset="0"/>
+                <a:cs typeface="Lato" panose="020F0502020204030203" pitchFamily="34" charset="0"/>
+              </a:rPr>
+              <a:t>-</a:t>
+            </a:r>
+            <a:endParaRPr kumimoji="1" lang="ja-JP" altLang="en-US" spc="400" dirty="0">
+              <a:solidFill>
+                <a:srgbClr val="EAEAEA"/>
+              </a:solidFill>
+              <a:latin typeface="Lato" panose="020F0502020204030203" pitchFamily="34" charset="0"/>
+              <a:ea typeface="Noto Sans JP Medium" panose="020B0600000000000000" pitchFamily="34" charset="-128"/>
+              <a:cs typeface="Lato" panose="020F0502020204030203" pitchFamily="34" charset="0"/>
             </a:endParaRPr>
           </a:p>
         </p:txBody>
@@ -3438,7 +3644,7 @@
     </p:spTree>
     <p:extLst>
       <p:ext uri="{BB962C8B-B14F-4D97-AF65-F5344CB8AC3E}">
-        <p14:creationId xmlns:p14="http://schemas.microsoft.com/office/powerpoint/2010/main" val="900711779"/>
+        <p14:creationId xmlns:p14="http://schemas.microsoft.com/office/powerpoint/2010/main" val="734619361"/>
       </p:ext>
     </p:extLst>
   </p:cSld>
@@ -3451,6 +3657,14 @@
 <file path=ppt/slides/slide2.xml><?xml version="1.0" encoding="utf-8"?>
 <p:sld xmlns:a="http://schemas.openxmlformats.org/drawingml/2006/main" xmlns:r="http://schemas.openxmlformats.org/officeDocument/2006/relationships" xmlns:p="http://schemas.openxmlformats.org/presentationml/2006/main">
   <p:cSld>
+    <p:bg>
+      <p:bgPr>
+        <a:solidFill>
+          <a:srgbClr val="111519"/>
+        </a:solidFill>
+        <a:effectLst/>
+      </p:bgPr>
+    </p:bg>
     <p:spTree>
       <p:nvGrpSpPr>
         <p:cNvPr id="1" name=""/>
@@ -3479,8 +3693,8 @@
         </p:nvSpPr>
         <p:spPr>
           <a:xfrm>
-            <a:off x="-409121" y="-464374"/>
-            <a:ext cx="9600705" cy="7786747"/>
+            <a:off x="-332119" y="-2003259"/>
+            <a:ext cx="14144372" cy="10864513"/>
           </a:xfrm>
           <a:prstGeom prst="rect">
             <a:avLst/>
@@ -3488,30 +3702,52 @@
           <a:noFill/>
         </p:spPr>
         <p:txBody>
-          <a:bodyPr wrap="none" rtlCol="0">
+          <a:bodyPr wrap="square" rtlCol="0">
             <a:spAutoFit/>
           </a:bodyPr>
           <a:lstStyle/>
           <a:p>
-            <a:r>
-              <a:rPr kumimoji="1" lang="en-US" altLang="ja-JP" sz="25000" spc="400" dirty="0">
-                <a:latin typeface="Noto Sans JP Medium" panose="020B0600000000000000" pitchFamily="34" charset="-128"/>
-                <a:ea typeface="Noto Sans JP Medium" panose="020B0600000000000000" pitchFamily="34" charset="-128"/>
+            <a:pPr>
+              <a:lnSpc>
+                <a:spcPts val="42000"/>
+              </a:lnSpc>
+            </a:pPr>
+            <a:r>
+              <a:rPr kumimoji="1" lang="en-US" altLang="ja-JP" sz="35000" spc="400" dirty="0">
+                <a:solidFill>
+                  <a:srgbClr val="3F4747"/>
+                </a:solidFill>
+                <a:latin typeface="Lato" panose="020F0502020204030203" pitchFamily="34" charset="0"/>
+                <a:ea typeface="Lato" panose="020F0502020204030203" pitchFamily="34" charset="0"/>
+                <a:cs typeface="Lato" panose="020F0502020204030203" pitchFamily="34" charset="0"/>
               </a:rPr>
               <a:t>STAR-</a:t>
             </a:r>
           </a:p>
           <a:p>
-            <a:r>
-              <a:rPr lang="en-US" altLang="ja-JP" sz="25000" spc="400" dirty="0">
-                <a:latin typeface="Noto Sans JP Medium" panose="020B0600000000000000" pitchFamily="34" charset="-128"/>
-                <a:ea typeface="Noto Sans JP Medium" panose="020B0600000000000000" pitchFamily="34" charset="-128"/>
+            <a:pPr>
+              <a:lnSpc>
+                <a:spcPts val="42000"/>
+              </a:lnSpc>
+            </a:pPr>
+            <a:r>
+              <a:rPr lang="en-US" altLang="ja-JP" sz="35000" spc="400" dirty="0">
+                <a:solidFill>
+                  <a:srgbClr val="3F4747"/>
+                </a:solidFill>
+                <a:latin typeface="Lato" panose="020F0502020204030203" pitchFamily="34" charset="0"/>
+                <a:ea typeface="Lato" panose="020F0502020204030203" pitchFamily="34" charset="0"/>
+                <a:cs typeface="Lato" panose="020F0502020204030203" pitchFamily="34" charset="0"/>
               </a:rPr>
               <a:t>LINER</a:t>
             </a:r>
-            <a:endParaRPr kumimoji="1" lang="ja-JP" altLang="en-US" sz="25000" spc="400" dirty="0">
-              <a:latin typeface="Noto Sans JP Medium" panose="020B0600000000000000" pitchFamily="34" charset="-128"/>
+            <a:endParaRPr kumimoji="1" lang="ja-JP" altLang="en-US" sz="35000" spc="400" dirty="0">
+              <a:solidFill>
+                <a:srgbClr val="3F4747"/>
+              </a:solidFill>
+              <a:latin typeface="Lato" panose="020F0502020204030203" pitchFamily="34" charset="0"/>
               <a:ea typeface="Noto Sans JP Medium" panose="020B0600000000000000" pitchFamily="34" charset="-128"/>
+              <a:cs typeface="Lato" panose="020F0502020204030203" pitchFamily="34" charset="0"/>
             </a:endParaRPr>
           </a:p>
         </p:txBody>
@@ -3530,7 +3766,7 @@
         </p:nvSpPr>
         <p:spPr>
           <a:xfrm>
-            <a:off x="0" y="3198166"/>
+            <a:off x="1304364" y="3198167"/>
             <a:ext cx="4846198" cy="461665"/>
           </a:xfrm>
           <a:prstGeom prst="rect">
@@ -3584,7 +3820,7 @@
         </p:nvSpPr>
         <p:spPr>
           <a:xfrm>
-            <a:off x="4759198" y="3275109"/>
+            <a:off x="6063562" y="3275110"/>
             <a:ext cx="5173211" cy="307777"/>
           </a:xfrm>
           <a:prstGeom prst="rect">
@@ -3642,6 +3878,14 @@
 <file path=ppt/slides/slide3.xml><?xml version="1.0" encoding="utf-8"?>
 <p:sld xmlns:a="http://schemas.openxmlformats.org/drawingml/2006/main" xmlns:r="http://schemas.openxmlformats.org/officeDocument/2006/relationships" xmlns:p="http://schemas.openxmlformats.org/presentationml/2006/main">
   <p:cSld>
+    <p:bg>
+      <p:bgPr>
+        <a:solidFill>
+          <a:srgbClr val="111519"/>
+        </a:solidFill>
+        <a:effectLst/>
+      </p:bgPr>
+    </p:bg>
     <p:spTree>
       <p:nvGrpSpPr>
         <p:cNvPr id="1" name=""/>
@@ -3670,367 +3914,6 @@
         </p:nvSpPr>
         <p:spPr>
           <a:xfrm>
-            <a:off x="8203582" y="4576373"/>
-            <a:ext cx="3531736" cy="961482"/>
-          </a:xfrm>
-          <a:prstGeom prst="rect">
-            <a:avLst/>
-          </a:prstGeom>
-          <a:noFill/>
-        </p:spPr>
-        <p:txBody>
-          <a:bodyPr wrap="none" rtlCol="0" anchor="b">
-            <a:spAutoFit/>
-          </a:bodyPr>
-          <a:lstStyle/>
-          <a:p>
-            <a:pPr algn="r">
-              <a:lnSpc>
-                <a:spcPct val="150000"/>
-              </a:lnSpc>
-            </a:pPr>
-            <a:r>
-              <a:rPr kumimoji="1" lang="en-US" altLang="ja-JP" sz="2000" spc="400" dirty="0">
-                <a:latin typeface="Noto Sans JP Light" panose="020B0300000000000000" pitchFamily="34" charset="-128"/>
-                <a:ea typeface="Noto Sans JP Light" panose="020B0300000000000000" pitchFamily="34" charset="-128"/>
-              </a:rPr>
-              <a:t>｢</a:t>
-            </a:r>
-            <a:r>
-              <a:rPr kumimoji="1" lang="ja-JP" altLang="en-US" sz="2000" spc="400" dirty="0">
-                <a:latin typeface="Noto Sans JP Light" panose="020B0300000000000000" pitchFamily="34" charset="-128"/>
-                <a:ea typeface="Noto Sans JP Light" panose="020B0300000000000000" pitchFamily="34" charset="-128"/>
-              </a:rPr>
-              <a:t>夜空に探すもの</a:t>
-            </a:r>
-            <a:r>
-              <a:rPr kumimoji="1" lang="en-US" altLang="ja-JP" sz="2000" spc="400" dirty="0">
-                <a:latin typeface="Noto Sans JP Light" panose="020B0300000000000000" pitchFamily="34" charset="-128"/>
-                <a:ea typeface="Noto Sans JP Light" panose="020B0300000000000000" pitchFamily="34" charset="-128"/>
-              </a:rPr>
-              <a:t>｣ </a:t>
-            </a:r>
-            <a:r>
-              <a:rPr kumimoji="1" lang="ja-JP" altLang="en-US" sz="2000" spc="400" dirty="0">
-                <a:latin typeface="Noto Sans JP Light" panose="020B0300000000000000" pitchFamily="34" charset="-128"/>
-                <a:ea typeface="Noto Sans JP Light" panose="020B0300000000000000" pitchFamily="34" charset="-128"/>
-              </a:rPr>
-              <a:t>から </a:t>
-            </a:r>
-            <a:endParaRPr kumimoji="1" lang="en-US" altLang="ja-JP" sz="2000" spc="400" dirty="0">
-              <a:latin typeface="Noto Sans JP Light" panose="020B0300000000000000" pitchFamily="34" charset="-128"/>
-              <a:ea typeface="Noto Sans JP Light" panose="020B0300000000000000" pitchFamily="34" charset="-128"/>
-            </a:endParaRPr>
-          </a:p>
-          <a:p>
-            <a:pPr algn="r">
-              <a:lnSpc>
-                <a:spcPct val="150000"/>
-              </a:lnSpc>
-            </a:pPr>
-            <a:r>
-              <a:rPr kumimoji="1" lang="en-US" altLang="ja-JP" sz="2000" spc="400" dirty="0">
-                <a:latin typeface="Noto Sans JP Light" panose="020B0300000000000000" pitchFamily="34" charset="-128"/>
-                <a:ea typeface="Noto Sans JP Light" panose="020B0300000000000000" pitchFamily="34" charset="-128"/>
-              </a:rPr>
-              <a:t>｢</a:t>
-            </a:r>
-            <a:r>
-              <a:rPr kumimoji="1" lang="ja-JP" altLang="en-US" sz="2000" spc="400" dirty="0">
-                <a:latin typeface="Noto Sans JP Light" panose="020B0300000000000000" pitchFamily="34" charset="-128"/>
-                <a:ea typeface="Noto Sans JP Light" panose="020B0300000000000000" pitchFamily="34" charset="-128"/>
-              </a:rPr>
-              <a:t>夜空に創るもの</a:t>
-            </a:r>
-            <a:r>
-              <a:rPr kumimoji="1" lang="en-US" altLang="ja-JP" sz="2000" spc="400" dirty="0">
-                <a:latin typeface="Noto Sans JP Light" panose="020B0300000000000000" pitchFamily="34" charset="-128"/>
-                <a:ea typeface="Noto Sans JP Light" panose="020B0300000000000000" pitchFamily="34" charset="-128"/>
-              </a:rPr>
-              <a:t>｣ </a:t>
-            </a:r>
-            <a:r>
-              <a:rPr kumimoji="1" lang="ja-JP" altLang="en-US" sz="2000" spc="400" dirty="0">
-                <a:latin typeface="Noto Sans JP Light" panose="020B0300000000000000" pitchFamily="34" charset="-128"/>
-                <a:ea typeface="Noto Sans JP Light" panose="020B0300000000000000" pitchFamily="34" charset="-128"/>
-              </a:rPr>
-              <a:t>へ。</a:t>
-            </a:r>
-            <a:endParaRPr kumimoji="1" lang="en-US" altLang="ja-JP" sz="2400" spc="400" dirty="0">
-              <a:latin typeface="Noto Sans JP Light" panose="020B0300000000000000" pitchFamily="34" charset="-128"/>
-              <a:ea typeface="Noto Sans JP Light" panose="020B0300000000000000" pitchFamily="34" charset="-128"/>
-            </a:endParaRPr>
-          </a:p>
-        </p:txBody>
-      </p:sp>
-      <p:sp>
-        <p:nvSpPr>
-          <p:cNvPr id="7" name="テキスト ボックス 6">
-            <a:extLst>
-              <a:ext uri="{FF2B5EF4-FFF2-40B4-BE49-F238E27FC236}">
-                <a16:creationId xmlns:a16="http://schemas.microsoft.com/office/drawing/2014/main" id="{C1D466D7-236C-D40F-7A6D-6E50F7DB199C}"/>
-              </a:ext>
-            </a:extLst>
-          </p:cNvPr>
-          <p:cNvSpPr txBox="1"/>
-          <p:nvPr/>
-        </p:nvSpPr>
-        <p:spPr>
-          <a:xfrm>
-            <a:off x="7275444" y="5689546"/>
-            <a:ext cx="4459874" cy="696088"/>
-          </a:xfrm>
-          <a:prstGeom prst="rect">
-            <a:avLst/>
-          </a:prstGeom>
-          <a:noFill/>
-        </p:spPr>
-        <p:txBody>
-          <a:bodyPr wrap="none" rtlCol="0" anchor="ctr">
-            <a:spAutoFit/>
-          </a:bodyPr>
-          <a:lstStyle/>
-          <a:p>
-            <a:pPr algn="r">
-              <a:lnSpc>
-                <a:spcPct val="150000"/>
-              </a:lnSpc>
-            </a:pPr>
-            <a:r>
-              <a:rPr lang="en-US" altLang="ja-JP" sz="1400" spc="150" dirty="0">
-                <a:latin typeface="Lato" panose="020F0502020204030203" pitchFamily="34" charset="0"/>
-                <a:ea typeface="Noto Serif JP Medium" panose="02020200000000000000" pitchFamily="18" charset="-128"/>
-                <a:cs typeface="Times New Roman" panose="02020603050405020304" pitchFamily="18" charset="0"/>
-              </a:rPr>
-              <a:t>It is no longer to be sought in the starry sky.</a:t>
-            </a:r>
-          </a:p>
-          <a:p>
-            <a:pPr algn="r">
-              <a:lnSpc>
-                <a:spcPct val="150000"/>
-              </a:lnSpc>
-            </a:pPr>
-            <a:r>
-              <a:rPr lang="en-US" altLang="ja-JP" sz="1400" spc="150" dirty="0">
-                <a:latin typeface="Lato" panose="020F0502020204030203" pitchFamily="34" charset="0"/>
-                <a:ea typeface="Noto Serif JP Medium" panose="02020200000000000000" pitchFamily="18" charset="-128"/>
-                <a:cs typeface="Times New Roman" panose="02020603050405020304" pitchFamily="18" charset="0"/>
-              </a:rPr>
-              <a:t>It is now to be created in the starry sky.</a:t>
-            </a:r>
-            <a:endParaRPr kumimoji="1" lang="ja-JP" altLang="en-US" sz="1400" spc="150" dirty="0">
-              <a:latin typeface="Lato" panose="020F0502020204030203" pitchFamily="34" charset="0"/>
-              <a:ea typeface="Noto Serif JP Medium" panose="02020200000000000000" pitchFamily="18" charset="-128"/>
-              <a:cs typeface="Times New Roman" panose="02020603050405020304" pitchFamily="18" charset="0"/>
-            </a:endParaRPr>
-          </a:p>
-        </p:txBody>
-      </p:sp>
-      <p:sp>
-        <p:nvSpPr>
-          <p:cNvPr id="3" name="テキスト ボックス 2">
-            <a:extLst>
-              <a:ext uri="{FF2B5EF4-FFF2-40B4-BE49-F238E27FC236}">
-                <a16:creationId xmlns:a16="http://schemas.microsoft.com/office/drawing/2014/main" id="{AD1E0A38-57D3-3E5A-64FB-5B5D2F4EF5C8}"/>
-              </a:ext>
-            </a:extLst>
-          </p:cNvPr>
-          <p:cNvSpPr txBox="1"/>
-          <p:nvPr/>
-        </p:nvSpPr>
-        <p:spPr>
-          <a:xfrm>
-            <a:off x="172105" y="79713"/>
-            <a:ext cx="7443063" cy="4708981"/>
-          </a:xfrm>
-          <a:prstGeom prst="rect">
-            <a:avLst/>
-          </a:prstGeom>
-          <a:noFill/>
-        </p:spPr>
-        <p:txBody>
-          <a:bodyPr wrap="none" rtlCol="0">
-            <a:spAutoFit/>
-          </a:bodyPr>
-          <a:lstStyle/>
-          <a:p>
-            <a:r>
-              <a:rPr kumimoji="1" lang="ja-JP" altLang="en-US" sz="30000" spc="400" dirty="0">
-                <a:solidFill>
-                  <a:schemeClr val="accent1">
-                    <a:lumMod val="40000"/>
-                    <a:lumOff val="60000"/>
-                  </a:schemeClr>
-                </a:solidFill>
-                <a:latin typeface="Noto Sans JP Medium" panose="020B0600000000000000" pitchFamily="34" charset="-128"/>
-                <a:ea typeface="Noto Sans JP Medium" panose="020B0600000000000000" pitchFamily="34" charset="-128"/>
-              </a:rPr>
-              <a:t>星</a:t>
-            </a:r>
-            <a:r>
-              <a:rPr kumimoji="1" lang="ja-JP" altLang="en-US" sz="9600" spc="400" dirty="0">
-                <a:solidFill>
-                  <a:schemeClr val="accent1">
-                    <a:lumMod val="40000"/>
-                    <a:lumOff val="60000"/>
-                  </a:schemeClr>
-                </a:solidFill>
-                <a:latin typeface="Noto Sans JP Medium" panose="020B0600000000000000" pitchFamily="34" charset="-128"/>
-                <a:ea typeface="Noto Sans JP Medium" panose="020B0600000000000000" pitchFamily="34" charset="-128"/>
-              </a:rPr>
-              <a:t>座は</a:t>
-            </a:r>
-            <a:r>
-              <a:rPr kumimoji="1" lang="en-US" altLang="ja-JP" sz="9600" spc="400" dirty="0">
-                <a:solidFill>
-                  <a:schemeClr val="accent1">
-                    <a:lumMod val="40000"/>
-                    <a:lumOff val="60000"/>
-                  </a:schemeClr>
-                </a:solidFill>
-                <a:latin typeface="Noto Sans JP Medium" panose="020B0600000000000000" pitchFamily="34" charset="-128"/>
-                <a:ea typeface="Noto Sans JP Medium" panose="020B0600000000000000" pitchFamily="34" charset="-128"/>
-              </a:rPr>
-              <a:t>､</a:t>
-            </a:r>
-            <a:endParaRPr kumimoji="1" lang="ja-JP" altLang="en-US" sz="30000" spc="400" dirty="0">
-              <a:solidFill>
-                <a:schemeClr val="accent1">
-                  <a:lumMod val="40000"/>
-                  <a:lumOff val="60000"/>
-                </a:schemeClr>
-              </a:solidFill>
-              <a:latin typeface="Noto Sans JP Medium" panose="020B0600000000000000" pitchFamily="34" charset="-128"/>
-              <a:ea typeface="Noto Sans JP Medium" panose="020B0600000000000000" pitchFamily="34" charset="-128"/>
-            </a:endParaRPr>
-          </a:p>
-        </p:txBody>
-      </p:sp>
-      <p:sp>
-        <p:nvSpPr>
-          <p:cNvPr id="9" name="テキスト ボックス 8">
-            <a:extLst>
-              <a:ext uri="{FF2B5EF4-FFF2-40B4-BE49-F238E27FC236}">
-                <a16:creationId xmlns:a16="http://schemas.microsoft.com/office/drawing/2014/main" id="{4C344C55-7E34-40B3-53DC-2675C1357A4B}"/>
-              </a:ext>
-            </a:extLst>
-          </p:cNvPr>
-          <p:cNvSpPr txBox="1"/>
-          <p:nvPr/>
-        </p:nvSpPr>
-        <p:spPr>
-          <a:xfrm>
-            <a:off x="456682" y="4232577"/>
-            <a:ext cx="4732258" cy="646331"/>
-          </a:xfrm>
-          <a:prstGeom prst="rect">
-            <a:avLst/>
-          </a:prstGeom>
-          <a:noFill/>
-        </p:spPr>
-        <p:txBody>
-          <a:bodyPr wrap="none" rtlCol="0">
-            <a:spAutoFit/>
-          </a:bodyPr>
-          <a:lstStyle/>
-          <a:p>
-            <a:r>
-              <a:rPr kumimoji="1" lang="en-US" altLang="ja-JP" sz="3600" spc="400" dirty="0">
-                <a:solidFill>
-                  <a:schemeClr val="accent1">
-                    <a:lumMod val="40000"/>
-                    <a:lumOff val="60000"/>
-                  </a:schemeClr>
-                </a:solidFill>
-                <a:latin typeface="Noto Sans JP Medium" panose="020B0600000000000000" pitchFamily="34" charset="-128"/>
-                <a:ea typeface="Noto Sans JP Medium" panose="020B0600000000000000" pitchFamily="34" charset="-128"/>
-              </a:rPr>
-              <a:t>Constellations</a:t>
-            </a:r>
-            <a:r>
-              <a:rPr kumimoji="1" lang="ja-JP" altLang="en-US" sz="3600" spc="400" dirty="0">
-                <a:solidFill>
-                  <a:schemeClr val="accent1">
-                    <a:lumMod val="40000"/>
-                    <a:lumOff val="60000"/>
-                  </a:schemeClr>
-                </a:solidFill>
-                <a:latin typeface="Noto Sans JP Medium" panose="020B0600000000000000" pitchFamily="34" charset="-128"/>
-                <a:ea typeface="Noto Sans JP Medium" panose="020B0600000000000000" pitchFamily="34" charset="-128"/>
-              </a:rPr>
-              <a:t> </a:t>
-            </a:r>
-            <a:r>
-              <a:rPr kumimoji="1" lang="en-US" altLang="ja-JP" sz="3600" spc="400" dirty="0">
-                <a:solidFill>
-                  <a:schemeClr val="accent1">
-                    <a:lumMod val="40000"/>
-                    <a:lumOff val="60000"/>
-                  </a:schemeClr>
-                </a:solidFill>
-                <a:latin typeface="Noto Sans JP Medium" panose="020B0600000000000000" pitchFamily="34" charset="-128"/>
-                <a:ea typeface="Noto Sans JP Medium" panose="020B0600000000000000" pitchFamily="34" charset="-128"/>
-              </a:rPr>
-              <a:t>―</a:t>
-            </a:r>
-            <a:endParaRPr kumimoji="1" lang="ja-JP" altLang="en-US" sz="3600" spc="400" dirty="0">
-              <a:solidFill>
-                <a:schemeClr val="accent1">
-                  <a:lumMod val="40000"/>
-                  <a:lumOff val="60000"/>
-                </a:schemeClr>
-              </a:solidFill>
-              <a:latin typeface="Noto Sans JP Medium" panose="020B0600000000000000" pitchFamily="34" charset="-128"/>
-              <a:ea typeface="Noto Sans JP Medium" panose="020B0600000000000000" pitchFamily="34" charset="-128"/>
-            </a:endParaRPr>
-          </a:p>
-        </p:txBody>
-      </p:sp>
-    </p:spTree>
-    <p:extLst>
-      <p:ext uri="{BB962C8B-B14F-4D97-AF65-F5344CB8AC3E}">
-        <p14:creationId xmlns:p14="http://schemas.microsoft.com/office/powerpoint/2010/main" val="2556621368"/>
-      </p:ext>
-    </p:extLst>
-  </p:cSld>
-  <p:clrMapOvr>
-    <a:masterClrMapping/>
-  </p:clrMapOvr>
-</p:sld>
-</file>
-
-<file path=ppt/slides/slide4.xml><?xml version="1.0" encoding="utf-8"?>
-<p:sld xmlns:a="http://schemas.openxmlformats.org/drawingml/2006/main" xmlns:r="http://schemas.openxmlformats.org/officeDocument/2006/relationships" xmlns:p="http://schemas.openxmlformats.org/presentationml/2006/main">
-  <p:cSld>
-    <p:spTree>
-      <p:nvGrpSpPr>
-        <p:cNvPr id="1" name=""/>
-        <p:cNvGrpSpPr/>
-        <p:nvPr/>
-      </p:nvGrpSpPr>
-      <p:grpSpPr>
-        <a:xfrm>
-          <a:off x="0" y="0"/>
-          <a:ext cx="0" cy="0"/>
-          <a:chOff x="0" y="0"/>
-          <a:chExt cx="0" cy="0"/>
-        </a:xfrm>
-      </p:grpSpPr>
-      <p:sp>
-        <p:nvSpPr>
-          <p:cNvPr id="6" name="テキスト ボックス 5">
-            <a:extLst>
-              <a:ext uri="{FF2B5EF4-FFF2-40B4-BE49-F238E27FC236}">
-                <a16:creationId xmlns:a16="http://schemas.microsoft.com/office/drawing/2014/main" id="{2ABCC143-DA02-25B1-A5E0-D8F389DB2D19}"/>
-              </a:ext>
-            </a:extLst>
-          </p:cNvPr>
-          <p:cNvSpPr txBox="1"/>
-          <p:nvPr/>
-        </p:nvSpPr>
-        <p:spPr>
-          <a:xfrm>
             <a:off x="574766" y="3198164"/>
             <a:ext cx="3057247" cy="461665"/>
           </a:xfrm>
@@ -4047,12 +3930,18 @@
           <a:p>
             <a:r>
               <a:rPr lang="ja-JP" altLang="en-US" sz="2400" spc="400" dirty="0">
+                <a:solidFill>
+                  <a:srgbClr val="EAEAEA"/>
+                </a:solidFill>
                 <a:latin typeface="Noto Sans JP Medium" panose="020B0600000000000000" pitchFamily="34" charset="-128"/>
                 <a:ea typeface="Noto Sans JP Medium" panose="020B0600000000000000" pitchFamily="34" charset="-128"/>
               </a:rPr>
               <a:t>選んだミッション</a:t>
             </a:r>
             <a:endParaRPr kumimoji="1" lang="ja-JP" altLang="en-US" sz="2400" spc="400" dirty="0">
+              <a:solidFill>
+                <a:srgbClr val="EAEAEA"/>
+              </a:solidFill>
               <a:latin typeface="Noto Sans JP Medium" panose="020B0600000000000000" pitchFamily="34" charset="-128"/>
               <a:ea typeface="Noto Sans JP Medium" panose="020B0600000000000000" pitchFamily="34" charset="-128"/>
             </a:endParaRPr>
@@ -4089,6 +3978,9 @@
           <a:p>
             <a:r>
               <a:rPr lang="en-US" altLang="ja-JP" sz="1400" spc="150" dirty="0">
+                <a:solidFill>
+                  <a:srgbClr val="EAEAEA"/>
+                </a:solidFill>
                 <a:latin typeface="Lato" panose="020F0502020204030203" pitchFamily="34" charset="0"/>
                 <a:ea typeface="Noto Serif JP Medium" panose="02020200000000000000" pitchFamily="18" charset="-128"/>
                 <a:cs typeface="Times New Roman" panose="02020603050405020304" pitchFamily="18" charset="0"/>
@@ -4096,6 +3988,9 @@
               <a:t>Selected Mission</a:t>
             </a:r>
             <a:endParaRPr kumimoji="1" lang="ja-JP" altLang="en-US" sz="1400" spc="150" dirty="0">
+              <a:solidFill>
+                <a:srgbClr val="EAEAEA"/>
+              </a:solidFill>
               <a:latin typeface="Lato" panose="020F0502020204030203" pitchFamily="34" charset="0"/>
               <a:ea typeface="Noto Serif JP Medium" panose="02020200000000000000" pitchFamily="18" charset="-128"/>
               <a:cs typeface="Times New Roman" panose="02020603050405020304" pitchFamily="18" charset="0"/>
@@ -4252,9 +4147,17 @@
 </p:sld>
 </file>
 
-<file path=ppt/slides/slide5.xml><?xml version="1.0" encoding="utf-8"?>
+<file path=ppt/slides/slide4.xml><?xml version="1.0" encoding="utf-8"?>
 <p:sld xmlns:a="http://schemas.openxmlformats.org/drawingml/2006/main" xmlns:r="http://schemas.openxmlformats.org/officeDocument/2006/relationships" xmlns:p="http://schemas.openxmlformats.org/presentationml/2006/main">
   <p:cSld>
+    <p:bg>
+      <p:bgPr>
+        <a:solidFill>
+          <a:srgbClr val="111519"/>
+        </a:solidFill>
+        <a:effectLst/>
+      </p:bgPr>
+    </p:bg>
     <p:spTree>
       <p:nvGrpSpPr>
         <p:cNvPr id="1" name=""/>
@@ -4271,10 +4174,10 @@
       </p:grpSpPr>
       <p:grpSp>
         <p:nvGrpSpPr>
-          <p:cNvPr id="3" name="グループ化 2">
+          <p:cNvPr id="23" name="グループ化 22">
             <a:extLst>
               <a:ext uri="{FF2B5EF4-FFF2-40B4-BE49-F238E27FC236}">
-                <a16:creationId xmlns:a16="http://schemas.microsoft.com/office/drawing/2014/main" id="{A5401DE7-0F24-FB8B-4B1B-B8CDAD6C0F6E}"/>
+                <a16:creationId xmlns:a16="http://schemas.microsoft.com/office/drawing/2014/main" id="{6BBCD8E6-D9B2-BFC1-3909-D6DB81064309}"/>
               </a:ext>
             </a:extLst>
           </p:cNvPr>
@@ -4283,18 +4186,18 @@
         </p:nvGrpSpPr>
         <p:grpSpPr>
           <a:xfrm>
-            <a:off x="574766" y="3044275"/>
-            <a:ext cx="2492990" cy="769441"/>
-            <a:chOff x="643445" y="2733107"/>
-            <a:chExt cx="2492990" cy="769441"/>
+            <a:off x="773330" y="3044278"/>
+            <a:ext cx="2808070" cy="769441"/>
+            <a:chOff x="536264" y="3044279"/>
+            <a:chExt cx="2264693" cy="769441"/>
           </a:xfrm>
         </p:grpSpPr>
         <p:sp>
           <p:nvSpPr>
-            <p:cNvPr id="2" name="正方形/長方形 1">
+            <p:cNvPr id="20" name="正方形/長方形 19">
               <a:extLst>
                 <a:ext uri="{FF2B5EF4-FFF2-40B4-BE49-F238E27FC236}">
-                  <a16:creationId xmlns:a16="http://schemas.microsoft.com/office/drawing/2014/main" id="{3CD6EFC2-1EFF-3459-8FEC-A67E69D184E8}"/>
+                  <a16:creationId xmlns:a16="http://schemas.microsoft.com/office/drawing/2014/main" id="{83F4B191-15AE-A1B0-4EA2-AFFFC3DCA600}"/>
                 </a:ext>
               </a:extLst>
             </p:cNvPr>
@@ -4303,12 +4206,15 @@
           </p:nvSpPr>
           <p:spPr>
             <a:xfrm>
-              <a:off x="643445" y="3248456"/>
-              <a:ext cx="2460135" cy="240178"/>
+              <a:off x="536265" y="3590644"/>
+              <a:ext cx="2179321" cy="101882"/>
             </a:xfrm>
             <a:prstGeom prst="rect">
               <a:avLst/>
             </a:prstGeom>
+            <a:ln>
+              <a:noFill/>
+            </a:ln>
           </p:spPr>
           <p:style>
             <a:lnRef idx="2">
@@ -4349,8 +4255,8 @@
           </p:nvSpPr>
           <p:spPr>
             <a:xfrm>
-              <a:off x="643445" y="2733107"/>
-              <a:ext cx="2492990" cy="769441"/>
+              <a:off x="536264" y="3044279"/>
+              <a:ext cx="2264693" cy="769441"/>
             </a:xfrm>
             <a:prstGeom prst="rect">
               <a:avLst/>
@@ -4364,27 +4270,670 @@
             <a:lstStyle/>
             <a:p>
               <a:r>
-                <a:rPr lang="en-US" altLang="ja-JP" sz="4400" spc="400" dirty="0" err="1">
-                  <a:latin typeface="Lato" panose="020F0502020204030203" pitchFamily="34" charset="0"/>
-                  <a:ea typeface="Noto Sans JP Medium" panose="020B0600000000000000" pitchFamily="34" charset="-128"/>
+                <a:rPr lang="en-US" altLang="ja-JP" sz="4400" spc="300" dirty="0" err="1">
+                  <a:solidFill>
+                    <a:srgbClr val="EAEAEA"/>
+                  </a:solidFill>
+                  <a:latin typeface="Noto Sans JP Medium" panose="020B0200000000000000" pitchFamily="50" charset="-128"/>
+                  <a:ea typeface="Noto Sans JP Medium" panose="020B0200000000000000" pitchFamily="50" charset="-128"/>
                 </a:rPr>
                 <a:t>Exosky</a:t>
               </a:r>
               <a:r>
-                <a:rPr lang="en-US" altLang="ja-JP" sz="4400" spc="400" dirty="0">
-                  <a:latin typeface="Lato" panose="020F0502020204030203" pitchFamily="34" charset="0"/>
-                  <a:ea typeface="Noto Sans JP Medium" panose="020B0600000000000000" pitchFamily="34" charset="-128"/>
+                <a:rPr lang="en-US" altLang="ja-JP" sz="4400" spc="300" dirty="0">
+                  <a:solidFill>
+                    <a:srgbClr val="EAEAEA"/>
+                  </a:solidFill>
+                  <a:latin typeface="Noto Sans JP Medium" panose="020B0200000000000000" pitchFamily="50" charset="-128"/>
+                  <a:ea typeface="Noto Sans JP Medium" panose="020B0200000000000000" pitchFamily="50" charset="-128"/>
                 </a:rPr>
                 <a:t>!</a:t>
               </a:r>
-              <a:endParaRPr kumimoji="1" lang="ja-JP" altLang="en-US" sz="4400" spc="400" dirty="0">
-                <a:latin typeface="Lato" panose="020F0502020204030203" pitchFamily="34" charset="0"/>
-                <a:ea typeface="Noto Sans JP Medium" panose="020B0600000000000000" pitchFamily="34" charset="-128"/>
+              <a:endParaRPr kumimoji="1" lang="ja-JP" altLang="en-US" sz="4400" spc="300" dirty="0">
+                <a:solidFill>
+                  <a:srgbClr val="EAEAEA"/>
+                </a:solidFill>
+                <a:latin typeface="Noto Sans JP Medium" panose="020B0200000000000000" pitchFamily="50" charset="-128"/>
+                <a:ea typeface="Noto Sans JP Medium" panose="020B0200000000000000" pitchFamily="50" charset="-128"/>
               </a:endParaRPr>
             </a:p>
           </p:txBody>
         </p:sp>
       </p:grpSp>
+      <p:grpSp>
+        <p:nvGrpSpPr>
+          <p:cNvPr id="33" name="グループ化 32">
+            <a:extLst>
+              <a:ext uri="{FF2B5EF4-FFF2-40B4-BE49-F238E27FC236}">
+                <a16:creationId xmlns:a16="http://schemas.microsoft.com/office/drawing/2014/main" id="{30C0DF5F-327B-25C9-C833-45531ECA90FC}"/>
+              </a:ext>
+            </a:extLst>
+          </p:cNvPr>
+          <p:cNvGrpSpPr/>
+          <p:nvPr/>
+        </p:nvGrpSpPr>
+        <p:grpSpPr>
+          <a:xfrm rot="207662">
+            <a:off x="9151714" y="2404532"/>
+            <a:ext cx="2048932" cy="2048932"/>
+            <a:chOff x="3941981" y="-409857"/>
+            <a:chExt cx="6858000" cy="6858000"/>
+          </a:xfrm>
+        </p:grpSpPr>
+        <p:sp>
+          <p:nvSpPr>
+            <p:cNvPr id="32" name="正方形/長方形 31">
+              <a:extLst>
+                <a:ext uri="{FF2B5EF4-FFF2-40B4-BE49-F238E27FC236}">
+                  <a16:creationId xmlns:a16="http://schemas.microsoft.com/office/drawing/2014/main" id="{00620963-9840-961B-14E6-238C27364CA8}"/>
+                </a:ext>
+              </a:extLst>
+            </p:cNvPr>
+            <p:cNvSpPr/>
+            <p:nvPr/>
+          </p:nvSpPr>
+          <p:spPr>
+            <a:xfrm>
+              <a:off x="4227731" y="-41821"/>
+              <a:ext cx="6333066" cy="6172200"/>
+            </a:xfrm>
+            <a:prstGeom prst="rect">
+              <a:avLst/>
+            </a:prstGeom>
+            <a:solidFill>
+              <a:srgbClr val="DCDCDC"/>
+            </a:solidFill>
+          </p:spPr>
+          <p:style>
+            <a:lnRef idx="2">
+              <a:schemeClr val="accent1">
+                <a:shade val="15000"/>
+              </a:schemeClr>
+            </a:lnRef>
+            <a:fillRef idx="1">
+              <a:schemeClr val="accent1"/>
+            </a:fillRef>
+            <a:effectRef idx="0">
+              <a:schemeClr val="accent1"/>
+            </a:effectRef>
+            <a:fontRef idx="minor">
+              <a:schemeClr val="lt1"/>
+            </a:fontRef>
+          </p:style>
+          <p:txBody>
+            <a:bodyPr rtlCol="0" anchor="ctr"/>
+            <a:lstStyle/>
+            <a:p>
+              <a:pPr algn="ctr"/>
+              <a:endParaRPr lang="ja-JP" altLang="en-US"/>
+            </a:p>
+          </p:txBody>
+        </p:sp>
+        <p:pic>
+          <p:nvPicPr>
+            <p:cNvPr id="31" name="グラフィックス 30">
+              <a:extLst>
+                <a:ext uri="{FF2B5EF4-FFF2-40B4-BE49-F238E27FC236}">
+                  <a16:creationId xmlns:a16="http://schemas.microsoft.com/office/drawing/2014/main" id="{402A399A-27A4-4635-FDE5-1717924D94D8}"/>
+                </a:ext>
+              </a:extLst>
+            </p:cNvPr>
+            <p:cNvPicPr>
+              <a:picLocks noChangeAspect="1"/>
+            </p:cNvPicPr>
+            <p:nvPr/>
+          </p:nvPicPr>
+          <p:blipFill>
+            <a:blip r:embed="rId2">
+              <a:extLst>
+                <a:ext uri="{96DAC541-7B7A-43D3-8B79-37D633B846F1}">
+                  <asvg:svgBlip xmlns:asvg="http://schemas.microsoft.com/office/drawing/2016/SVG/main" r:embed="rId3"/>
+                </a:ext>
+              </a:extLst>
+            </a:blip>
+            <a:stretch>
+              <a:fillRect/>
+            </a:stretch>
+          </p:blipFill>
+          <p:spPr>
+            <a:xfrm flipH="1">
+              <a:off x="3941981" y="-409857"/>
+              <a:ext cx="6858000" cy="6858000"/>
+            </a:xfrm>
+            <a:prstGeom prst="rect">
+              <a:avLst/>
+            </a:prstGeom>
+          </p:spPr>
+        </p:pic>
+      </p:grpSp>
+      <p:pic>
+        <p:nvPicPr>
+          <p:cNvPr id="37" name="図 36">
+            <a:extLst>
+              <a:ext uri="{FF2B5EF4-FFF2-40B4-BE49-F238E27FC236}">
+                <a16:creationId xmlns:a16="http://schemas.microsoft.com/office/drawing/2014/main" id="{F6B13E18-FD07-3F07-FC72-B6C7DFC8E5B7}"/>
+              </a:ext>
+            </a:extLst>
+          </p:cNvPr>
+          <p:cNvPicPr>
+            <a:picLocks noChangeAspect="1"/>
+          </p:cNvPicPr>
+          <p:nvPr/>
+        </p:nvPicPr>
+        <p:blipFill>
+          <a:blip r:embed="rId4">
+            <a:extLst>
+              <a:ext uri="{28A0092B-C50C-407E-A947-70E740481C1C}">
+                <a14:useLocalDpi xmlns:a14="http://schemas.microsoft.com/office/drawing/2010/main" val="0"/>
+              </a:ext>
+            </a:extLst>
+          </a:blip>
+          <a:stretch>
+            <a:fillRect/>
+          </a:stretch>
+        </p:blipFill>
+        <p:spPr>
+          <a:xfrm rot="760770">
+            <a:off x="4859201" y="1006805"/>
+            <a:ext cx="4844384" cy="4844384"/>
+          </a:xfrm>
+          <a:prstGeom prst="rect">
+            <a:avLst/>
+          </a:prstGeom>
+        </p:spPr>
+      </p:pic>
+      <p:pic>
+        <p:nvPicPr>
+          <p:cNvPr id="39" name="図 38">
+            <a:extLst>
+              <a:ext uri="{FF2B5EF4-FFF2-40B4-BE49-F238E27FC236}">
+                <a16:creationId xmlns:a16="http://schemas.microsoft.com/office/drawing/2014/main" id="{A4216E3A-DCF0-DD43-3038-3A65C4D0FEB8}"/>
+              </a:ext>
+            </a:extLst>
+          </p:cNvPr>
+          <p:cNvPicPr>
+            <a:picLocks noChangeAspect="1"/>
+          </p:cNvPicPr>
+          <p:nvPr/>
+        </p:nvPicPr>
+        <p:blipFill>
+          <a:blip r:embed="rId5">
+            <a:extLst>
+              <a:ext uri="{28A0092B-C50C-407E-A947-70E740481C1C}">
+                <a14:useLocalDpi xmlns:a14="http://schemas.microsoft.com/office/drawing/2010/main" val="0"/>
+              </a:ext>
+            </a:extLst>
+          </a:blip>
+          <a:stretch>
+            <a:fillRect/>
+          </a:stretch>
+        </p:blipFill>
+        <p:spPr>
+          <a:xfrm rot="19900417">
+            <a:off x="7442200" y="4270570"/>
+            <a:ext cx="3556000" cy="3556000"/>
+          </a:xfrm>
+          <a:prstGeom prst="rect">
+            <a:avLst/>
+          </a:prstGeom>
+        </p:spPr>
+      </p:pic>
+      <p:pic>
+        <p:nvPicPr>
+          <p:cNvPr id="41" name="図 40">
+            <a:extLst>
+              <a:ext uri="{FF2B5EF4-FFF2-40B4-BE49-F238E27FC236}">
+                <a16:creationId xmlns:a16="http://schemas.microsoft.com/office/drawing/2014/main" id="{344EBAC3-9B32-D369-E1DE-060F95B2DB40}"/>
+              </a:ext>
+            </a:extLst>
+          </p:cNvPr>
+          <p:cNvPicPr>
+            <a:picLocks noChangeAspect="1"/>
+          </p:cNvPicPr>
+          <p:nvPr/>
+        </p:nvPicPr>
+        <p:blipFill>
+          <a:blip r:embed="rId6">
+            <a:extLst>
+              <a:ext uri="{28A0092B-C50C-407E-A947-70E740481C1C}">
+                <a14:useLocalDpi xmlns:a14="http://schemas.microsoft.com/office/drawing/2010/main" val="0"/>
+              </a:ext>
+            </a:extLst>
+          </a:blip>
+          <a:stretch>
+            <a:fillRect/>
+          </a:stretch>
+        </p:blipFill>
+        <p:spPr>
+          <a:xfrm rot="20730812">
+            <a:off x="4245285" y="-255734"/>
+            <a:ext cx="2624667" cy="2624667"/>
+          </a:xfrm>
+          <a:prstGeom prst="rect">
+            <a:avLst/>
+          </a:prstGeom>
+        </p:spPr>
+      </p:pic>
+      <p:pic>
+        <p:nvPicPr>
+          <p:cNvPr id="42" name="図 41">
+            <a:extLst>
+              <a:ext uri="{FF2B5EF4-FFF2-40B4-BE49-F238E27FC236}">
+                <a16:creationId xmlns:a16="http://schemas.microsoft.com/office/drawing/2014/main" id="{00E94FB0-F6E0-EA01-6B9E-26DDED355DCA}"/>
+              </a:ext>
+            </a:extLst>
+          </p:cNvPr>
+          <p:cNvPicPr>
+            <a:picLocks noChangeAspect="1"/>
+          </p:cNvPicPr>
+          <p:nvPr/>
+        </p:nvPicPr>
+        <p:blipFill>
+          <a:blip r:embed="rId4">
+            <a:extLst>
+              <a:ext uri="{28A0092B-C50C-407E-A947-70E740481C1C}">
+                <a14:useLocalDpi xmlns:a14="http://schemas.microsoft.com/office/drawing/2010/main" val="0"/>
+              </a:ext>
+            </a:extLst>
+          </a:blip>
+          <a:stretch>
+            <a:fillRect/>
+          </a:stretch>
+        </p:blipFill>
+        <p:spPr>
+          <a:xfrm rot="15098910">
+            <a:off x="-709661" y="2973506"/>
+            <a:ext cx="4844384" cy="4844384"/>
+          </a:xfrm>
+          <a:prstGeom prst="rect">
+            <a:avLst/>
+          </a:prstGeom>
+        </p:spPr>
+      </p:pic>
+      <p:pic>
+        <p:nvPicPr>
+          <p:cNvPr id="44" name="図 43">
+            <a:extLst>
+              <a:ext uri="{FF2B5EF4-FFF2-40B4-BE49-F238E27FC236}">
+                <a16:creationId xmlns:a16="http://schemas.microsoft.com/office/drawing/2014/main" id="{8123204F-6553-62EA-9464-1DADC4AB719E}"/>
+              </a:ext>
+            </a:extLst>
+          </p:cNvPr>
+          <p:cNvPicPr>
+            <a:picLocks noChangeAspect="1"/>
+          </p:cNvPicPr>
+          <p:nvPr/>
+        </p:nvPicPr>
+        <p:blipFill>
+          <a:blip r:embed="rId7">
+            <a:extLst>
+              <a:ext uri="{28A0092B-C50C-407E-A947-70E740481C1C}">
+                <a14:useLocalDpi xmlns:a14="http://schemas.microsoft.com/office/drawing/2010/main" val="0"/>
+              </a:ext>
+            </a:extLst>
+          </a:blip>
+          <a:stretch>
+            <a:fillRect/>
+          </a:stretch>
+        </p:blipFill>
+        <p:spPr>
+          <a:xfrm rot="16967867">
+            <a:off x="985548" y="-1127129"/>
+            <a:ext cx="3310467" cy="3310467"/>
+          </a:xfrm>
+          <a:prstGeom prst="rect">
+            <a:avLst/>
+          </a:prstGeom>
+        </p:spPr>
+      </p:pic>
+      <p:pic>
+        <p:nvPicPr>
+          <p:cNvPr id="46" name="図 45">
+            <a:extLst>
+              <a:ext uri="{FF2B5EF4-FFF2-40B4-BE49-F238E27FC236}">
+                <a16:creationId xmlns:a16="http://schemas.microsoft.com/office/drawing/2014/main" id="{5BBB080A-19F8-C474-BE84-21AACD0B0A09}"/>
+              </a:ext>
+            </a:extLst>
+          </p:cNvPr>
+          <p:cNvPicPr>
+            <a:picLocks noChangeAspect="1"/>
+          </p:cNvPicPr>
+          <p:nvPr/>
+        </p:nvPicPr>
+        <p:blipFill>
+          <a:blip r:embed="rId8">
+            <a:extLst>
+              <a:ext uri="{28A0092B-C50C-407E-A947-70E740481C1C}">
+                <a14:useLocalDpi xmlns:a14="http://schemas.microsoft.com/office/drawing/2010/main" val="0"/>
+              </a:ext>
+            </a:extLst>
+          </a:blip>
+          <a:stretch>
+            <a:fillRect/>
+          </a:stretch>
+        </p:blipFill>
+        <p:spPr>
+          <a:xfrm rot="7186030">
+            <a:off x="10315671" y="-859806"/>
+            <a:ext cx="2626556" cy="2626556"/>
+          </a:xfrm>
+          <a:prstGeom prst="rect">
+            <a:avLst/>
+          </a:prstGeom>
+        </p:spPr>
+      </p:pic>
+      <p:sp>
+        <p:nvSpPr>
+          <p:cNvPr id="47" name="楕円 46">
+            <a:extLst>
+              <a:ext uri="{FF2B5EF4-FFF2-40B4-BE49-F238E27FC236}">
+                <a16:creationId xmlns:a16="http://schemas.microsoft.com/office/drawing/2014/main" id="{A3E7D2DE-7C4C-2328-4078-4337B7E825C6}"/>
+              </a:ext>
+            </a:extLst>
+          </p:cNvPr>
+          <p:cNvSpPr/>
+          <p:nvPr/>
+        </p:nvSpPr>
+        <p:spPr>
+          <a:xfrm>
+            <a:off x="4581953" y="2736979"/>
+            <a:ext cx="79190" cy="79190"/>
+          </a:xfrm>
+          <a:prstGeom prst="ellipse">
+            <a:avLst/>
+          </a:prstGeom>
+          <a:solidFill>
+            <a:srgbClr val="FFFFFF"/>
+          </a:solidFill>
+          <a:ln>
+            <a:noFill/>
+          </a:ln>
+        </p:spPr>
+        <p:style>
+          <a:lnRef idx="2">
+            <a:schemeClr val="accent1">
+              <a:shade val="15000"/>
+            </a:schemeClr>
+          </a:lnRef>
+          <a:fillRef idx="1">
+            <a:schemeClr val="accent1"/>
+          </a:fillRef>
+          <a:effectRef idx="0">
+            <a:schemeClr val="accent1"/>
+          </a:effectRef>
+          <a:fontRef idx="minor">
+            <a:schemeClr val="lt1"/>
+          </a:fontRef>
+        </p:style>
+        <p:txBody>
+          <a:bodyPr rtlCol="0" anchor="ctr"/>
+          <a:lstStyle/>
+          <a:p>
+            <a:pPr algn="ctr"/>
+            <a:endParaRPr kumimoji="1" lang="ja-JP" altLang="en-US"/>
+          </a:p>
+        </p:txBody>
+      </p:sp>
+      <p:sp>
+        <p:nvSpPr>
+          <p:cNvPr id="48" name="楕円 47">
+            <a:extLst>
+              <a:ext uri="{FF2B5EF4-FFF2-40B4-BE49-F238E27FC236}">
+                <a16:creationId xmlns:a16="http://schemas.microsoft.com/office/drawing/2014/main" id="{D6B5AD3D-F307-E368-5D85-D0CCE4A660C3}"/>
+              </a:ext>
+            </a:extLst>
+          </p:cNvPr>
+          <p:cNvSpPr/>
+          <p:nvPr/>
+        </p:nvSpPr>
+        <p:spPr>
+          <a:xfrm>
+            <a:off x="997437" y="1798667"/>
+            <a:ext cx="79190" cy="79190"/>
+          </a:xfrm>
+          <a:prstGeom prst="ellipse">
+            <a:avLst/>
+          </a:prstGeom>
+          <a:solidFill>
+            <a:srgbClr val="FFFFFF"/>
+          </a:solidFill>
+          <a:ln>
+            <a:noFill/>
+          </a:ln>
+        </p:spPr>
+        <p:style>
+          <a:lnRef idx="2">
+            <a:schemeClr val="accent1">
+              <a:shade val="15000"/>
+            </a:schemeClr>
+          </a:lnRef>
+          <a:fillRef idx="1">
+            <a:schemeClr val="accent1"/>
+          </a:fillRef>
+          <a:effectRef idx="0">
+            <a:schemeClr val="accent1"/>
+          </a:effectRef>
+          <a:fontRef idx="minor">
+            <a:schemeClr val="lt1"/>
+          </a:fontRef>
+        </p:style>
+        <p:txBody>
+          <a:bodyPr rtlCol="0" anchor="ctr"/>
+          <a:lstStyle/>
+          <a:p>
+            <a:pPr algn="ctr"/>
+            <a:endParaRPr kumimoji="1" lang="ja-JP" altLang="en-US"/>
+          </a:p>
+        </p:txBody>
+      </p:sp>
+      <p:sp>
+        <p:nvSpPr>
+          <p:cNvPr id="49" name="楕円 48">
+            <a:extLst>
+              <a:ext uri="{FF2B5EF4-FFF2-40B4-BE49-F238E27FC236}">
+                <a16:creationId xmlns:a16="http://schemas.microsoft.com/office/drawing/2014/main" id="{6A362AC3-CE59-142E-89B1-E1CD760AE8A7}"/>
+              </a:ext>
+            </a:extLst>
+          </p:cNvPr>
+          <p:cNvSpPr/>
+          <p:nvPr/>
+        </p:nvSpPr>
+        <p:spPr>
+          <a:xfrm>
+            <a:off x="10182670" y="2176228"/>
+            <a:ext cx="79190" cy="79190"/>
+          </a:xfrm>
+          <a:prstGeom prst="ellipse">
+            <a:avLst/>
+          </a:prstGeom>
+          <a:solidFill>
+            <a:srgbClr val="FFFFFF"/>
+          </a:solidFill>
+          <a:ln>
+            <a:noFill/>
+          </a:ln>
+        </p:spPr>
+        <p:style>
+          <a:lnRef idx="2">
+            <a:schemeClr val="accent1">
+              <a:shade val="15000"/>
+            </a:schemeClr>
+          </a:lnRef>
+          <a:fillRef idx="1">
+            <a:schemeClr val="accent1"/>
+          </a:fillRef>
+          <a:effectRef idx="0">
+            <a:schemeClr val="accent1"/>
+          </a:effectRef>
+          <a:fontRef idx="minor">
+            <a:schemeClr val="lt1"/>
+          </a:fontRef>
+        </p:style>
+        <p:txBody>
+          <a:bodyPr rtlCol="0" anchor="ctr"/>
+          <a:lstStyle/>
+          <a:p>
+            <a:pPr algn="ctr"/>
+            <a:endParaRPr kumimoji="1" lang="ja-JP" altLang="en-US"/>
+          </a:p>
+        </p:txBody>
+      </p:sp>
+      <p:sp>
+        <p:nvSpPr>
+          <p:cNvPr id="50" name="楕円 49">
+            <a:extLst>
+              <a:ext uri="{FF2B5EF4-FFF2-40B4-BE49-F238E27FC236}">
+                <a16:creationId xmlns:a16="http://schemas.microsoft.com/office/drawing/2014/main" id="{A63F8403-8CA7-8EE1-0496-86E2E258B654}"/>
+              </a:ext>
+            </a:extLst>
+          </p:cNvPr>
+          <p:cNvSpPr/>
+          <p:nvPr/>
+        </p:nvSpPr>
+        <p:spPr>
+          <a:xfrm>
+            <a:off x="11549759" y="5403278"/>
+            <a:ext cx="79190" cy="79190"/>
+          </a:xfrm>
+          <a:prstGeom prst="ellipse">
+            <a:avLst/>
+          </a:prstGeom>
+          <a:solidFill>
+            <a:srgbClr val="FFFFFF"/>
+          </a:solidFill>
+          <a:ln>
+            <a:noFill/>
+          </a:ln>
+        </p:spPr>
+        <p:style>
+          <a:lnRef idx="2">
+            <a:schemeClr val="accent1">
+              <a:shade val="15000"/>
+            </a:schemeClr>
+          </a:lnRef>
+          <a:fillRef idx="1">
+            <a:schemeClr val="accent1"/>
+          </a:fillRef>
+          <a:effectRef idx="0">
+            <a:schemeClr val="accent1"/>
+          </a:effectRef>
+          <a:fontRef idx="minor">
+            <a:schemeClr val="lt1"/>
+          </a:fontRef>
+        </p:style>
+        <p:txBody>
+          <a:bodyPr rtlCol="0" anchor="ctr"/>
+          <a:lstStyle/>
+          <a:p>
+            <a:pPr algn="ctr"/>
+            <a:endParaRPr kumimoji="1" lang="ja-JP" altLang="en-US"/>
+          </a:p>
+        </p:txBody>
+      </p:sp>
+      <p:sp>
+        <p:nvSpPr>
+          <p:cNvPr id="51" name="楕円 50">
+            <a:extLst>
+              <a:ext uri="{FF2B5EF4-FFF2-40B4-BE49-F238E27FC236}">
+                <a16:creationId xmlns:a16="http://schemas.microsoft.com/office/drawing/2014/main" id="{4FD619FB-8758-5E7F-D889-50450572BDB2}"/>
+              </a:ext>
+            </a:extLst>
+          </p:cNvPr>
+          <p:cNvSpPr/>
+          <p:nvPr/>
+        </p:nvSpPr>
+        <p:spPr>
+          <a:xfrm>
+            <a:off x="7540964" y="611326"/>
+            <a:ext cx="79190" cy="79190"/>
+          </a:xfrm>
+          <a:prstGeom prst="ellipse">
+            <a:avLst/>
+          </a:prstGeom>
+          <a:solidFill>
+            <a:srgbClr val="FFFFFF"/>
+          </a:solidFill>
+          <a:ln>
+            <a:noFill/>
+          </a:ln>
+        </p:spPr>
+        <p:style>
+          <a:lnRef idx="2">
+            <a:schemeClr val="accent1">
+              <a:shade val="15000"/>
+            </a:schemeClr>
+          </a:lnRef>
+          <a:fillRef idx="1">
+            <a:schemeClr val="accent1"/>
+          </a:fillRef>
+          <a:effectRef idx="0">
+            <a:schemeClr val="accent1"/>
+          </a:effectRef>
+          <a:fontRef idx="minor">
+            <a:schemeClr val="lt1"/>
+          </a:fontRef>
+        </p:style>
+        <p:txBody>
+          <a:bodyPr rtlCol="0" anchor="ctr"/>
+          <a:lstStyle/>
+          <a:p>
+            <a:pPr algn="ctr"/>
+            <a:endParaRPr kumimoji="1" lang="ja-JP" altLang="en-US"/>
+          </a:p>
+        </p:txBody>
+      </p:sp>
+      <p:sp>
+        <p:nvSpPr>
+          <p:cNvPr id="52" name="楕円 51">
+            <a:extLst>
+              <a:ext uri="{FF2B5EF4-FFF2-40B4-BE49-F238E27FC236}">
+                <a16:creationId xmlns:a16="http://schemas.microsoft.com/office/drawing/2014/main" id="{A102DA1F-E99C-166E-2A92-6F1F9EC1E6EA}"/>
+              </a:ext>
+            </a:extLst>
+          </p:cNvPr>
+          <p:cNvSpPr/>
+          <p:nvPr/>
+        </p:nvSpPr>
+        <p:spPr>
+          <a:xfrm>
+            <a:off x="5753207" y="5784459"/>
+            <a:ext cx="79190" cy="79190"/>
+          </a:xfrm>
+          <a:prstGeom prst="ellipse">
+            <a:avLst/>
+          </a:prstGeom>
+          <a:solidFill>
+            <a:srgbClr val="FFFFFF"/>
+          </a:solidFill>
+          <a:ln>
+            <a:noFill/>
+          </a:ln>
+        </p:spPr>
+        <p:style>
+          <a:lnRef idx="2">
+            <a:schemeClr val="accent1">
+              <a:shade val="15000"/>
+            </a:schemeClr>
+          </a:lnRef>
+          <a:fillRef idx="1">
+            <a:schemeClr val="accent1"/>
+          </a:fillRef>
+          <a:effectRef idx="0">
+            <a:schemeClr val="accent1"/>
+          </a:effectRef>
+          <a:fontRef idx="minor">
+            <a:schemeClr val="lt1"/>
+          </a:fontRef>
+        </p:style>
+        <p:txBody>
+          <a:bodyPr rtlCol="0" anchor="ctr"/>
+          <a:lstStyle/>
+          <a:p>
+            <a:pPr algn="ctr"/>
+            <a:endParaRPr kumimoji="1" lang="ja-JP" altLang="en-US"/>
+          </a:p>
+        </p:txBody>
+      </p:sp>
     </p:spTree>
     <p:extLst>
       <p:ext uri="{BB962C8B-B14F-4D97-AF65-F5344CB8AC3E}">
@@ -4398,9 +4947,17 @@
 </p:sld>
 </file>
 
-<file path=ppt/slides/slide6.xml><?xml version="1.0" encoding="utf-8"?>
+<file path=ppt/slides/slide5.xml><?xml version="1.0" encoding="utf-8"?>
 <p:sld xmlns:a="http://schemas.openxmlformats.org/drawingml/2006/main" xmlns:r="http://schemas.openxmlformats.org/officeDocument/2006/relationships" xmlns:p="http://schemas.openxmlformats.org/presentationml/2006/main">
   <p:cSld>
+    <p:bg>
+      <p:bgPr>
+        <a:solidFill>
+          <a:srgbClr val="111519"/>
+        </a:solidFill>
+        <a:effectLst/>
+      </p:bgPr>
+    </p:bg>
     <p:spTree>
       <p:nvGrpSpPr>
         <p:cNvPr id="1" name=""/>
@@ -4445,6 +5002,9 @@
           <a:p>
             <a:r>
               <a:rPr kumimoji="1" lang="ja-JP" altLang="en-US" sz="2400" spc="400" dirty="0">
+                <a:solidFill>
+                  <a:srgbClr val="EAEAEA"/>
+                </a:solidFill>
                 <a:latin typeface="Noto Sans JP Medium" panose="020B0600000000000000" pitchFamily="34" charset="-128"/>
                 <a:ea typeface="Noto Sans JP Medium" panose="020B0600000000000000" pitchFamily="34" charset="-128"/>
               </a:rPr>
@@ -4483,6 +5043,9 @@
           <a:p>
             <a:r>
               <a:rPr lang="en-US" altLang="ja-JP" sz="1400" spc="150" dirty="0">
+                <a:solidFill>
+                  <a:srgbClr val="EAEAEA"/>
+                </a:solidFill>
                 <a:latin typeface="Lato" panose="020F0502020204030203" pitchFamily="34" charset="0"/>
                 <a:ea typeface="Noto Serif JP Medium" panose="02020200000000000000" pitchFamily="18" charset="-128"/>
                 <a:cs typeface="Times New Roman" panose="02020603050405020304" pitchFamily="18" charset="0"/>
@@ -4490,6 +5053,9 @@
               <a:t>Page Summary</a:t>
             </a:r>
             <a:endParaRPr kumimoji="1" lang="ja-JP" altLang="en-US" sz="1400" spc="150" dirty="0">
+              <a:solidFill>
+                <a:srgbClr val="EAEAEA"/>
+              </a:solidFill>
               <a:latin typeface="Lato" panose="020F0502020204030203" pitchFamily="34" charset="0"/>
               <a:ea typeface="Noto Serif JP Medium" panose="02020200000000000000" pitchFamily="18" charset="-128"/>
               <a:cs typeface="Times New Roman" panose="02020603050405020304" pitchFamily="18" charset="0"/>
@@ -4646,9 +5212,17 @@
 </p:sld>
 </file>
 
-<file path=ppt/slides/slide7.xml><?xml version="1.0" encoding="utf-8"?>
+<file path=ppt/slides/slide6.xml><?xml version="1.0" encoding="utf-8"?>
 <p:sld xmlns:a="http://schemas.openxmlformats.org/drawingml/2006/main" xmlns:r="http://schemas.openxmlformats.org/officeDocument/2006/relationships" xmlns:p="http://schemas.openxmlformats.org/presentationml/2006/main">
   <p:cSld>
+    <p:bg>
+      <p:bgPr>
+        <a:solidFill>
+          <a:srgbClr val="111519"/>
+        </a:solidFill>
+        <a:effectLst/>
+      </p:bgPr>
+    </p:bg>
     <p:spTree>
       <p:nvGrpSpPr>
         <p:cNvPr id="1" name=""/>
@@ -4823,7 +5397,7 @@
           </p:blipFill>
           <p:spPr>
             <a:xfrm>
-              <a:off x="1788203" y="3998373"/>
+              <a:off x="1788203" y="4015569"/>
               <a:ext cx="914400" cy="914400"/>
             </a:xfrm>
             <a:prstGeom prst="rect">
@@ -4935,7 +5509,7 @@
           </p:blipFill>
           <p:spPr>
             <a:xfrm>
-              <a:off x="4436153" y="4226973"/>
+              <a:off x="4436153" y="4282853"/>
               <a:ext cx="914400" cy="914400"/>
             </a:xfrm>
             <a:prstGeom prst="rect">
@@ -5109,8 +5683,8 @@
         </p:nvSpPr>
         <p:spPr>
           <a:xfrm>
-            <a:off x="2996843" y="952305"/>
-            <a:ext cx="7725192" cy="830997"/>
+            <a:off x="2996843" y="800180"/>
+            <a:ext cx="7446269" cy="1135247"/>
           </a:xfrm>
           <a:prstGeom prst="rect">
             <a:avLst/>
@@ -5123,28 +5697,50 @@
           </a:bodyPr>
           <a:lstStyle/>
           <a:p>
-            <a:r>
-              <a:rPr kumimoji="1" lang="en-US" altLang="ja-JP" sz="2400" spc="400" dirty="0">
+            <a:pPr>
+              <a:lnSpc>
+                <a:spcPct val="150000"/>
+              </a:lnSpc>
+            </a:pPr>
+            <a:r>
+              <a:rPr kumimoji="1" lang="en-US" altLang="ja-JP" sz="2400" spc="300" dirty="0">
+                <a:solidFill>
+                  <a:srgbClr val="EAEAEA"/>
+                </a:solidFill>
                 <a:latin typeface="Noto Sans JP Medium" panose="020B0600000000000000" pitchFamily="34" charset="-128"/>
                 <a:ea typeface="Noto Sans JP Medium" panose="020B0600000000000000" pitchFamily="34" charset="-128"/>
               </a:rPr>
               <a:t>NASA</a:t>
             </a:r>
             <a:r>
-              <a:rPr kumimoji="1" lang="ja-JP" altLang="en-US" sz="2400" spc="400" dirty="0">
+              <a:rPr kumimoji="1" lang="ja-JP" altLang="en-US" sz="2400" spc="300" dirty="0">
+                <a:solidFill>
+                  <a:srgbClr val="EAEAEA"/>
+                </a:solidFill>
                 <a:latin typeface="Noto Sans JP Medium" panose="020B0600000000000000" pitchFamily="34" charset="-128"/>
                 <a:ea typeface="Noto Sans JP Medium" panose="020B0600000000000000" pitchFamily="34" charset="-128"/>
               </a:rPr>
               <a:t>の観測した太陽系外天体データから</a:t>
             </a:r>
-            <a:endParaRPr kumimoji="1" lang="en-US" altLang="ja-JP" sz="2400" spc="400" dirty="0">
+            <a:endParaRPr kumimoji="1" lang="en-US" altLang="ja-JP" sz="2400" spc="300" dirty="0">
+              <a:solidFill>
+                <a:srgbClr val="EAEAEA"/>
+              </a:solidFill>
               <a:latin typeface="Noto Sans JP Medium" panose="020B0600000000000000" pitchFamily="34" charset="-128"/>
               <a:ea typeface="Noto Sans JP Medium" panose="020B0600000000000000" pitchFamily="34" charset="-128"/>
             </a:endParaRPr>
           </a:p>
           <a:p>
-            <a:r>
-              <a:rPr kumimoji="1" lang="ja-JP" altLang="en-US" sz="2400" spc="400" dirty="0">
+            <a:pPr>
+              <a:lnSpc>
+                <a:spcPct val="150000"/>
+              </a:lnSpc>
+            </a:pPr>
+            <a:r>
+              <a:rPr kumimoji="1" lang="ja-JP" altLang="en-US" sz="2400" spc="300" dirty="0">
+                <a:solidFill>
+                  <a:srgbClr val="EAEAEA"/>
+                </a:solidFill>
                 <a:latin typeface="Noto Sans JP Medium" panose="020B0600000000000000" pitchFamily="34" charset="-128"/>
                 <a:ea typeface="Noto Sans JP Medium" panose="020B0600000000000000" pitchFamily="34" charset="-128"/>
               </a:rPr>
@@ -5167,8 +5763,8 @@
         </p:nvSpPr>
         <p:spPr>
           <a:xfrm>
-            <a:off x="3777893" y="3013501"/>
-            <a:ext cx="7007046" cy="830997"/>
+            <a:off x="3777893" y="2861376"/>
+            <a:ext cx="6740948" cy="1135247"/>
           </a:xfrm>
           <a:prstGeom prst="rect">
             <a:avLst/>
@@ -5181,21 +5777,40 @@
           </a:bodyPr>
           <a:lstStyle/>
           <a:p>
-            <a:r>
-              <a:rPr kumimoji="1" lang="ja-JP" altLang="en-US" sz="2400" spc="400" dirty="0">
+            <a:pPr>
+              <a:lnSpc>
+                <a:spcPct val="150000"/>
+              </a:lnSpc>
+            </a:pPr>
+            <a:r>
+              <a:rPr kumimoji="1" lang="ja-JP" altLang="en-US" sz="2400" spc="300" dirty="0">
+                <a:solidFill>
+                  <a:srgbClr val="EAEAEA"/>
+                </a:solidFill>
                 <a:latin typeface="Noto Sans JP Medium" panose="020B0600000000000000" pitchFamily="34" charset="-128"/>
                 <a:ea typeface="Noto Sans JP Medium" panose="020B0600000000000000" pitchFamily="34" charset="-128"/>
               </a:rPr>
               <a:t>天球に見られる星々をユーザーがつなぎ、</a:t>
             </a:r>
-            <a:endParaRPr kumimoji="1" lang="en-US" altLang="ja-JP" sz="2400" spc="400" dirty="0">
+            <a:endParaRPr kumimoji="1" lang="en-US" altLang="ja-JP" sz="2400" spc="300" dirty="0">
+              <a:solidFill>
+                <a:srgbClr val="EAEAEA"/>
+              </a:solidFill>
               <a:latin typeface="Noto Sans JP Medium" panose="020B0600000000000000" pitchFamily="34" charset="-128"/>
               <a:ea typeface="Noto Sans JP Medium" panose="020B0600000000000000" pitchFamily="34" charset="-128"/>
             </a:endParaRPr>
           </a:p>
           <a:p>
-            <a:r>
-              <a:rPr kumimoji="1" lang="ja-JP" altLang="en-US" sz="2400" spc="400" dirty="0">
+            <a:pPr>
+              <a:lnSpc>
+                <a:spcPct val="150000"/>
+              </a:lnSpc>
+            </a:pPr>
+            <a:r>
+              <a:rPr kumimoji="1" lang="ja-JP" altLang="en-US" sz="2400" spc="300" dirty="0">
+                <a:solidFill>
+                  <a:srgbClr val="EAEAEA"/>
+                </a:solidFill>
                 <a:latin typeface="Noto Sans JP Medium" panose="020B0600000000000000" pitchFamily="34" charset="-128"/>
                 <a:ea typeface="Noto Sans JP Medium" panose="020B0600000000000000" pitchFamily="34" charset="-128"/>
               </a:rPr>
@@ -5218,8 +5833,8 @@
         </p:nvSpPr>
         <p:spPr>
           <a:xfrm>
-            <a:off x="2996843" y="5116399"/>
-            <a:ext cx="8084264" cy="830997"/>
+            <a:off x="2996843" y="4964274"/>
+            <a:ext cx="7773282" cy="1135247"/>
           </a:xfrm>
           <a:prstGeom prst="rect">
             <a:avLst/>
@@ -5232,21 +5847,40 @@
           </a:bodyPr>
           <a:lstStyle/>
           <a:p>
-            <a:r>
-              <a:rPr kumimoji="1" lang="ja-JP" altLang="en-US" sz="2400" spc="400" dirty="0">
+            <a:pPr>
+              <a:lnSpc>
+                <a:spcPct val="150000"/>
+              </a:lnSpc>
+            </a:pPr>
+            <a:r>
+              <a:rPr kumimoji="1" lang="ja-JP" altLang="en-US" sz="2400" spc="300" dirty="0">
+                <a:solidFill>
+                  <a:srgbClr val="EAEAEA"/>
+                </a:solidFill>
                 <a:latin typeface="Noto Sans JP Medium" panose="020B0600000000000000" pitchFamily="34" charset="-128"/>
                 <a:ea typeface="Noto Sans JP Medium" panose="020B0600000000000000" pitchFamily="34" charset="-128"/>
               </a:rPr>
-              <a:t>創った星座がインターネット上で交流できる</a:t>
-            </a:r>
-            <a:endParaRPr kumimoji="1" lang="en-US" altLang="ja-JP" sz="2400" spc="400" dirty="0">
+              <a:t>創った星座でインターネット上で交流できる</a:t>
+            </a:r>
+            <a:endParaRPr kumimoji="1" lang="en-US" altLang="ja-JP" sz="2400" spc="300" dirty="0">
+              <a:solidFill>
+                <a:srgbClr val="EAEAEA"/>
+              </a:solidFill>
               <a:latin typeface="Noto Sans JP Medium" panose="020B0600000000000000" pitchFamily="34" charset="-128"/>
               <a:ea typeface="Noto Sans JP Medium" panose="020B0600000000000000" pitchFamily="34" charset="-128"/>
             </a:endParaRPr>
           </a:p>
           <a:p>
-            <a:r>
-              <a:rPr kumimoji="1" lang="ja-JP" altLang="en-US" sz="2400" spc="400" dirty="0">
+            <a:pPr>
+              <a:lnSpc>
+                <a:spcPct val="150000"/>
+              </a:lnSpc>
+            </a:pPr>
+            <a:r>
+              <a:rPr kumimoji="1" lang="ja-JP" altLang="en-US" sz="2400" spc="300" dirty="0">
+                <a:solidFill>
+                  <a:srgbClr val="EAEAEA"/>
+                </a:solidFill>
                 <a:latin typeface="Noto Sans JP Medium" panose="020B0600000000000000" pitchFamily="34" charset="-128"/>
                 <a:ea typeface="Noto Sans JP Medium" panose="020B0600000000000000" pitchFamily="34" charset="-128"/>
               </a:rPr>
@@ -5259,6 +5893,1080 @@
     <p:extLst>
       <p:ext uri="{BB962C8B-B14F-4D97-AF65-F5344CB8AC3E}">
         <p14:creationId xmlns:p14="http://schemas.microsoft.com/office/powerpoint/2010/main" val="3188460087"/>
+      </p:ext>
+    </p:extLst>
+  </p:cSld>
+  <p:clrMapOvr>
+    <a:masterClrMapping/>
+  </p:clrMapOvr>
+</p:sld>
+</file>
+
+<file path=ppt/slides/slide7.xml><?xml version="1.0" encoding="utf-8"?>
+<p:sld xmlns:a="http://schemas.openxmlformats.org/drawingml/2006/main" xmlns:r="http://schemas.openxmlformats.org/officeDocument/2006/relationships" xmlns:p="http://schemas.openxmlformats.org/presentationml/2006/main">
+  <p:cSld>
+    <p:bg>
+      <p:bgPr>
+        <a:solidFill>
+          <a:srgbClr val="111519"/>
+        </a:solidFill>
+        <a:effectLst/>
+      </p:bgPr>
+    </p:bg>
+    <p:spTree>
+      <p:nvGrpSpPr>
+        <p:cNvPr id="1" name=""/>
+        <p:cNvGrpSpPr/>
+        <p:nvPr/>
+      </p:nvGrpSpPr>
+      <p:grpSpPr>
+        <a:xfrm>
+          <a:off x="0" y="0"/>
+          <a:ext cx="0" cy="0"/>
+          <a:chOff x="0" y="0"/>
+          <a:chExt cx="0" cy="0"/>
+        </a:xfrm>
+      </p:grpSpPr>
+      <p:sp>
+        <p:nvSpPr>
+          <p:cNvPr id="6" name="テキスト ボックス 5">
+            <a:extLst>
+              <a:ext uri="{FF2B5EF4-FFF2-40B4-BE49-F238E27FC236}">
+                <a16:creationId xmlns:a16="http://schemas.microsoft.com/office/drawing/2014/main" id="{2ABCC143-DA02-25B1-A5E0-D8F389DB2D19}"/>
+              </a:ext>
+            </a:extLst>
+          </p:cNvPr>
+          <p:cNvSpPr txBox="1"/>
+          <p:nvPr/>
+        </p:nvSpPr>
+        <p:spPr>
+          <a:xfrm>
+            <a:off x="574766" y="3198164"/>
+            <a:ext cx="1980029" cy="461665"/>
+          </a:xfrm>
+          <a:prstGeom prst="rect">
+            <a:avLst/>
+          </a:prstGeom>
+          <a:noFill/>
+        </p:spPr>
+        <p:txBody>
+          <a:bodyPr wrap="none" rtlCol="0">
+            <a:spAutoFit/>
+          </a:bodyPr>
+          <a:lstStyle/>
+          <a:p>
+            <a:r>
+              <a:rPr kumimoji="1" lang="ja-JP" altLang="en-US" sz="2400" spc="400" dirty="0">
+                <a:solidFill>
+                  <a:srgbClr val="EAEAEA"/>
+                </a:solidFill>
+                <a:latin typeface="Noto Sans JP Medium" panose="020B0600000000000000" pitchFamily="34" charset="-128"/>
+                <a:ea typeface="Noto Sans JP Medium" panose="020B0600000000000000" pitchFamily="34" charset="-128"/>
+              </a:rPr>
+              <a:t>今後の展望</a:t>
+            </a:r>
+          </a:p>
+        </p:txBody>
+      </p:sp>
+      <p:sp>
+        <p:nvSpPr>
+          <p:cNvPr id="7" name="テキスト ボックス 6">
+            <a:extLst>
+              <a:ext uri="{FF2B5EF4-FFF2-40B4-BE49-F238E27FC236}">
+                <a16:creationId xmlns:a16="http://schemas.microsoft.com/office/drawing/2014/main" id="{C1D466D7-236C-D40F-7A6D-6E50F7DB199C}"/>
+              </a:ext>
+            </a:extLst>
+          </p:cNvPr>
+          <p:cNvSpPr txBox="1"/>
+          <p:nvPr/>
+        </p:nvSpPr>
+        <p:spPr>
+          <a:xfrm>
+            <a:off x="2554795" y="3273208"/>
+            <a:ext cx="1885453" cy="307777"/>
+          </a:xfrm>
+          <a:prstGeom prst="rect">
+            <a:avLst/>
+          </a:prstGeom>
+          <a:noFill/>
+        </p:spPr>
+        <p:txBody>
+          <a:bodyPr wrap="none" rtlCol="0" anchor="ctr">
+            <a:spAutoFit/>
+          </a:bodyPr>
+          <a:lstStyle/>
+          <a:p>
+            <a:r>
+              <a:rPr lang="en-US" altLang="ja-JP" sz="1400" spc="150" dirty="0">
+                <a:solidFill>
+                  <a:srgbClr val="EAEAEA"/>
+                </a:solidFill>
+                <a:latin typeface="Lato" panose="020F0502020204030203" pitchFamily="34" charset="0"/>
+                <a:ea typeface="Noto Serif JP Medium" panose="02020200000000000000" pitchFamily="18" charset="-128"/>
+                <a:cs typeface="Times New Roman" panose="02020603050405020304" pitchFamily="18" charset="0"/>
+              </a:rPr>
+              <a:t>Vision For Future</a:t>
+            </a:r>
+            <a:endParaRPr kumimoji="1" lang="ja-JP" altLang="en-US" sz="1400" spc="150" dirty="0">
+              <a:solidFill>
+                <a:srgbClr val="EAEAEA"/>
+              </a:solidFill>
+              <a:latin typeface="Lato" panose="020F0502020204030203" pitchFamily="34" charset="0"/>
+              <a:ea typeface="Noto Serif JP Medium" panose="02020200000000000000" pitchFamily="18" charset="-128"/>
+              <a:cs typeface="Times New Roman" panose="02020603050405020304" pitchFamily="18" charset="0"/>
+            </a:endParaRPr>
+          </a:p>
+        </p:txBody>
+      </p:sp>
+      <p:grpSp>
+        <p:nvGrpSpPr>
+          <p:cNvPr id="10" name="グループ化 9">
+            <a:extLst>
+              <a:ext uri="{FF2B5EF4-FFF2-40B4-BE49-F238E27FC236}">
+                <a16:creationId xmlns:a16="http://schemas.microsoft.com/office/drawing/2014/main" id="{8643C192-6C50-C8BD-7A0C-10DBC92F1E49}"/>
+              </a:ext>
+            </a:extLst>
+          </p:cNvPr>
+          <p:cNvGrpSpPr/>
+          <p:nvPr/>
+        </p:nvGrpSpPr>
+        <p:grpSpPr>
+          <a:xfrm>
+            <a:off x="4443963" y="3179079"/>
+            <a:ext cx="498566" cy="499831"/>
+            <a:chOff x="5523587" y="3179079"/>
+            <a:chExt cx="498566" cy="499831"/>
+          </a:xfrm>
+        </p:grpSpPr>
+        <p:cxnSp>
+          <p:nvCxnSpPr>
+            <p:cNvPr id="3" name="直線コネクタ 2">
+              <a:extLst>
+                <a:ext uri="{FF2B5EF4-FFF2-40B4-BE49-F238E27FC236}">
+                  <a16:creationId xmlns:a16="http://schemas.microsoft.com/office/drawing/2014/main" id="{5E66FD61-2CC0-1CA6-2496-1F2954ACA57B}"/>
+                </a:ext>
+              </a:extLst>
+            </p:cNvPr>
+            <p:cNvCxnSpPr/>
+            <p:nvPr/>
+          </p:nvCxnSpPr>
+          <p:spPr>
+            <a:xfrm flipH="1">
+              <a:off x="5523587" y="3179079"/>
+              <a:ext cx="498566" cy="498566"/>
+            </a:xfrm>
+            <a:prstGeom prst="line">
+              <a:avLst/>
+            </a:prstGeom>
+            <a:ln w="19050"/>
+          </p:spPr>
+          <p:style>
+            <a:lnRef idx="1">
+              <a:schemeClr val="accent1"/>
+            </a:lnRef>
+            <a:fillRef idx="0">
+              <a:schemeClr val="accent1"/>
+            </a:fillRef>
+            <a:effectRef idx="0">
+              <a:schemeClr val="accent1"/>
+            </a:effectRef>
+            <a:fontRef idx="minor">
+              <a:schemeClr val="tx1"/>
+            </a:fontRef>
+          </p:style>
+        </p:cxnSp>
+        <p:cxnSp>
+          <p:nvCxnSpPr>
+            <p:cNvPr id="4" name="直線コネクタ 3">
+              <a:extLst>
+                <a:ext uri="{FF2B5EF4-FFF2-40B4-BE49-F238E27FC236}">
+                  <a16:creationId xmlns:a16="http://schemas.microsoft.com/office/drawing/2014/main" id="{3AA7F1C2-799F-DE11-EFBA-3B5005CD6659}"/>
+                </a:ext>
+              </a:extLst>
+            </p:cNvPr>
+            <p:cNvCxnSpPr>
+              <a:cxnSpLocks/>
+            </p:cNvCxnSpPr>
+            <p:nvPr/>
+          </p:nvCxnSpPr>
+          <p:spPr>
+            <a:xfrm flipH="1">
+              <a:off x="5597434" y="3428362"/>
+              <a:ext cx="250548" cy="250548"/>
+            </a:xfrm>
+            <a:prstGeom prst="line">
+              <a:avLst/>
+            </a:prstGeom>
+            <a:ln w="19050"/>
+          </p:spPr>
+          <p:style>
+            <a:lnRef idx="1">
+              <a:schemeClr val="accent1"/>
+            </a:lnRef>
+            <a:fillRef idx="0">
+              <a:schemeClr val="accent1"/>
+            </a:fillRef>
+            <a:effectRef idx="0">
+              <a:schemeClr val="accent1"/>
+            </a:effectRef>
+            <a:fontRef idx="minor">
+              <a:schemeClr val="tx1"/>
+            </a:fontRef>
+          </p:style>
+        </p:cxnSp>
+        <p:cxnSp>
+          <p:nvCxnSpPr>
+            <p:cNvPr id="9" name="直線コネクタ 8">
+              <a:extLst>
+                <a:ext uri="{FF2B5EF4-FFF2-40B4-BE49-F238E27FC236}">
+                  <a16:creationId xmlns:a16="http://schemas.microsoft.com/office/drawing/2014/main" id="{F2DA689A-2E83-9B66-DBA5-94F7C25C5B68}"/>
+                </a:ext>
+              </a:extLst>
+            </p:cNvPr>
+            <p:cNvCxnSpPr>
+              <a:cxnSpLocks/>
+            </p:cNvCxnSpPr>
+            <p:nvPr/>
+          </p:nvCxnSpPr>
+          <p:spPr>
+            <a:xfrm flipH="1">
+              <a:off x="5671735" y="3427097"/>
+              <a:ext cx="250548" cy="250548"/>
+            </a:xfrm>
+            <a:prstGeom prst="line">
+              <a:avLst/>
+            </a:prstGeom>
+            <a:ln w="19050"/>
+          </p:spPr>
+          <p:style>
+            <a:lnRef idx="1">
+              <a:schemeClr val="accent1"/>
+            </a:lnRef>
+            <a:fillRef idx="0">
+              <a:schemeClr val="accent1"/>
+            </a:fillRef>
+            <a:effectRef idx="0">
+              <a:schemeClr val="accent1"/>
+            </a:effectRef>
+            <a:fontRef idx="minor">
+              <a:schemeClr val="tx1"/>
+            </a:fontRef>
+          </p:style>
+        </p:cxnSp>
+      </p:grpSp>
+    </p:spTree>
+    <p:extLst>
+      <p:ext uri="{BB962C8B-B14F-4D97-AF65-F5344CB8AC3E}">
+        <p14:creationId xmlns:p14="http://schemas.microsoft.com/office/powerpoint/2010/main" val="2902748822"/>
+      </p:ext>
+    </p:extLst>
+  </p:cSld>
+  <p:clrMapOvr>
+    <a:masterClrMapping/>
+  </p:clrMapOvr>
+</p:sld>
+</file>
+
+<file path=ppt/slides/slide8.xml><?xml version="1.0" encoding="utf-8"?>
+<p:sld xmlns:a="http://schemas.openxmlformats.org/drawingml/2006/main" xmlns:r="http://schemas.openxmlformats.org/officeDocument/2006/relationships" xmlns:p="http://schemas.openxmlformats.org/presentationml/2006/main">
+  <p:cSld>
+    <p:bg>
+      <p:bgPr>
+        <a:solidFill>
+          <a:srgbClr val="111519"/>
+        </a:solidFill>
+        <a:effectLst/>
+      </p:bgPr>
+    </p:bg>
+    <p:spTree>
+      <p:nvGrpSpPr>
+        <p:cNvPr id="1" name=""/>
+        <p:cNvGrpSpPr/>
+        <p:nvPr/>
+      </p:nvGrpSpPr>
+      <p:grpSpPr>
+        <a:xfrm>
+          <a:off x="0" y="0"/>
+          <a:ext cx="0" cy="0"/>
+          <a:chOff x="0" y="0"/>
+          <a:chExt cx="0" cy="0"/>
+        </a:xfrm>
+      </p:grpSpPr>
+      <p:sp>
+        <p:nvSpPr>
+          <p:cNvPr id="3" name="コンテンツ プレースホルダー 2">
+            <a:extLst>
+              <a:ext uri="{FF2B5EF4-FFF2-40B4-BE49-F238E27FC236}">
+                <a16:creationId xmlns:a16="http://schemas.microsoft.com/office/drawing/2014/main" id="{A0C13A31-2A70-8A8E-CD93-45E7D0479DC3}"/>
+              </a:ext>
+            </a:extLst>
+          </p:cNvPr>
+          <p:cNvSpPr>
+            <a:spLocks noGrp="1"/>
+          </p:cNvSpPr>
+          <p:nvPr>
+            <p:ph idx="1"/>
+          </p:nvPr>
+        </p:nvSpPr>
+        <p:spPr>
+          <a:xfrm>
+            <a:off x="4060149" y="1317744"/>
+            <a:ext cx="6985172" cy="1116174"/>
+          </a:xfrm>
+        </p:spPr>
+        <p:txBody>
+          <a:bodyPr>
+            <a:normAutofit lnSpcReduction="10000"/>
+          </a:bodyPr>
+          <a:lstStyle/>
+          <a:p>
+            <a:pPr marL="0" indent="0">
+              <a:lnSpc>
+                <a:spcPct val="150000"/>
+              </a:lnSpc>
+              <a:buNone/>
+            </a:pPr>
+            <a:r>
+              <a:rPr kumimoji="1" lang="ja-JP" altLang="en-US" sz="2400" spc="300" dirty="0">
+                <a:solidFill>
+                  <a:srgbClr val="EAEAEA"/>
+                </a:solidFill>
+                <a:latin typeface="Noto Sans JP Medium" panose="020B0200000000000000" pitchFamily="50" charset="-128"/>
+                <a:ea typeface="Noto Sans JP Medium" panose="020B0200000000000000" pitchFamily="50" charset="-128"/>
+              </a:rPr>
+              <a:t>地球から見た全天</a:t>
+            </a:r>
+            <a:r>
+              <a:rPr kumimoji="1" lang="en-US" altLang="ja-JP" sz="2400" spc="300" dirty="0">
+                <a:solidFill>
+                  <a:srgbClr val="EAEAEA"/>
+                </a:solidFill>
+                <a:latin typeface="Noto Sans JP Medium" panose="020B0200000000000000" pitchFamily="50" charset="-128"/>
+                <a:ea typeface="Noto Sans JP Medium" panose="020B0200000000000000" pitchFamily="50" charset="-128"/>
+              </a:rPr>
+              <a:t>88</a:t>
+            </a:r>
+            <a:r>
+              <a:rPr kumimoji="1" lang="ja-JP" altLang="en-US" sz="2400" spc="300" dirty="0">
+                <a:solidFill>
+                  <a:srgbClr val="EAEAEA"/>
+                </a:solidFill>
+                <a:latin typeface="Noto Sans JP Medium" panose="020B0200000000000000" pitchFamily="50" charset="-128"/>
+                <a:ea typeface="Noto Sans JP Medium" panose="020B0200000000000000" pitchFamily="50" charset="-128"/>
+              </a:rPr>
+              <a:t>星座を別の惑星の視点からでも確認できるようにする</a:t>
+            </a:r>
+          </a:p>
+        </p:txBody>
+      </p:sp>
+      <p:pic>
+        <p:nvPicPr>
+          <p:cNvPr id="5" name="図 4">
+            <a:extLst>
+              <a:ext uri="{FF2B5EF4-FFF2-40B4-BE49-F238E27FC236}">
+                <a16:creationId xmlns:a16="http://schemas.microsoft.com/office/drawing/2014/main" id="{5BB9803F-686A-5373-5AC6-1674378EF88D}"/>
+              </a:ext>
+            </a:extLst>
+          </p:cNvPr>
+          <p:cNvPicPr>
+            <a:picLocks noChangeAspect="1"/>
+          </p:cNvPicPr>
+          <p:nvPr/>
+        </p:nvPicPr>
+        <p:blipFill>
+          <a:blip r:embed="rId2">
+            <a:extLst>
+              <a:ext uri="{28A0092B-C50C-407E-A947-70E740481C1C}">
+                <a14:useLocalDpi xmlns:a14="http://schemas.microsoft.com/office/drawing/2010/main" val="0"/>
+              </a:ext>
+            </a:extLst>
+          </a:blip>
+          <a:stretch>
+            <a:fillRect/>
+          </a:stretch>
+        </p:blipFill>
+        <p:spPr>
+          <a:xfrm>
+            <a:off x="1563968" y="1317744"/>
+            <a:ext cx="1116174" cy="1116174"/>
+          </a:xfrm>
+          <a:prstGeom prst="rect">
+            <a:avLst/>
+          </a:prstGeom>
+        </p:spPr>
+      </p:pic>
+      <p:sp>
+        <p:nvSpPr>
+          <p:cNvPr id="8" name="コンテンツ プレースホルダー 2">
+            <a:extLst>
+              <a:ext uri="{FF2B5EF4-FFF2-40B4-BE49-F238E27FC236}">
+                <a16:creationId xmlns:a16="http://schemas.microsoft.com/office/drawing/2014/main" id="{85E38BAB-BA03-5EBA-7C80-5855347AAE8F}"/>
+              </a:ext>
+            </a:extLst>
+          </p:cNvPr>
+          <p:cNvSpPr txBox="1">
+            <a:spLocks/>
+          </p:cNvSpPr>
+          <p:nvPr/>
+        </p:nvSpPr>
+        <p:spPr>
+          <a:xfrm>
+            <a:off x="4106678" y="2870913"/>
+            <a:ext cx="6985172" cy="1116174"/>
+          </a:xfrm>
+          <a:prstGeom prst="rect">
+            <a:avLst/>
+          </a:prstGeom>
+        </p:spPr>
+        <p:txBody>
+          <a:bodyPr vert="horz" lIns="91440" tIns="45720" rIns="91440" bIns="45720" rtlCol="0">
+            <a:noAutofit/>
+          </a:bodyPr>
+          <a:lstStyle>
+            <a:lvl1pPr marL="228600" indent="-228600" algn="l" defTabSz="914400" rtl="0" eaLnBrk="1" latinLnBrk="0" hangingPunct="1">
+              <a:lnSpc>
+                <a:spcPct val="90000"/>
+              </a:lnSpc>
+              <a:spcBef>
+                <a:spcPts val="1000"/>
+              </a:spcBef>
+              <a:buFont typeface="Arial" panose="020B0604020202020204" pitchFamily="34" charset="0"/>
+              <a:buChar char="•"/>
+              <a:defRPr kumimoji="1" sz="2800" kern="1200">
+                <a:solidFill>
+                  <a:schemeClr val="tx1"/>
+                </a:solidFill>
+                <a:latin typeface="+mn-lt"/>
+                <a:ea typeface="+mn-ea"/>
+                <a:cs typeface="+mn-cs"/>
+              </a:defRPr>
+            </a:lvl1pPr>
+            <a:lvl2pPr marL="685800" indent="-228600" algn="l" defTabSz="914400" rtl="0" eaLnBrk="1" latinLnBrk="0" hangingPunct="1">
+              <a:lnSpc>
+                <a:spcPct val="90000"/>
+              </a:lnSpc>
+              <a:spcBef>
+                <a:spcPts val="500"/>
+              </a:spcBef>
+              <a:buFont typeface="Arial" panose="020B0604020202020204" pitchFamily="34" charset="0"/>
+              <a:buChar char="•"/>
+              <a:defRPr kumimoji="1" sz="2400" kern="1200">
+                <a:solidFill>
+                  <a:schemeClr val="tx1"/>
+                </a:solidFill>
+                <a:latin typeface="+mn-lt"/>
+                <a:ea typeface="+mn-ea"/>
+                <a:cs typeface="+mn-cs"/>
+              </a:defRPr>
+            </a:lvl2pPr>
+            <a:lvl3pPr marL="1143000" indent="-228600" algn="l" defTabSz="914400" rtl="0" eaLnBrk="1" latinLnBrk="0" hangingPunct="1">
+              <a:lnSpc>
+                <a:spcPct val="90000"/>
+              </a:lnSpc>
+              <a:spcBef>
+                <a:spcPts val="500"/>
+              </a:spcBef>
+              <a:buFont typeface="Arial" panose="020B0604020202020204" pitchFamily="34" charset="0"/>
+              <a:buChar char="•"/>
+              <a:defRPr kumimoji="1" sz="2000" kern="1200">
+                <a:solidFill>
+                  <a:schemeClr val="tx1"/>
+                </a:solidFill>
+                <a:latin typeface="+mn-lt"/>
+                <a:ea typeface="+mn-ea"/>
+                <a:cs typeface="+mn-cs"/>
+              </a:defRPr>
+            </a:lvl3pPr>
+            <a:lvl4pPr marL="1600200" indent="-228600" algn="l" defTabSz="914400" rtl="0" eaLnBrk="1" latinLnBrk="0" hangingPunct="1">
+              <a:lnSpc>
+                <a:spcPct val="90000"/>
+              </a:lnSpc>
+              <a:spcBef>
+                <a:spcPts val="500"/>
+              </a:spcBef>
+              <a:buFont typeface="Arial" panose="020B0604020202020204" pitchFamily="34" charset="0"/>
+              <a:buChar char="•"/>
+              <a:defRPr kumimoji="1" sz="1800" kern="1200">
+                <a:solidFill>
+                  <a:schemeClr val="tx1"/>
+                </a:solidFill>
+                <a:latin typeface="+mn-lt"/>
+                <a:ea typeface="+mn-ea"/>
+                <a:cs typeface="+mn-cs"/>
+              </a:defRPr>
+            </a:lvl4pPr>
+            <a:lvl5pPr marL="2057400" indent="-228600" algn="l" defTabSz="914400" rtl="0" eaLnBrk="1" latinLnBrk="0" hangingPunct="1">
+              <a:lnSpc>
+                <a:spcPct val="90000"/>
+              </a:lnSpc>
+              <a:spcBef>
+                <a:spcPts val="500"/>
+              </a:spcBef>
+              <a:buFont typeface="Arial" panose="020B0604020202020204" pitchFamily="34" charset="0"/>
+              <a:buChar char="•"/>
+              <a:defRPr kumimoji="1" sz="1800" kern="1200">
+                <a:solidFill>
+                  <a:schemeClr val="tx1"/>
+                </a:solidFill>
+                <a:latin typeface="+mn-lt"/>
+                <a:ea typeface="+mn-ea"/>
+                <a:cs typeface="+mn-cs"/>
+              </a:defRPr>
+            </a:lvl5pPr>
+            <a:lvl6pPr marL="2514600" indent="-228600" algn="l" defTabSz="914400" rtl="0" eaLnBrk="1" latinLnBrk="0" hangingPunct="1">
+              <a:lnSpc>
+                <a:spcPct val="90000"/>
+              </a:lnSpc>
+              <a:spcBef>
+                <a:spcPts val="500"/>
+              </a:spcBef>
+              <a:buFont typeface="Arial" panose="020B0604020202020204" pitchFamily="34" charset="0"/>
+              <a:buChar char="•"/>
+              <a:defRPr kumimoji="1" sz="1800" kern="1200">
+                <a:solidFill>
+                  <a:schemeClr val="tx1"/>
+                </a:solidFill>
+                <a:latin typeface="+mn-lt"/>
+                <a:ea typeface="+mn-ea"/>
+                <a:cs typeface="+mn-cs"/>
+              </a:defRPr>
+            </a:lvl6pPr>
+            <a:lvl7pPr marL="2971800" indent="-228600" algn="l" defTabSz="914400" rtl="0" eaLnBrk="1" latinLnBrk="0" hangingPunct="1">
+              <a:lnSpc>
+                <a:spcPct val="90000"/>
+              </a:lnSpc>
+              <a:spcBef>
+                <a:spcPts val="500"/>
+              </a:spcBef>
+              <a:buFont typeface="Arial" panose="020B0604020202020204" pitchFamily="34" charset="0"/>
+              <a:buChar char="•"/>
+              <a:defRPr kumimoji="1" sz="1800" kern="1200">
+                <a:solidFill>
+                  <a:schemeClr val="tx1"/>
+                </a:solidFill>
+                <a:latin typeface="+mn-lt"/>
+                <a:ea typeface="+mn-ea"/>
+                <a:cs typeface="+mn-cs"/>
+              </a:defRPr>
+            </a:lvl7pPr>
+            <a:lvl8pPr marL="3429000" indent="-228600" algn="l" defTabSz="914400" rtl="0" eaLnBrk="1" latinLnBrk="0" hangingPunct="1">
+              <a:lnSpc>
+                <a:spcPct val="90000"/>
+              </a:lnSpc>
+              <a:spcBef>
+                <a:spcPts val="500"/>
+              </a:spcBef>
+              <a:buFont typeface="Arial" panose="020B0604020202020204" pitchFamily="34" charset="0"/>
+              <a:buChar char="•"/>
+              <a:defRPr kumimoji="1" sz="1800" kern="1200">
+                <a:solidFill>
+                  <a:schemeClr val="tx1"/>
+                </a:solidFill>
+                <a:latin typeface="+mn-lt"/>
+                <a:ea typeface="+mn-ea"/>
+                <a:cs typeface="+mn-cs"/>
+              </a:defRPr>
+            </a:lvl8pPr>
+            <a:lvl9pPr marL="3886200" indent="-228600" algn="l" defTabSz="914400" rtl="0" eaLnBrk="1" latinLnBrk="0" hangingPunct="1">
+              <a:lnSpc>
+                <a:spcPct val="90000"/>
+              </a:lnSpc>
+              <a:spcBef>
+                <a:spcPts val="500"/>
+              </a:spcBef>
+              <a:buFont typeface="Arial" panose="020B0604020202020204" pitchFamily="34" charset="0"/>
+              <a:buChar char="•"/>
+              <a:defRPr kumimoji="1" sz="1800" kern="1200">
+                <a:solidFill>
+                  <a:schemeClr val="tx1"/>
+                </a:solidFill>
+                <a:latin typeface="+mn-lt"/>
+                <a:ea typeface="+mn-ea"/>
+                <a:cs typeface="+mn-cs"/>
+              </a:defRPr>
+            </a:lvl9pPr>
+          </a:lstStyle>
+          <a:p>
+            <a:pPr marL="0" indent="0">
+              <a:lnSpc>
+                <a:spcPct val="150000"/>
+              </a:lnSpc>
+              <a:buNone/>
+            </a:pPr>
+            <a:r>
+              <a:rPr lang="ja-JP" altLang="en-US" sz="2400" spc="300" dirty="0">
+                <a:solidFill>
+                  <a:srgbClr val="EAEAEA"/>
+                </a:solidFill>
+                <a:latin typeface="Noto Sans JP Medium" panose="020B0200000000000000" pitchFamily="50" charset="-128"/>
+                <a:ea typeface="Noto Sans JP Medium" panose="020B0200000000000000" pitchFamily="50" charset="-128"/>
+              </a:rPr>
+              <a:t>過去に消滅してしまった星座を復元してサイト上に表示する</a:t>
+            </a:r>
+            <a:endParaRPr kumimoji="1" lang="ja-JP" altLang="en-US" sz="2400" spc="300" dirty="0">
+              <a:solidFill>
+                <a:srgbClr val="EAEAEA"/>
+              </a:solidFill>
+              <a:latin typeface="Noto Sans JP Medium" panose="020B0200000000000000" pitchFamily="50" charset="-128"/>
+              <a:ea typeface="Noto Sans JP Medium" panose="020B0200000000000000" pitchFamily="50" charset="-128"/>
+            </a:endParaRPr>
+          </a:p>
+        </p:txBody>
+      </p:sp>
+      <p:sp>
+        <p:nvSpPr>
+          <p:cNvPr id="9" name="コンテンツ プレースホルダー 2">
+            <a:extLst>
+              <a:ext uri="{FF2B5EF4-FFF2-40B4-BE49-F238E27FC236}">
+                <a16:creationId xmlns:a16="http://schemas.microsoft.com/office/drawing/2014/main" id="{DB3F7109-8475-319E-8453-D1FE648840D4}"/>
+              </a:ext>
+            </a:extLst>
+          </p:cNvPr>
+          <p:cNvSpPr txBox="1">
+            <a:spLocks/>
+          </p:cNvSpPr>
+          <p:nvPr/>
+        </p:nvSpPr>
+        <p:spPr>
+          <a:xfrm>
+            <a:off x="4106678" y="4424082"/>
+            <a:ext cx="6985172" cy="1116174"/>
+          </a:xfrm>
+          <a:prstGeom prst="rect">
+            <a:avLst/>
+          </a:prstGeom>
+        </p:spPr>
+        <p:txBody>
+          <a:bodyPr vert="horz" lIns="91440" tIns="45720" rIns="91440" bIns="45720" rtlCol="0">
+            <a:noAutofit/>
+          </a:bodyPr>
+          <a:lstStyle>
+            <a:lvl1pPr marL="228600" indent="-228600" algn="l" defTabSz="914400" rtl="0" eaLnBrk="1" latinLnBrk="0" hangingPunct="1">
+              <a:lnSpc>
+                <a:spcPct val="90000"/>
+              </a:lnSpc>
+              <a:spcBef>
+                <a:spcPts val="1000"/>
+              </a:spcBef>
+              <a:buFont typeface="Arial" panose="020B0604020202020204" pitchFamily="34" charset="0"/>
+              <a:buChar char="•"/>
+              <a:defRPr kumimoji="1" sz="2800" kern="1200">
+                <a:solidFill>
+                  <a:schemeClr val="tx1"/>
+                </a:solidFill>
+                <a:latin typeface="+mn-lt"/>
+                <a:ea typeface="+mn-ea"/>
+                <a:cs typeface="+mn-cs"/>
+              </a:defRPr>
+            </a:lvl1pPr>
+            <a:lvl2pPr marL="685800" indent="-228600" algn="l" defTabSz="914400" rtl="0" eaLnBrk="1" latinLnBrk="0" hangingPunct="1">
+              <a:lnSpc>
+                <a:spcPct val="90000"/>
+              </a:lnSpc>
+              <a:spcBef>
+                <a:spcPts val="500"/>
+              </a:spcBef>
+              <a:buFont typeface="Arial" panose="020B0604020202020204" pitchFamily="34" charset="0"/>
+              <a:buChar char="•"/>
+              <a:defRPr kumimoji="1" sz="2400" kern="1200">
+                <a:solidFill>
+                  <a:schemeClr val="tx1"/>
+                </a:solidFill>
+                <a:latin typeface="+mn-lt"/>
+                <a:ea typeface="+mn-ea"/>
+                <a:cs typeface="+mn-cs"/>
+              </a:defRPr>
+            </a:lvl2pPr>
+            <a:lvl3pPr marL="1143000" indent="-228600" algn="l" defTabSz="914400" rtl="0" eaLnBrk="1" latinLnBrk="0" hangingPunct="1">
+              <a:lnSpc>
+                <a:spcPct val="90000"/>
+              </a:lnSpc>
+              <a:spcBef>
+                <a:spcPts val="500"/>
+              </a:spcBef>
+              <a:buFont typeface="Arial" panose="020B0604020202020204" pitchFamily="34" charset="0"/>
+              <a:buChar char="•"/>
+              <a:defRPr kumimoji="1" sz="2000" kern="1200">
+                <a:solidFill>
+                  <a:schemeClr val="tx1"/>
+                </a:solidFill>
+                <a:latin typeface="+mn-lt"/>
+                <a:ea typeface="+mn-ea"/>
+                <a:cs typeface="+mn-cs"/>
+              </a:defRPr>
+            </a:lvl3pPr>
+            <a:lvl4pPr marL="1600200" indent="-228600" algn="l" defTabSz="914400" rtl="0" eaLnBrk="1" latinLnBrk="0" hangingPunct="1">
+              <a:lnSpc>
+                <a:spcPct val="90000"/>
+              </a:lnSpc>
+              <a:spcBef>
+                <a:spcPts val="500"/>
+              </a:spcBef>
+              <a:buFont typeface="Arial" panose="020B0604020202020204" pitchFamily="34" charset="0"/>
+              <a:buChar char="•"/>
+              <a:defRPr kumimoji="1" sz="1800" kern="1200">
+                <a:solidFill>
+                  <a:schemeClr val="tx1"/>
+                </a:solidFill>
+                <a:latin typeface="+mn-lt"/>
+                <a:ea typeface="+mn-ea"/>
+                <a:cs typeface="+mn-cs"/>
+              </a:defRPr>
+            </a:lvl4pPr>
+            <a:lvl5pPr marL="2057400" indent="-228600" algn="l" defTabSz="914400" rtl="0" eaLnBrk="1" latinLnBrk="0" hangingPunct="1">
+              <a:lnSpc>
+                <a:spcPct val="90000"/>
+              </a:lnSpc>
+              <a:spcBef>
+                <a:spcPts val="500"/>
+              </a:spcBef>
+              <a:buFont typeface="Arial" panose="020B0604020202020204" pitchFamily="34" charset="0"/>
+              <a:buChar char="•"/>
+              <a:defRPr kumimoji="1" sz="1800" kern="1200">
+                <a:solidFill>
+                  <a:schemeClr val="tx1"/>
+                </a:solidFill>
+                <a:latin typeface="+mn-lt"/>
+                <a:ea typeface="+mn-ea"/>
+                <a:cs typeface="+mn-cs"/>
+              </a:defRPr>
+            </a:lvl5pPr>
+            <a:lvl6pPr marL="2514600" indent="-228600" algn="l" defTabSz="914400" rtl="0" eaLnBrk="1" latinLnBrk="0" hangingPunct="1">
+              <a:lnSpc>
+                <a:spcPct val="90000"/>
+              </a:lnSpc>
+              <a:spcBef>
+                <a:spcPts val="500"/>
+              </a:spcBef>
+              <a:buFont typeface="Arial" panose="020B0604020202020204" pitchFamily="34" charset="0"/>
+              <a:buChar char="•"/>
+              <a:defRPr kumimoji="1" sz="1800" kern="1200">
+                <a:solidFill>
+                  <a:schemeClr val="tx1"/>
+                </a:solidFill>
+                <a:latin typeface="+mn-lt"/>
+                <a:ea typeface="+mn-ea"/>
+                <a:cs typeface="+mn-cs"/>
+              </a:defRPr>
+            </a:lvl6pPr>
+            <a:lvl7pPr marL="2971800" indent="-228600" algn="l" defTabSz="914400" rtl="0" eaLnBrk="1" latinLnBrk="0" hangingPunct="1">
+              <a:lnSpc>
+                <a:spcPct val="90000"/>
+              </a:lnSpc>
+              <a:spcBef>
+                <a:spcPts val="500"/>
+              </a:spcBef>
+              <a:buFont typeface="Arial" panose="020B0604020202020204" pitchFamily="34" charset="0"/>
+              <a:buChar char="•"/>
+              <a:defRPr kumimoji="1" sz="1800" kern="1200">
+                <a:solidFill>
+                  <a:schemeClr val="tx1"/>
+                </a:solidFill>
+                <a:latin typeface="+mn-lt"/>
+                <a:ea typeface="+mn-ea"/>
+                <a:cs typeface="+mn-cs"/>
+              </a:defRPr>
+            </a:lvl7pPr>
+            <a:lvl8pPr marL="3429000" indent="-228600" algn="l" defTabSz="914400" rtl="0" eaLnBrk="1" latinLnBrk="0" hangingPunct="1">
+              <a:lnSpc>
+                <a:spcPct val="90000"/>
+              </a:lnSpc>
+              <a:spcBef>
+                <a:spcPts val="500"/>
+              </a:spcBef>
+              <a:buFont typeface="Arial" panose="020B0604020202020204" pitchFamily="34" charset="0"/>
+              <a:buChar char="•"/>
+              <a:defRPr kumimoji="1" sz="1800" kern="1200">
+                <a:solidFill>
+                  <a:schemeClr val="tx1"/>
+                </a:solidFill>
+                <a:latin typeface="+mn-lt"/>
+                <a:ea typeface="+mn-ea"/>
+                <a:cs typeface="+mn-cs"/>
+              </a:defRPr>
+            </a:lvl8pPr>
+            <a:lvl9pPr marL="3886200" indent="-228600" algn="l" defTabSz="914400" rtl="0" eaLnBrk="1" latinLnBrk="0" hangingPunct="1">
+              <a:lnSpc>
+                <a:spcPct val="90000"/>
+              </a:lnSpc>
+              <a:spcBef>
+                <a:spcPts val="500"/>
+              </a:spcBef>
+              <a:buFont typeface="Arial" panose="020B0604020202020204" pitchFamily="34" charset="0"/>
+              <a:buChar char="•"/>
+              <a:defRPr kumimoji="1" sz="1800" kern="1200">
+                <a:solidFill>
+                  <a:schemeClr val="tx1"/>
+                </a:solidFill>
+                <a:latin typeface="+mn-lt"/>
+                <a:ea typeface="+mn-ea"/>
+                <a:cs typeface="+mn-cs"/>
+              </a:defRPr>
+            </a:lvl9pPr>
+          </a:lstStyle>
+          <a:p>
+            <a:pPr marL="0" indent="0">
+              <a:lnSpc>
+                <a:spcPct val="150000"/>
+              </a:lnSpc>
+              <a:buNone/>
+            </a:pPr>
+            <a:r>
+              <a:rPr kumimoji="1" lang="ja-JP" altLang="en-US" sz="2400" spc="300" dirty="0">
+                <a:solidFill>
+                  <a:srgbClr val="EAEAEA"/>
+                </a:solidFill>
+                <a:latin typeface="Noto Sans JP Medium" panose="020B0200000000000000" pitchFamily="50" charset="-128"/>
+                <a:ea typeface="Noto Sans JP Medium" panose="020B0200000000000000" pitchFamily="50" charset="-128"/>
+              </a:rPr>
+              <a:t>ユーザーの作った星座のコンテスト</a:t>
+            </a:r>
+            <a:r>
+              <a:rPr lang="ja-JP" altLang="en-US" sz="2400" spc="300" dirty="0">
+                <a:solidFill>
+                  <a:srgbClr val="EAEAEA"/>
+                </a:solidFill>
+                <a:latin typeface="Noto Sans JP Medium" panose="020B0200000000000000" pitchFamily="50" charset="-128"/>
+                <a:ea typeface="Noto Sans JP Medium" panose="020B0200000000000000" pitchFamily="50" charset="-128"/>
+              </a:rPr>
+              <a:t>を</a:t>
+            </a:r>
+            <a:r>
+              <a:rPr kumimoji="1" lang="ja-JP" altLang="en-US" sz="2400" spc="300" dirty="0">
+                <a:solidFill>
+                  <a:srgbClr val="EAEAEA"/>
+                </a:solidFill>
+                <a:latin typeface="Noto Sans JP Medium" panose="020B0200000000000000" pitchFamily="50" charset="-128"/>
+                <a:ea typeface="Noto Sans JP Medium" panose="020B0200000000000000" pitchFamily="50" charset="-128"/>
+              </a:rPr>
+              <a:t>開催し、宇宙教育を活性化させる</a:t>
+            </a:r>
+          </a:p>
+        </p:txBody>
+      </p:sp>
+      <p:pic>
+        <p:nvPicPr>
+          <p:cNvPr id="10" name="図 9">
+            <a:extLst>
+              <a:ext uri="{FF2B5EF4-FFF2-40B4-BE49-F238E27FC236}">
+                <a16:creationId xmlns:a16="http://schemas.microsoft.com/office/drawing/2014/main" id="{FC63D62A-1C83-2E25-A81A-1200F86519E6}"/>
+              </a:ext>
+            </a:extLst>
+          </p:cNvPr>
+          <p:cNvPicPr>
+            <a:picLocks noChangeAspect="1"/>
+          </p:cNvPicPr>
+          <p:nvPr/>
+        </p:nvPicPr>
+        <p:blipFill>
+          <a:blip r:embed="rId3">
+            <a:extLst>
+              <a:ext uri="{28A0092B-C50C-407E-A947-70E740481C1C}">
+                <a14:useLocalDpi xmlns:a14="http://schemas.microsoft.com/office/drawing/2010/main" val="0"/>
+              </a:ext>
+            </a:extLst>
+          </a:blip>
+          <a:stretch>
+            <a:fillRect/>
+          </a:stretch>
+        </p:blipFill>
+        <p:spPr>
+          <a:xfrm>
+            <a:off x="1477493" y="2784438"/>
+            <a:ext cx="1289124" cy="1289124"/>
+          </a:xfrm>
+          <a:prstGeom prst="rect">
+            <a:avLst/>
+          </a:prstGeom>
+        </p:spPr>
+      </p:pic>
+      <p:pic>
+        <p:nvPicPr>
+          <p:cNvPr id="12" name="グラフィックス 11">
+            <a:extLst>
+              <a:ext uri="{FF2B5EF4-FFF2-40B4-BE49-F238E27FC236}">
+                <a16:creationId xmlns:a16="http://schemas.microsoft.com/office/drawing/2014/main" id="{FBC94CCE-6439-C67B-5A3D-C5C86B5D0094}"/>
+              </a:ext>
+            </a:extLst>
+          </p:cNvPr>
+          <p:cNvPicPr>
+            <a:picLocks noChangeAspect="1"/>
+          </p:cNvPicPr>
+          <p:nvPr/>
+        </p:nvPicPr>
+        <p:blipFill>
+          <a:blip r:embed="rId4">
+            <a:extLst>
+              <a:ext uri="{96DAC541-7B7A-43D3-8B79-37D633B846F1}">
+                <asvg:svgBlip xmlns:asvg="http://schemas.microsoft.com/office/drawing/2016/SVG/main" r:embed="rId5"/>
+              </a:ext>
+            </a:extLst>
+          </a:blip>
+          <a:stretch>
+            <a:fillRect/>
+          </a:stretch>
+        </p:blipFill>
+        <p:spPr>
+          <a:xfrm>
+            <a:off x="1684992" y="4545106"/>
+            <a:ext cx="874126" cy="874126"/>
+          </a:xfrm>
+          <a:prstGeom prst="rect">
+            <a:avLst/>
+          </a:prstGeom>
+        </p:spPr>
+      </p:pic>
+      <p:sp>
+        <p:nvSpPr>
+          <p:cNvPr id="17" name="正方形/長方形 16">
+            <a:extLst>
+              <a:ext uri="{FF2B5EF4-FFF2-40B4-BE49-F238E27FC236}">
+                <a16:creationId xmlns:a16="http://schemas.microsoft.com/office/drawing/2014/main" id="{5177C76A-7AE7-7E1A-9700-0D454E6DA0CC}"/>
+              </a:ext>
+            </a:extLst>
+          </p:cNvPr>
+          <p:cNvSpPr/>
+          <p:nvPr/>
+        </p:nvSpPr>
+        <p:spPr>
+          <a:xfrm>
+            <a:off x="3324425" y="1568756"/>
+            <a:ext cx="45720" cy="614150"/>
+          </a:xfrm>
+          <a:prstGeom prst="rect">
+            <a:avLst/>
+          </a:prstGeom>
+          <a:solidFill>
+            <a:srgbClr val="A0E9D6"/>
+          </a:solidFill>
+        </p:spPr>
+        <p:style>
+          <a:lnRef idx="2">
+            <a:schemeClr val="accent1">
+              <a:shade val="15000"/>
+            </a:schemeClr>
+          </a:lnRef>
+          <a:fillRef idx="1">
+            <a:schemeClr val="accent1"/>
+          </a:fillRef>
+          <a:effectRef idx="0">
+            <a:schemeClr val="accent1"/>
+          </a:effectRef>
+          <a:fontRef idx="minor">
+            <a:schemeClr val="lt1"/>
+          </a:fontRef>
+        </p:style>
+        <p:txBody>
+          <a:bodyPr rtlCol="0" anchor="ctr"/>
+          <a:lstStyle/>
+          <a:p>
+            <a:pPr algn="ctr"/>
+            <a:endParaRPr kumimoji="1" lang="ja-JP" altLang="en-US"/>
+          </a:p>
+        </p:txBody>
+      </p:sp>
+      <p:sp>
+        <p:nvSpPr>
+          <p:cNvPr id="18" name="正方形/長方形 17">
+            <a:extLst>
+              <a:ext uri="{FF2B5EF4-FFF2-40B4-BE49-F238E27FC236}">
+                <a16:creationId xmlns:a16="http://schemas.microsoft.com/office/drawing/2014/main" id="{78EC6A7C-560D-24EA-8CED-4BD410B7BB7E}"/>
+              </a:ext>
+            </a:extLst>
+          </p:cNvPr>
+          <p:cNvSpPr/>
+          <p:nvPr/>
+        </p:nvSpPr>
+        <p:spPr>
+          <a:xfrm>
+            <a:off x="3324425" y="3121925"/>
+            <a:ext cx="45720" cy="614150"/>
+          </a:xfrm>
+          <a:prstGeom prst="rect">
+            <a:avLst/>
+          </a:prstGeom>
+          <a:solidFill>
+            <a:srgbClr val="A0E9D6"/>
+          </a:solidFill>
+        </p:spPr>
+        <p:style>
+          <a:lnRef idx="2">
+            <a:schemeClr val="accent1">
+              <a:shade val="15000"/>
+            </a:schemeClr>
+          </a:lnRef>
+          <a:fillRef idx="1">
+            <a:schemeClr val="accent1"/>
+          </a:fillRef>
+          <a:effectRef idx="0">
+            <a:schemeClr val="accent1"/>
+          </a:effectRef>
+          <a:fontRef idx="minor">
+            <a:schemeClr val="lt1"/>
+          </a:fontRef>
+        </p:style>
+        <p:txBody>
+          <a:bodyPr rtlCol="0" anchor="ctr"/>
+          <a:lstStyle/>
+          <a:p>
+            <a:pPr algn="ctr"/>
+            <a:endParaRPr kumimoji="1" lang="ja-JP" altLang="en-US"/>
+          </a:p>
+        </p:txBody>
+      </p:sp>
+      <p:sp>
+        <p:nvSpPr>
+          <p:cNvPr id="19" name="正方形/長方形 18">
+            <a:extLst>
+              <a:ext uri="{FF2B5EF4-FFF2-40B4-BE49-F238E27FC236}">
+                <a16:creationId xmlns:a16="http://schemas.microsoft.com/office/drawing/2014/main" id="{44276FF4-3EAA-D3C5-B74C-3DB7157491D0}"/>
+              </a:ext>
+            </a:extLst>
+          </p:cNvPr>
+          <p:cNvSpPr/>
+          <p:nvPr/>
+        </p:nvSpPr>
+        <p:spPr>
+          <a:xfrm>
+            <a:off x="3324425" y="4675094"/>
+            <a:ext cx="45720" cy="614150"/>
+          </a:xfrm>
+          <a:prstGeom prst="rect">
+            <a:avLst/>
+          </a:prstGeom>
+          <a:solidFill>
+            <a:srgbClr val="A0E9D6"/>
+          </a:solidFill>
+        </p:spPr>
+        <p:style>
+          <a:lnRef idx="2">
+            <a:schemeClr val="accent1">
+              <a:shade val="15000"/>
+            </a:schemeClr>
+          </a:lnRef>
+          <a:fillRef idx="1">
+            <a:schemeClr val="accent1"/>
+          </a:fillRef>
+          <a:effectRef idx="0">
+            <a:schemeClr val="accent1"/>
+          </a:effectRef>
+          <a:fontRef idx="minor">
+            <a:schemeClr val="lt1"/>
+          </a:fontRef>
+        </p:style>
+        <p:txBody>
+          <a:bodyPr rtlCol="0" anchor="ctr"/>
+          <a:lstStyle/>
+          <a:p>
+            <a:pPr algn="ctr"/>
+            <a:endParaRPr kumimoji="1" lang="ja-JP" altLang="en-US"/>
+          </a:p>
+        </p:txBody>
+      </p:sp>
+    </p:spTree>
+    <p:extLst>
+      <p:ext uri="{BB962C8B-B14F-4D97-AF65-F5344CB8AC3E}">
+        <p14:creationId xmlns:p14="http://schemas.microsoft.com/office/powerpoint/2010/main" val="2744532868"/>
       </p:ext>
     </p:extLst>
   </p:cSld>
